--- a/Task/2016-01-27-购物篮关联分析/PPT/超市信息部-关联分析培训.pptx
+++ b/Task/2016-01-27-购物篮关联分析/PPT/超市信息部-关联分析培训.pptx
@@ -120,6 +120,11 @@
       </a:defRPr>
     </a:lvl9pPr>
   </p:defaultTextStyle>
+  <p:extLst>
+    <p:ext uri="{EFAFB233-063F-42B5-8137-9DF3F51BA10A}">
+      <p15:sldGuideLst xmlns:p15="http://schemas.microsoft.com/office/powerpoint/2012/main"/>
+    </p:ext>
+  </p:extLst>
 </p:presentation>
 </file>
 
@@ -2487,6 +2492,13 @@
         </dgm:presLayoutVars>
       </dgm:prSet>
       <dgm:spPr/>
+      <dgm:t>
+        <a:bodyPr/>
+        <a:lstStyle/>
+        <a:p>
+          <a:endParaRPr lang="zh-CN" altLang="en-US"/>
+        </a:p>
+      </dgm:t>
     </dgm:pt>
     <dgm:pt modelId="{324625A1-79AB-4C82-B960-27D2EF3FAD0B}" type="pres">
       <dgm:prSet presAssocID="{5AF8D25A-02B6-42EB-918E-E44D3AEE7A76}" presName="spacing" presStyleCnt="0"/>
@@ -2507,6 +2519,13 @@
         </dgm:presLayoutVars>
       </dgm:prSet>
       <dgm:spPr/>
+      <dgm:t>
+        <a:bodyPr/>
+        <a:lstStyle/>
+        <a:p>
+          <a:endParaRPr lang="zh-CN" altLang="en-US"/>
+        </a:p>
+      </dgm:t>
     </dgm:pt>
   </dgm:ptLst>
   <dgm:cxnLst>
@@ -2543,7 +2562,7 @@
 <dgm:dataModel xmlns:dgm="http://schemas.openxmlformats.org/drawingml/2006/diagram" xmlns:a="http://schemas.openxmlformats.org/drawingml/2006/main">
   <dgm:ptLst>
     <dgm:pt modelId="{7B3F8B0E-DEC9-4C28-90BB-BE591D9A3D99}" type="doc">
-      <dgm:prSet loTypeId="urn:microsoft.com/office/officeart/2008/layout/AlternatingHexagons" loCatId="list" qsTypeId="urn:microsoft.com/office/officeart/2005/8/quickstyle/simple5" qsCatId="simple" csTypeId="urn:microsoft.com/office/officeart/2005/8/colors/accent1_2" csCatId="accent1" phldr="1"/>
+      <dgm:prSet loTypeId="urn:microsoft.com/office/officeart/2005/8/layout/vList3" loCatId="list" qsTypeId="urn:microsoft.com/office/officeart/2005/8/quickstyle/simple5" qsCatId="simple" csTypeId="urn:microsoft.com/office/officeart/2005/8/colors/accent1_2" csCatId="accent1" phldr="1"/>
       <dgm:spPr/>
       <dgm:t>
         <a:bodyPr/>
@@ -2816,116 +2835,33 @@
         </a:p>
       </dgm:t>
     </dgm:pt>
-    <dgm:pt modelId="{0E6BC6CC-699D-417E-AD12-6CE7162801B2}" type="pres">
-      <dgm:prSet presAssocID="{7B3F8B0E-DEC9-4C28-90BB-BE591D9A3D99}" presName="Name0" presStyleCnt="0">
+    <dgm:pt modelId="{18CEBCC8-CD51-43A7-ABD8-31C1586196D5}" type="pres">
+      <dgm:prSet presAssocID="{7B3F8B0E-DEC9-4C28-90BB-BE591D9A3D99}" presName="linearFlow" presStyleCnt="0">
         <dgm:presLayoutVars>
-          <dgm:chMax/>
-          <dgm:chPref/>
           <dgm:dir/>
-          <dgm:animLvl val="lvl"/>
+          <dgm:resizeHandles val="exact"/>
         </dgm:presLayoutVars>
       </dgm:prSet>
       <dgm:spPr/>
+      <dgm:t>
+        <a:bodyPr/>
+        <a:lstStyle/>
+        <a:p>
+          <a:endParaRPr lang="zh-CN" altLang="en-US"/>
+        </a:p>
+      </dgm:t>
     </dgm:pt>
-    <dgm:pt modelId="{7D318577-6CE8-49F6-B00B-41322DEF20A4}" type="pres">
+    <dgm:pt modelId="{921C094D-D4E7-48A6-845C-7ACE5504F532}" type="pres">
       <dgm:prSet presAssocID="{42166383-DFA9-43AB-980C-CEE06159C9B6}" presName="composite" presStyleCnt="0"/>
       <dgm:spPr/>
     </dgm:pt>
-    <dgm:pt modelId="{03BE1139-4844-4EAF-BA2E-5510EDD87832}" type="pres">
-      <dgm:prSet presAssocID="{42166383-DFA9-43AB-980C-CEE06159C9B6}" presName="Parent1" presStyleLbl="node1" presStyleIdx="0" presStyleCnt="8">
-        <dgm:presLayoutVars>
-          <dgm:chMax val="1"/>
-          <dgm:chPref val="1"/>
-          <dgm:bulletEnabled val="1"/>
-        </dgm:presLayoutVars>
-      </dgm:prSet>
+    <dgm:pt modelId="{E293ADF7-C1B6-4A46-878A-C229193FEDD0}" type="pres">
+      <dgm:prSet presAssocID="{42166383-DFA9-43AB-980C-CEE06159C9B6}" presName="imgShp" presStyleLbl="fgImgPlace1" presStyleIdx="0" presStyleCnt="7"/>
       <dgm:spPr/>
     </dgm:pt>
-    <dgm:pt modelId="{93FB7DE7-5DC7-4F2E-AF3B-4D6649D74D0D}" type="pres">
-      <dgm:prSet presAssocID="{42166383-DFA9-43AB-980C-CEE06159C9B6}" presName="Childtext1" presStyleLbl="revTx" presStyleIdx="0" presStyleCnt="4">
+    <dgm:pt modelId="{A7083900-4CA5-4147-86B8-76197CFD194B}" type="pres">
+      <dgm:prSet presAssocID="{42166383-DFA9-43AB-980C-CEE06159C9B6}" presName="txShp" presStyleLbl="node1" presStyleIdx="0" presStyleCnt="7">
         <dgm:presLayoutVars>
-          <dgm:chMax val="0"/>
-          <dgm:chPref val="0"/>
-          <dgm:bulletEnabled val="1"/>
-        </dgm:presLayoutVars>
-      </dgm:prSet>
-      <dgm:spPr/>
-    </dgm:pt>
-    <dgm:pt modelId="{8F8ECED8-DD24-42AE-9C9D-74DA93F25D20}" type="pres">
-      <dgm:prSet presAssocID="{42166383-DFA9-43AB-980C-CEE06159C9B6}" presName="BalanceSpacing" presStyleCnt="0"/>
-      <dgm:spPr/>
-    </dgm:pt>
-    <dgm:pt modelId="{812572B0-2B12-4598-9B2A-ADA2E9D2993E}" type="pres">
-      <dgm:prSet presAssocID="{42166383-DFA9-43AB-980C-CEE06159C9B6}" presName="BalanceSpacing1" presStyleCnt="0"/>
-      <dgm:spPr/>
-    </dgm:pt>
-    <dgm:pt modelId="{CBBEF42D-83D8-4621-8622-0D8389CCE5E7}" type="pres">
-      <dgm:prSet presAssocID="{AC6D6F3F-1595-4797-A1E4-FEC9930BE76C}" presName="Accent1Text" presStyleLbl="node1" presStyleIdx="1" presStyleCnt="8"/>
-      <dgm:spPr/>
-    </dgm:pt>
-    <dgm:pt modelId="{293C3A2E-E055-4BE2-B9F6-B1AB936B6C15}" type="pres">
-      <dgm:prSet presAssocID="{AC6D6F3F-1595-4797-A1E4-FEC9930BE76C}" presName="spaceBetweenRectangles" presStyleCnt="0"/>
-      <dgm:spPr/>
-    </dgm:pt>
-    <dgm:pt modelId="{DEC3EECF-FC6C-4C8F-B368-FF9C8926C6F1}" type="pres">
-      <dgm:prSet presAssocID="{6E879D9C-CFCF-4A2F-A09D-C44721718BA3}" presName="composite" presStyleCnt="0"/>
-      <dgm:spPr/>
-    </dgm:pt>
-    <dgm:pt modelId="{74DE52C0-0C89-4B66-BD63-C5727F5325EE}" type="pres">
-      <dgm:prSet presAssocID="{6E879D9C-CFCF-4A2F-A09D-C44721718BA3}" presName="Parent1" presStyleLbl="node1" presStyleIdx="2" presStyleCnt="8">
-        <dgm:presLayoutVars>
-          <dgm:chMax val="1"/>
-          <dgm:chPref val="1"/>
-          <dgm:bulletEnabled val="1"/>
-        </dgm:presLayoutVars>
-      </dgm:prSet>
-      <dgm:spPr/>
-    </dgm:pt>
-    <dgm:pt modelId="{29B65038-FED4-4B21-ABD1-AB66BED52D75}" type="pres">
-      <dgm:prSet presAssocID="{6E879D9C-CFCF-4A2F-A09D-C44721718BA3}" presName="Childtext1" presStyleLbl="revTx" presStyleIdx="1" presStyleCnt="4">
-        <dgm:presLayoutVars>
-          <dgm:chMax val="0"/>
-          <dgm:chPref val="0"/>
-          <dgm:bulletEnabled val="1"/>
-        </dgm:presLayoutVars>
-      </dgm:prSet>
-      <dgm:spPr/>
-    </dgm:pt>
-    <dgm:pt modelId="{94EB22F1-46F7-48FD-B5EA-B4945DAC91BA}" type="pres">
-      <dgm:prSet presAssocID="{6E879D9C-CFCF-4A2F-A09D-C44721718BA3}" presName="BalanceSpacing" presStyleCnt="0"/>
-      <dgm:spPr/>
-    </dgm:pt>
-    <dgm:pt modelId="{4162D786-5A58-4734-A7E4-E432F0A26061}" type="pres">
-      <dgm:prSet presAssocID="{6E879D9C-CFCF-4A2F-A09D-C44721718BA3}" presName="BalanceSpacing1" presStyleCnt="0"/>
-      <dgm:spPr/>
-    </dgm:pt>
-    <dgm:pt modelId="{5187DA73-A513-46D6-B65E-C944E5A4922F}" type="pres">
-      <dgm:prSet presAssocID="{5F585E74-4518-46E5-BC49-384679FFA63F}" presName="Accent1Text" presStyleLbl="node1" presStyleIdx="3" presStyleCnt="8"/>
-      <dgm:spPr/>
-    </dgm:pt>
-    <dgm:pt modelId="{C297D241-7084-4441-8C95-2D75D3D561A4}" type="pres">
-      <dgm:prSet presAssocID="{5F585E74-4518-46E5-BC49-384679FFA63F}" presName="spaceBetweenRectangles" presStyleCnt="0"/>
-      <dgm:spPr/>
-    </dgm:pt>
-    <dgm:pt modelId="{EC4B562E-38C3-4E80-93D2-98BE92BA8F6A}" type="pres">
-      <dgm:prSet presAssocID="{9BBDA8A1-7896-45B0-B57D-B2F8FECB6039}" presName="composite" presStyleCnt="0"/>
-      <dgm:spPr/>
-    </dgm:pt>
-    <dgm:pt modelId="{91670558-7868-4ABE-8668-F569AB53E8D9}" type="pres">
-      <dgm:prSet presAssocID="{9BBDA8A1-7896-45B0-B57D-B2F8FECB6039}" presName="Parent1" presStyleLbl="node1" presStyleIdx="4" presStyleCnt="8">
-        <dgm:presLayoutVars>
-          <dgm:chMax val="1"/>
-          <dgm:chPref val="1"/>
-          <dgm:bulletEnabled val="1"/>
-        </dgm:presLayoutVars>
-      </dgm:prSet>
-      <dgm:spPr/>
-    </dgm:pt>
-    <dgm:pt modelId="{67DAD3ED-CEDC-42A0-ADF0-BF56A77B1441}" type="pres">
-      <dgm:prSet presAssocID="{9BBDA8A1-7896-45B0-B57D-B2F8FECB6039}" presName="Childtext1" presStyleLbl="revTx" presStyleIdx="2" presStyleCnt="4">
-        <dgm:presLayoutVars>
-          <dgm:chMax val="0"/>
-          <dgm:chPref val="0"/>
           <dgm:bulletEnabled val="1"/>
         </dgm:presLayoutVars>
       </dgm:prSet>
@@ -2938,106 +2874,212 @@
         </a:p>
       </dgm:t>
     </dgm:pt>
-    <dgm:pt modelId="{8E768CD8-07E0-4655-AE55-C03CE71FDF63}" type="pres">
-      <dgm:prSet presAssocID="{9BBDA8A1-7896-45B0-B57D-B2F8FECB6039}" presName="BalanceSpacing" presStyleCnt="0"/>
+    <dgm:pt modelId="{C248D8E9-1A8A-4D63-8427-EFC8D95CF894}" type="pres">
+      <dgm:prSet presAssocID="{AC6D6F3F-1595-4797-A1E4-FEC9930BE76C}" presName="spacing" presStyleCnt="0"/>
       <dgm:spPr/>
     </dgm:pt>
-    <dgm:pt modelId="{5EDC47FE-F0DF-44C4-8C04-FB276A3280C0}" type="pres">
-      <dgm:prSet presAssocID="{9BBDA8A1-7896-45B0-B57D-B2F8FECB6039}" presName="BalanceSpacing1" presStyleCnt="0"/>
+    <dgm:pt modelId="{6CE274AF-12E7-41B0-83E5-208B49121899}" type="pres">
+      <dgm:prSet presAssocID="{A47FBAD4-2501-4CE8-B7CD-6EFF54AC2B30}" presName="composite" presStyleCnt="0"/>
       <dgm:spPr/>
     </dgm:pt>
-    <dgm:pt modelId="{7C4C320B-0461-4107-8A64-69B6979E7C5A}" type="pres">
-      <dgm:prSet presAssocID="{685D0EF2-0363-4E49-9D1C-D4ACBBC2FEE2}" presName="Accent1Text" presStyleLbl="node1" presStyleIdx="5" presStyleCnt="8"/>
+    <dgm:pt modelId="{69714AC5-0155-4FD8-A64B-E1FAA533D252}" type="pres">
+      <dgm:prSet presAssocID="{A47FBAD4-2501-4CE8-B7CD-6EFF54AC2B30}" presName="imgShp" presStyleLbl="fgImgPlace1" presStyleIdx="1" presStyleCnt="7"/>
       <dgm:spPr/>
     </dgm:pt>
-    <dgm:pt modelId="{3EC4CE32-68DF-41B1-8C6D-3FCF1233B4F7}" type="pres">
-      <dgm:prSet presAssocID="{685D0EF2-0363-4E49-9D1C-D4ACBBC2FEE2}" presName="spaceBetweenRectangles" presStyleCnt="0"/>
-      <dgm:spPr/>
-    </dgm:pt>
-    <dgm:pt modelId="{DE7AE709-7201-4715-86AC-84C1ECCCB550}" type="pres">
-      <dgm:prSet presAssocID="{9CD96507-1896-4AEA-8244-78EE8B80EA8C}" presName="composite" presStyleCnt="0"/>
-      <dgm:spPr/>
-    </dgm:pt>
-    <dgm:pt modelId="{3AA70BCF-717A-49BB-B292-D1951CF4F729}" type="pres">
-      <dgm:prSet presAssocID="{9CD96507-1896-4AEA-8244-78EE8B80EA8C}" presName="Parent1" presStyleLbl="node1" presStyleIdx="6" presStyleCnt="8">
+    <dgm:pt modelId="{A60FDCC3-954A-4FD3-97A9-F55AB9BBC217}" type="pres">
+      <dgm:prSet presAssocID="{A47FBAD4-2501-4CE8-B7CD-6EFF54AC2B30}" presName="txShp" presStyleLbl="node1" presStyleIdx="1" presStyleCnt="7">
         <dgm:presLayoutVars>
-          <dgm:chMax val="1"/>
-          <dgm:chPref val="1"/>
           <dgm:bulletEnabled val="1"/>
         </dgm:presLayoutVars>
       </dgm:prSet>
       <dgm:spPr/>
+      <dgm:t>
+        <a:bodyPr/>
+        <a:lstStyle/>
+        <a:p>
+          <a:endParaRPr lang="zh-CN" altLang="en-US"/>
+        </a:p>
+      </dgm:t>
     </dgm:pt>
-    <dgm:pt modelId="{C954D952-511B-4216-B4A4-D56FD9FB64BF}" type="pres">
-      <dgm:prSet presAssocID="{9CD96507-1896-4AEA-8244-78EE8B80EA8C}" presName="Childtext1" presStyleLbl="revTx" presStyleIdx="3" presStyleCnt="4">
+    <dgm:pt modelId="{3FB7B59F-500A-402D-8018-115AACAB89F3}" type="pres">
+      <dgm:prSet presAssocID="{ABBBCB39-6729-418C-8DC1-A17ADA4601E3}" presName="spacing" presStyleCnt="0"/>
+      <dgm:spPr/>
+    </dgm:pt>
+    <dgm:pt modelId="{7CD38BC9-79B6-411C-9B89-FDA3B6B80C0A}" type="pres">
+      <dgm:prSet presAssocID="{6E879D9C-CFCF-4A2F-A09D-C44721718BA3}" presName="composite" presStyleCnt="0"/>
+      <dgm:spPr/>
+    </dgm:pt>
+    <dgm:pt modelId="{D5DE8AF9-1931-49FF-A124-0F2C6C4EAD79}" type="pres">
+      <dgm:prSet presAssocID="{6E879D9C-CFCF-4A2F-A09D-C44721718BA3}" presName="imgShp" presStyleLbl="fgImgPlace1" presStyleIdx="2" presStyleCnt="7"/>
+      <dgm:spPr/>
+    </dgm:pt>
+    <dgm:pt modelId="{2E5EEBE0-BDD6-4568-9F4B-25481A8A3338}" type="pres">
+      <dgm:prSet presAssocID="{6E879D9C-CFCF-4A2F-A09D-C44721718BA3}" presName="txShp" presStyleLbl="node1" presStyleIdx="2" presStyleCnt="7">
         <dgm:presLayoutVars>
-          <dgm:chMax val="0"/>
-          <dgm:chPref val="0"/>
           <dgm:bulletEnabled val="1"/>
         </dgm:presLayoutVars>
       </dgm:prSet>
       <dgm:spPr/>
+      <dgm:t>
+        <a:bodyPr/>
+        <a:lstStyle/>
+        <a:p>
+          <a:endParaRPr lang="zh-CN" altLang="en-US"/>
+        </a:p>
+      </dgm:t>
     </dgm:pt>
-    <dgm:pt modelId="{585D079B-9781-4779-9EAA-96F58464FF18}" type="pres">
-      <dgm:prSet presAssocID="{9CD96507-1896-4AEA-8244-78EE8B80EA8C}" presName="BalanceSpacing" presStyleCnt="0"/>
+    <dgm:pt modelId="{CF4B28FC-F563-4796-970E-52A7DC010FBB}" type="pres">
+      <dgm:prSet presAssocID="{5F585E74-4518-46E5-BC49-384679FFA63F}" presName="spacing" presStyleCnt="0"/>
       <dgm:spPr/>
     </dgm:pt>
-    <dgm:pt modelId="{7C670A79-A9E9-4679-80C3-E3AB147F7BEC}" type="pres">
-      <dgm:prSet presAssocID="{9CD96507-1896-4AEA-8244-78EE8B80EA8C}" presName="BalanceSpacing1" presStyleCnt="0"/>
+    <dgm:pt modelId="{82AA308B-58D0-480C-8913-EF4B00880994}" type="pres">
+      <dgm:prSet presAssocID="{7A305C61-19A7-48CA-8C9D-209157175225}" presName="composite" presStyleCnt="0"/>
       <dgm:spPr/>
     </dgm:pt>
-    <dgm:pt modelId="{1BC93804-6AF0-46AF-922E-C8113869B4C6}" type="pres">
-      <dgm:prSet presAssocID="{A593E061-28F0-4F80-B17B-CD76E97A9655}" presName="Accent1Text" presStyleLbl="node1" presStyleIdx="7" presStyleCnt="8"/>
+    <dgm:pt modelId="{49636EE6-A761-430B-A083-823E22E765D9}" type="pres">
+      <dgm:prSet presAssocID="{7A305C61-19A7-48CA-8C9D-209157175225}" presName="imgShp" presStyleLbl="fgImgPlace1" presStyleIdx="3" presStyleCnt="7"/>
       <dgm:spPr/>
+    </dgm:pt>
+    <dgm:pt modelId="{A2E48A93-6BA7-45CF-A673-5DF7DED50C86}" type="pres">
+      <dgm:prSet presAssocID="{7A305C61-19A7-48CA-8C9D-209157175225}" presName="txShp" presStyleLbl="node1" presStyleIdx="3" presStyleCnt="7">
+        <dgm:presLayoutVars>
+          <dgm:bulletEnabled val="1"/>
+        </dgm:presLayoutVars>
+      </dgm:prSet>
+      <dgm:spPr/>
+      <dgm:t>
+        <a:bodyPr/>
+        <a:lstStyle/>
+        <a:p>
+          <a:endParaRPr lang="zh-CN" altLang="en-US"/>
+        </a:p>
+      </dgm:t>
+    </dgm:pt>
+    <dgm:pt modelId="{13E3B62D-CB04-4F79-BDF8-CA4EE07C46DA}" type="pres">
+      <dgm:prSet presAssocID="{2902C7F7-3F20-4DE3-926F-61BD06FB840A}" presName="spacing" presStyleCnt="0"/>
+      <dgm:spPr/>
+    </dgm:pt>
+    <dgm:pt modelId="{430CB41E-5D40-409C-9F6A-604DA42E5673}" type="pres">
+      <dgm:prSet presAssocID="{9BBDA8A1-7896-45B0-B57D-B2F8FECB6039}" presName="composite" presStyleCnt="0"/>
+      <dgm:spPr/>
+    </dgm:pt>
+    <dgm:pt modelId="{593F98E4-E252-4026-BB2D-B47555E4D046}" type="pres">
+      <dgm:prSet presAssocID="{9BBDA8A1-7896-45B0-B57D-B2F8FECB6039}" presName="imgShp" presStyleLbl="fgImgPlace1" presStyleIdx="4" presStyleCnt="7"/>
+      <dgm:spPr/>
+    </dgm:pt>
+    <dgm:pt modelId="{240FC1F2-4CF5-4DDD-B89A-928D4F02B752}" type="pres">
+      <dgm:prSet presAssocID="{9BBDA8A1-7896-45B0-B57D-B2F8FECB6039}" presName="txShp" presStyleLbl="node1" presStyleIdx="4" presStyleCnt="7">
+        <dgm:presLayoutVars>
+          <dgm:bulletEnabled val="1"/>
+        </dgm:presLayoutVars>
+      </dgm:prSet>
+      <dgm:spPr/>
+      <dgm:t>
+        <a:bodyPr/>
+        <a:lstStyle/>
+        <a:p>
+          <a:endParaRPr lang="zh-CN" altLang="en-US"/>
+        </a:p>
+      </dgm:t>
+    </dgm:pt>
+    <dgm:pt modelId="{BCAAAC35-A36A-475F-BD75-D7D3B99707D0}" type="pres">
+      <dgm:prSet presAssocID="{685D0EF2-0363-4E49-9D1C-D4ACBBC2FEE2}" presName="spacing" presStyleCnt="0"/>
+      <dgm:spPr/>
+    </dgm:pt>
+    <dgm:pt modelId="{769525F7-9134-4D8B-9578-EF087376F457}" type="pres">
+      <dgm:prSet presAssocID="{2EE43C16-3DDA-47D3-B696-1488BEB28BD5}" presName="composite" presStyleCnt="0"/>
+      <dgm:spPr/>
+    </dgm:pt>
+    <dgm:pt modelId="{3C9540C2-74C7-4022-A5A0-7AFC1862C49B}" type="pres">
+      <dgm:prSet presAssocID="{2EE43C16-3DDA-47D3-B696-1488BEB28BD5}" presName="imgShp" presStyleLbl="fgImgPlace1" presStyleIdx="5" presStyleCnt="7"/>
+      <dgm:spPr/>
+    </dgm:pt>
+    <dgm:pt modelId="{12747435-B749-43F0-A248-710F5BB1C285}" type="pres">
+      <dgm:prSet presAssocID="{2EE43C16-3DDA-47D3-B696-1488BEB28BD5}" presName="txShp" presStyleLbl="node1" presStyleIdx="5" presStyleCnt="7">
+        <dgm:presLayoutVars>
+          <dgm:bulletEnabled val="1"/>
+        </dgm:presLayoutVars>
+      </dgm:prSet>
+      <dgm:spPr/>
+      <dgm:t>
+        <a:bodyPr/>
+        <a:lstStyle/>
+        <a:p>
+          <a:endParaRPr lang="zh-CN" altLang="en-US"/>
+        </a:p>
+      </dgm:t>
+    </dgm:pt>
+    <dgm:pt modelId="{257BFAF3-2D2D-46A0-91A5-A27C2654E3FB}" type="pres">
+      <dgm:prSet presAssocID="{84DE1BCF-1A25-4F8B-99D7-AAF4A4583A46}" presName="spacing" presStyleCnt="0"/>
+      <dgm:spPr/>
+    </dgm:pt>
+    <dgm:pt modelId="{B84EF0FC-22AC-44C9-976B-1865578DF534}" type="pres">
+      <dgm:prSet presAssocID="{9CD96507-1896-4AEA-8244-78EE8B80EA8C}" presName="composite" presStyleCnt="0"/>
+      <dgm:spPr/>
+    </dgm:pt>
+    <dgm:pt modelId="{41E4B9AC-24F1-464A-959E-298D7F3715FF}" type="pres">
+      <dgm:prSet presAssocID="{9CD96507-1896-4AEA-8244-78EE8B80EA8C}" presName="imgShp" presStyleLbl="fgImgPlace1" presStyleIdx="6" presStyleCnt="7"/>
+      <dgm:spPr/>
+    </dgm:pt>
+    <dgm:pt modelId="{382C0D97-9059-42B2-8840-6EBB6475D4D5}" type="pres">
+      <dgm:prSet presAssocID="{9CD96507-1896-4AEA-8244-78EE8B80EA8C}" presName="txShp" presStyleLbl="node1" presStyleIdx="6" presStyleCnt="7">
+        <dgm:presLayoutVars>
+          <dgm:bulletEnabled val="1"/>
+        </dgm:presLayoutVars>
+      </dgm:prSet>
+      <dgm:spPr/>
+      <dgm:t>
+        <a:bodyPr/>
+        <a:lstStyle/>
+        <a:p>
+          <a:endParaRPr lang="zh-CN" altLang="en-US"/>
+        </a:p>
+      </dgm:t>
     </dgm:pt>
   </dgm:ptLst>
   <dgm:cxnLst>
-    <dgm:cxn modelId="{D37E24FA-DA22-42F1-A59E-7114B5E37940}" type="presOf" srcId="{9CD96507-1896-4AEA-8244-78EE8B80EA8C}" destId="{3AA70BCF-717A-49BB-B292-D1951CF4F729}" srcOrd="0" destOrd="0" presId="urn:microsoft.com/office/officeart/2008/layout/AlternatingHexagons"/>
-    <dgm:cxn modelId="{DBCD752A-63E3-4F1D-B8EC-68668E76C348}" type="presOf" srcId="{9BBDA8A1-7896-45B0-B57D-B2F8FECB6039}" destId="{91670558-7868-4ABE-8668-F569AB53E8D9}" srcOrd="0" destOrd="0" presId="urn:microsoft.com/office/officeart/2008/layout/AlternatingHexagons"/>
-    <dgm:cxn modelId="{FE65BB48-F922-4E12-B663-C5BB223EE603}" type="presOf" srcId="{6E879D9C-CFCF-4A2F-A09D-C44721718BA3}" destId="{74DE52C0-0C89-4B66-BD63-C5727F5325EE}" srcOrd="0" destOrd="0" presId="urn:microsoft.com/office/officeart/2008/layout/AlternatingHexagons"/>
-    <dgm:cxn modelId="{082DAB51-7F6F-4379-9AAE-9D71DD3E0E4B}" type="presOf" srcId="{42166383-DFA9-43AB-980C-CEE06159C9B6}" destId="{03BE1139-4844-4EAF-BA2E-5510EDD87832}" srcOrd="0" destOrd="0" presId="urn:microsoft.com/office/officeart/2008/layout/AlternatingHexagons"/>
-    <dgm:cxn modelId="{BCFE8EC9-BAEC-4CDD-AE3C-CFB338D8EFDB}" srcId="{7B3F8B0E-DEC9-4C28-90BB-BE591D9A3D99}" destId="{9BBDA8A1-7896-45B0-B57D-B2F8FECB6039}" srcOrd="2" destOrd="0" parTransId="{B6CE309C-1599-4C1A-9CCE-3678DA34AF3B}" sibTransId="{685D0EF2-0363-4E49-9D1C-D4ACBBC2FEE2}"/>
-    <dgm:cxn modelId="{652E4588-8AAA-4828-B99C-1E92F7CC294A}" type="presOf" srcId="{2EE43C16-3DDA-47D3-B696-1488BEB28BD5}" destId="{67DAD3ED-CEDC-42A0-ADF0-BF56A77B1441}" srcOrd="0" destOrd="0" presId="urn:microsoft.com/office/officeart/2008/layout/AlternatingHexagons"/>
-    <dgm:cxn modelId="{D9FC02D7-1C0A-4FA2-903E-B730C94D93E5}" type="presOf" srcId="{5F585E74-4518-46E5-BC49-384679FFA63F}" destId="{5187DA73-A513-46D6-B65E-C944E5A4922F}" srcOrd="0" destOrd="0" presId="urn:microsoft.com/office/officeart/2008/layout/AlternatingHexagons"/>
-    <dgm:cxn modelId="{2D99D08C-4037-4AF0-A960-77312FD3B7F3}" srcId="{42166383-DFA9-43AB-980C-CEE06159C9B6}" destId="{A47FBAD4-2501-4CE8-B7CD-6EFF54AC2B30}" srcOrd="0" destOrd="0" parTransId="{B1658BAF-2756-4623-A4B1-985475D30A36}" sibTransId="{ABBBCB39-6729-418C-8DC1-A17ADA4601E3}"/>
-    <dgm:cxn modelId="{6E51FCEE-8615-4167-A4F4-55786E954F54}" type="presOf" srcId="{A593E061-28F0-4F80-B17B-CD76E97A9655}" destId="{1BC93804-6AF0-46AF-922E-C8113869B4C6}" srcOrd="0" destOrd="0" presId="urn:microsoft.com/office/officeart/2008/layout/AlternatingHexagons"/>
-    <dgm:cxn modelId="{236B4139-CA69-49ED-B819-3A35BD3B7F8C}" type="presOf" srcId="{685D0EF2-0363-4E49-9D1C-D4ACBBC2FEE2}" destId="{7C4C320B-0461-4107-8A64-69B6979E7C5A}" srcOrd="0" destOrd="0" presId="urn:microsoft.com/office/officeart/2008/layout/AlternatingHexagons"/>
-    <dgm:cxn modelId="{74F5179F-601F-4AD7-89EC-6ACAED387D63}" type="presOf" srcId="{7B3F8B0E-DEC9-4C28-90BB-BE591D9A3D99}" destId="{0E6BC6CC-699D-417E-AD12-6CE7162801B2}" srcOrd="0" destOrd="0" presId="urn:microsoft.com/office/officeart/2008/layout/AlternatingHexagons"/>
+    <dgm:cxn modelId="{0B1E7715-7C3B-47A9-99B8-569CA0B85013}" type="presOf" srcId="{42166383-DFA9-43AB-980C-CEE06159C9B6}" destId="{A7083900-4CA5-4147-86B8-76197CFD194B}" srcOrd="0" destOrd="0" presId="urn:microsoft.com/office/officeart/2005/8/layout/vList3"/>
+    <dgm:cxn modelId="{BCFE8EC9-BAEC-4CDD-AE3C-CFB338D8EFDB}" srcId="{7B3F8B0E-DEC9-4C28-90BB-BE591D9A3D99}" destId="{9BBDA8A1-7896-45B0-B57D-B2F8FECB6039}" srcOrd="4" destOrd="0" parTransId="{B6CE309C-1599-4C1A-9CCE-3678DA34AF3B}" sibTransId="{685D0EF2-0363-4E49-9D1C-D4ACBBC2FEE2}"/>
+    <dgm:cxn modelId="{16A4262A-5745-4E5B-9F83-0C6CC97CDC2F}" type="presOf" srcId="{9CD96507-1896-4AEA-8244-78EE8B80EA8C}" destId="{382C0D97-9059-42B2-8840-6EBB6475D4D5}" srcOrd="0" destOrd="0" presId="urn:microsoft.com/office/officeart/2005/8/layout/vList3"/>
+    <dgm:cxn modelId="{515A52CB-CED9-441F-AE04-EF6CD9659A98}" type="presOf" srcId="{A47FBAD4-2501-4CE8-B7CD-6EFF54AC2B30}" destId="{A60FDCC3-954A-4FD3-97A9-F55AB9BBC217}" srcOrd="0" destOrd="0" presId="urn:microsoft.com/office/officeart/2005/8/layout/vList3"/>
     <dgm:cxn modelId="{EB6ABB77-662D-44FB-994F-8038762FD015}" srcId="{7B3F8B0E-DEC9-4C28-90BB-BE591D9A3D99}" destId="{42166383-DFA9-43AB-980C-CEE06159C9B6}" srcOrd="0" destOrd="0" parTransId="{5A25247E-A81C-43FE-98E1-CDC2DDDC59EC}" sibTransId="{AC6D6F3F-1595-4797-A1E4-FEC9930BE76C}"/>
-    <dgm:cxn modelId="{E1673A0D-B687-4824-A7D5-30702FEB0F83}" srcId="{7B3F8B0E-DEC9-4C28-90BB-BE591D9A3D99}" destId="{9CD96507-1896-4AEA-8244-78EE8B80EA8C}" srcOrd="3" destOrd="0" parTransId="{8405D866-B4C7-48A4-A4F2-757AF79B118B}" sibTransId="{A593E061-28F0-4F80-B17B-CD76E97A9655}"/>
-    <dgm:cxn modelId="{655A8576-AF9A-4131-A3BA-9C5DC22FD4B0}" srcId="{7B3F8B0E-DEC9-4C28-90BB-BE591D9A3D99}" destId="{6E879D9C-CFCF-4A2F-A09D-C44721718BA3}" srcOrd="1" destOrd="0" parTransId="{AF551550-FE92-4BB9-948C-5533011A0931}" sibTransId="{5F585E74-4518-46E5-BC49-384679FFA63F}"/>
-    <dgm:cxn modelId="{21D31A8A-29AC-45C7-BA2B-F687203AEBCB}" type="presOf" srcId="{A47FBAD4-2501-4CE8-B7CD-6EFF54AC2B30}" destId="{93FB7DE7-5DC7-4F2E-AF3B-4D6649D74D0D}" srcOrd="0" destOrd="0" presId="urn:microsoft.com/office/officeart/2008/layout/AlternatingHexagons"/>
-    <dgm:cxn modelId="{BD1F197B-F0C0-4362-A608-E6A5B7FE6A9B}" srcId="{6E879D9C-CFCF-4A2F-A09D-C44721718BA3}" destId="{7A305C61-19A7-48CA-8C9D-209157175225}" srcOrd="0" destOrd="0" parTransId="{B32A5AC4-31DE-4DBD-95C7-14FF1D86FEBA}" sibTransId="{2902C7F7-3F20-4DE3-926F-61BD06FB840A}"/>
-    <dgm:cxn modelId="{6C35B68D-0FD5-430E-AF42-765D7CE374AB}" type="presOf" srcId="{AC6D6F3F-1595-4797-A1E4-FEC9930BE76C}" destId="{CBBEF42D-83D8-4621-8622-0D8389CCE5E7}" srcOrd="0" destOrd="0" presId="urn:microsoft.com/office/officeart/2008/layout/AlternatingHexagons"/>
-    <dgm:cxn modelId="{961D4483-E249-441C-AE4C-CEB964F3E982}" srcId="{9BBDA8A1-7896-45B0-B57D-B2F8FECB6039}" destId="{2EE43C16-3DDA-47D3-B696-1488BEB28BD5}" srcOrd="0" destOrd="0" parTransId="{AE8BFE71-E9A5-4A97-AB30-5A1F057F02DF}" sibTransId="{84DE1BCF-1A25-4F8B-99D7-AAF4A4583A46}"/>
-    <dgm:cxn modelId="{612BFECE-DE95-4BEA-8B85-D8379155E321}" type="presOf" srcId="{7A305C61-19A7-48CA-8C9D-209157175225}" destId="{29B65038-FED4-4B21-ABD1-AB66BED52D75}" srcOrd="0" destOrd="0" presId="urn:microsoft.com/office/officeart/2008/layout/AlternatingHexagons"/>
-    <dgm:cxn modelId="{E51129DB-CC03-4D75-AF2E-623DE37107B3}" type="presParOf" srcId="{0E6BC6CC-699D-417E-AD12-6CE7162801B2}" destId="{7D318577-6CE8-49F6-B00B-41322DEF20A4}" srcOrd="0" destOrd="0" presId="urn:microsoft.com/office/officeart/2008/layout/AlternatingHexagons"/>
-    <dgm:cxn modelId="{E3E396AA-F627-4D4C-8528-897AE1870695}" type="presParOf" srcId="{7D318577-6CE8-49F6-B00B-41322DEF20A4}" destId="{03BE1139-4844-4EAF-BA2E-5510EDD87832}" srcOrd="0" destOrd="0" presId="urn:microsoft.com/office/officeart/2008/layout/AlternatingHexagons"/>
-    <dgm:cxn modelId="{8834ACFE-93F8-402F-B5C4-1ACD36859B78}" type="presParOf" srcId="{7D318577-6CE8-49F6-B00B-41322DEF20A4}" destId="{93FB7DE7-5DC7-4F2E-AF3B-4D6649D74D0D}" srcOrd="1" destOrd="0" presId="urn:microsoft.com/office/officeart/2008/layout/AlternatingHexagons"/>
-    <dgm:cxn modelId="{44B88EC5-A61C-4B5A-A7D1-ECE3BE5E4A51}" type="presParOf" srcId="{7D318577-6CE8-49F6-B00B-41322DEF20A4}" destId="{8F8ECED8-DD24-42AE-9C9D-74DA93F25D20}" srcOrd="2" destOrd="0" presId="urn:microsoft.com/office/officeart/2008/layout/AlternatingHexagons"/>
-    <dgm:cxn modelId="{4FDF625B-C4B0-4E4E-830A-7A7EC8098F54}" type="presParOf" srcId="{7D318577-6CE8-49F6-B00B-41322DEF20A4}" destId="{812572B0-2B12-4598-9B2A-ADA2E9D2993E}" srcOrd="3" destOrd="0" presId="urn:microsoft.com/office/officeart/2008/layout/AlternatingHexagons"/>
-    <dgm:cxn modelId="{A1716DE4-CA9C-4CCC-8CB3-248F752A04BA}" type="presParOf" srcId="{7D318577-6CE8-49F6-B00B-41322DEF20A4}" destId="{CBBEF42D-83D8-4621-8622-0D8389CCE5E7}" srcOrd="4" destOrd="0" presId="urn:microsoft.com/office/officeart/2008/layout/AlternatingHexagons"/>
-    <dgm:cxn modelId="{C4456FC1-8EA6-4C0F-8726-1C80C76F5828}" type="presParOf" srcId="{0E6BC6CC-699D-417E-AD12-6CE7162801B2}" destId="{293C3A2E-E055-4BE2-B9F6-B1AB936B6C15}" srcOrd="1" destOrd="0" presId="urn:microsoft.com/office/officeart/2008/layout/AlternatingHexagons"/>
-    <dgm:cxn modelId="{37648DD1-C753-4451-A057-CB67474D4F97}" type="presParOf" srcId="{0E6BC6CC-699D-417E-AD12-6CE7162801B2}" destId="{DEC3EECF-FC6C-4C8F-B368-FF9C8926C6F1}" srcOrd="2" destOrd="0" presId="urn:microsoft.com/office/officeart/2008/layout/AlternatingHexagons"/>
-    <dgm:cxn modelId="{1125388A-56E3-4119-BA55-964BC288E9CF}" type="presParOf" srcId="{DEC3EECF-FC6C-4C8F-B368-FF9C8926C6F1}" destId="{74DE52C0-0C89-4B66-BD63-C5727F5325EE}" srcOrd="0" destOrd="0" presId="urn:microsoft.com/office/officeart/2008/layout/AlternatingHexagons"/>
-    <dgm:cxn modelId="{93ED505B-4D7F-49BA-85B9-2917E5F89EFB}" type="presParOf" srcId="{DEC3EECF-FC6C-4C8F-B368-FF9C8926C6F1}" destId="{29B65038-FED4-4B21-ABD1-AB66BED52D75}" srcOrd="1" destOrd="0" presId="urn:microsoft.com/office/officeart/2008/layout/AlternatingHexagons"/>
-    <dgm:cxn modelId="{F67ADFED-E848-4310-B2FC-79ADB3170E2D}" type="presParOf" srcId="{DEC3EECF-FC6C-4C8F-B368-FF9C8926C6F1}" destId="{94EB22F1-46F7-48FD-B5EA-B4945DAC91BA}" srcOrd="2" destOrd="0" presId="urn:microsoft.com/office/officeart/2008/layout/AlternatingHexagons"/>
-    <dgm:cxn modelId="{6BB957BB-AADD-46E4-9595-B6C2815DD3AC}" type="presParOf" srcId="{DEC3EECF-FC6C-4C8F-B368-FF9C8926C6F1}" destId="{4162D786-5A58-4734-A7E4-E432F0A26061}" srcOrd="3" destOrd="0" presId="urn:microsoft.com/office/officeart/2008/layout/AlternatingHexagons"/>
-    <dgm:cxn modelId="{4591E291-7E6C-4458-82D1-9DA98FCB4FB3}" type="presParOf" srcId="{DEC3EECF-FC6C-4C8F-B368-FF9C8926C6F1}" destId="{5187DA73-A513-46D6-B65E-C944E5A4922F}" srcOrd="4" destOrd="0" presId="urn:microsoft.com/office/officeart/2008/layout/AlternatingHexagons"/>
-    <dgm:cxn modelId="{4FA85C11-511F-4A8A-9286-58468969088B}" type="presParOf" srcId="{0E6BC6CC-699D-417E-AD12-6CE7162801B2}" destId="{C297D241-7084-4441-8C95-2D75D3D561A4}" srcOrd="3" destOrd="0" presId="urn:microsoft.com/office/officeart/2008/layout/AlternatingHexagons"/>
-    <dgm:cxn modelId="{815ABE27-6110-49DD-B688-5C3E1DA9D51B}" type="presParOf" srcId="{0E6BC6CC-699D-417E-AD12-6CE7162801B2}" destId="{EC4B562E-38C3-4E80-93D2-98BE92BA8F6A}" srcOrd="4" destOrd="0" presId="urn:microsoft.com/office/officeart/2008/layout/AlternatingHexagons"/>
-    <dgm:cxn modelId="{4F433555-31E8-4FA2-8C03-695BCE8954F6}" type="presParOf" srcId="{EC4B562E-38C3-4E80-93D2-98BE92BA8F6A}" destId="{91670558-7868-4ABE-8668-F569AB53E8D9}" srcOrd="0" destOrd="0" presId="urn:microsoft.com/office/officeart/2008/layout/AlternatingHexagons"/>
-    <dgm:cxn modelId="{28BE3EEF-8840-48C5-8530-3805E55E319B}" type="presParOf" srcId="{EC4B562E-38C3-4E80-93D2-98BE92BA8F6A}" destId="{67DAD3ED-CEDC-42A0-ADF0-BF56A77B1441}" srcOrd="1" destOrd="0" presId="urn:microsoft.com/office/officeart/2008/layout/AlternatingHexagons"/>
-    <dgm:cxn modelId="{735A482C-8BA5-4939-864B-9CF0BF5A7308}" type="presParOf" srcId="{EC4B562E-38C3-4E80-93D2-98BE92BA8F6A}" destId="{8E768CD8-07E0-4655-AE55-C03CE71FDF63}" srcOrd="2" destOrd="0" presId="urn:microsoft.com/office/officeart/2008/layout/AlternatingHexagons"/>
-    <dgm:cxn modelId="{0EB67F8C-54F6-4FBF-82E6-DC5261436549}" type="presParOf" srcId="{EC4B562E-38C3-4E80-93D2-98BE92BA8F6A}" destId="{5EDC47FE-F0DF-44C4-8C04-FB276A3280C0}" srcOrd="3" destOrd="0" presId="urn:microsoft.com/office/officeart/2008/layout/AlternatingHexagons"/>
-    <dgm:cxn modelId="{78D27ADD-E2EA-4D07-91E6-7903CF925975}" type="presParOf" srcId="{EC4B562E-38C3-4E80-93D2-98BE92BA8F6A}" destId="{7C4C320B-0461-4107-8A64-69B6979E7C5A}" srcOrd="4" destOrd="0" presId="urn:microsoft.com/office/officeart/2008/layout/AlternatingHexagons"/>
-    <dgm:cxn modelId="{341BB4C5-4320-41E0-9718-5BBC41190D21}" type="presParOf" srcId="{0E6BC6CC-699D-417E-AD12-6CE7162801B2}" destId="{3EC4CE32-68DF-41B1-8C6D-3FCF1233B4F7}" srcOrd="5" destOrd="0" presId="urn:microsoft.com/office/officeart/2008/layout/AlternatingHexagons"/>
-    <dgm:cxn modelId="{D9B22F70-01A1-4CAD-8336-5C0374FFC083}" type="presParOf" srcId="{0E6BC6CC-699D-417E-AD12-6CE7162801B2}" destId="{DE7AE709-7201-4715-86AC-84C1ECCCB550}" srcOrd="6" destOrd="0" presId="urn:microsoft.com/office/officeart/2008/layout/AlternatingHexagons"/>
-    <dgm:cxn modelId="{012F6273-E8BB-47BB-89B3-402A0242D77A}" type="presParOf" srcId="{DE7AE709-7201-4715-86AC-84C1ECCCB550}" destId="{3AA70BCF-717A-49BB-B292-D1951CF4F729}" srcOrd="0" destOrd="0" presId="urn:microsoft.com/office/officeart/2008/layout/AlternatingHexagons"/>
-    <dgm:cxn modelId="{8BBBD951-E9AC-4556-868E-1F7583BE2F70}" type="presParOf" srcId="{DE7AE709-7201-4715-86AC-84C1ECCCB550}" destId="{C954D952-511B-4216-B4A4-D56FD9FB64BF}" srcOrd="1" destOrd="0" presId="urn:microsoft.com/office/officeart/2008/layout/AlternatingHexagons"/>
-    <dgm:cxn modelId="{8D40C5F6-628D-4DA2-8863-EAE7F5095370}" type="presParOf" srcId="{DE7AE709-7201-4715-86AC-84C1ECCCB550}" destId="{585D079B-9781-4779-9EAA-96F58464FF18}" srcOrd="2" destOrd="0" presId="urn:microsoft.com/office/officeart/2008/layout/AlternatingHexagons"/>
-    <dgm:cxn modelId="{889E85A2-088D-455D-B742-6C6EDB5EFF7B}" type="presParOf" srcId="{DE7AE709-7201-4715-86AC-84C1ECCCB550}" destId="{7C670A79-A9E9-4679-80C3-E3AB147F7BEC}" srcOrd="3" destOrd="0" presId="urn:microsoft.com/office/officeart/2008/layout/AlternatingHexagons"/>
-    <dgm:cxn modelId="{B69A6756-0651-4157-B011-1B2F5BBD4D05}" type="presParOf" srcId="{DE7AE709-7201-4715-86AC-84C1ECCCB550}" destId="{1BC93804-6AF0-46AF-922E-C8113869B4C6}" srcOrd="4" destOrd="0" presId="urn:microsoft.com/office/officeart/2008/layout/AlternatingHexagons"/>
+    <dgm:cxn modelId="{B80FD151-0D0A-4456-A2DF-51B1C2CF5094}" type="presOf" srcId="{7B3F8B0E-DEC9-4C28-90BB-BE591D9A3D99}" destId="{18CEBCC8-CD51-43A7-ABD8-31C1586196D5}" srcOrd="0" destOrd="0" presId="urn:microsoft.com/office/officeart/2005/8/layout/vList3"/>
+    <dgm:cxn modelId="{3663CA43-FBB6-4D12-A473-6E3F77B3E3C6}" type="presOf" srcId="{2EE43C16-3DDA-47D3-B696-1488BEB28BD5}" destId="{12747435-B749-43F0-A248-710F5BB1C285}" srcOrd="0" destOrd="0" presId="urn:microsoft.com/office/officeart/2005/8/layout/vList3"/>
+    <dgm:cxn modelId="{C5E43FB9-19D8-464E-A2AA-781146ED4FE2}" type="presOf" srcId="{7A305C61-19A7-48CA-8C9D-209157175225}" destId="{A2E48A93-6BA7-45CF-A673-5DF7DED50C86}" srcOrd="0" destOrd="0" presId="urn:microsoft.com/office/officeart/2005/8/layout/vList3"/>
+    <dgm:cxn modelId="{513B96AF-7217-4702-ADA5-3C28F0C9C4D9}" type="presOf" srcId="{6E879D9C-CFCF-4A2F-A09D-C44721718BA3}" destId="{2E5EEBE0-BDD6-4568-9F4B-25481A8A3338}" srcOrd="0" destOrd="0" presId="urn:microsoft.com/office/officeart/2005/8/layout/vList3"/>
+    <dgm:cxn modelId="{76A62F87-4C77-4CCF-B64E-BE557AA92609}" type="presOf" srcId="{9BBDA8A1-7896-45B0-B57D-B2F8FECB6039}" destId="{240FC1F2-4CF5-4DDD-B89A-928D4F02B752}" srcOrd="0" destOrd="0" presId="urn:microsoft.com/office/officeart/2005/8/layout/vList3"/>
+    <dgm:cxn modelId="{BD1F197B-F0C0-4362-A608-E6A5B7FE6A9B}" srcId="{7B3F8B0E-DEC9-4C28-90BB-BE591D9A3D99}" destId="{7A305C61-19A7-48CA-8C9D-209157175225}" srcOrd="3" destOrd="0" parTransId="{B32A5AC4-31DE-4DBD-95C7-14FF1D86FEBA}" sibTransId="{2902C7F7-3F20-4DE3-926F-61BD06FB840A}"/>
+    <dgm:cxn modelId="{655A8576-AF9A-4131-A3BA-9C5DC22FD4B0}" srcId="{7B3F8B0E-DEC9-4C28-90BB-BE591D9A3D99}" destId="{6E879D9C-CFCF-4A2F-A09D-C44721718BA3}" srcOrd="2" destOrd="0" parTransId="{AF551550-FE92-4BB9-948C-5533011A0931}" sibTransId="{5F585E74-4518-46E5-BC49-384679FFA63F}"/>
+    <dgm:cxn modelId="{E1673A0D-B687-4824-A7D5-30702FEB0F83}" srcId="{7B3F8B0E-DEC9-4C28-90BB-BE591D9A3D99}" destId="{9CD96507-1896-4AEA-8244-78EE8B80EA8C}" srcOrd="6" destOrd="0" parTransId="{8405D866-B4C7-48A4-A4F2-757AF79B118B}" sibTransId="{A593E061-28F0-4F80-B17B-CD76E97A9655}"/>
+    <dgm:cxn modelId="{961D4483-E249-441C-AE4C-CEB964F3E982}" srcId="{7B3F8B0E-DEC9-4C28-90BB-BE591D9A3D99}" destId="{2EE43C16-3DDA-47D3-B696-1488BEB28BD5}" srcOrd="5" destOrd="0" parTransId="{AE8BFE71-E9A5-4A97-AB30-5A1F057F02DF}" sibTransId="{84DE1BCF-1A25-4F8B-99D7-AAF4A4583A46}"/>
+    <dgm:cxn modelId="{2D99D08C-4037-4AF0-A960-77312FD3B7F3}" srcId="{7B3F8B0E-DEC9-4C28-90BB-BE591D9A3D99}" destId="{A47FBAD4-2501-4CE8-B7CD-6EFF54AC2B30}" srcOrd="1" destOrd="0" parTransId="{B1658BAF-2756-4623-A4B1-985475D30A36}" sibTransId="{ABBBCB39-6729-418C-8DC1-A17ADA4601E3}"/>
+    <dgm:cxn modelId="{99895CC4-0DE0-451C-B87B-15F027D13D05}" type="presParOf" srcId="{18CEBCC8-CD51-43A7-ABD8-31C1586196D5}" destId="{921C094D-D4E7-48A6-845C-7ACE5504F532}" srcOrd="0" destOrd="0" presId="urn:microsoft.com/office/officeart/2005/8/layout/vList3"/>
+    <dgm:cxn modelId="{F8436181-D673-430D-AC75-F6C8B8482DE6}" type="presParOf" srcId="{921C094D-D4E7-48A6-845C-7ACE5504F532}" destId="{E293ADF7-C1B6-4A46-878A-C229193FEDD0}" srcOrd="0" destOrd="0" presId="urn:microsoft.com/office/officeart/2005/8/layout/vList3"/>
+    <dgm:cxn modelId="{0C9E342D-365B-4E13-A52A-A5325FF830F0}" type="presParOf" srcId="{921C094D-D4E7-48A6-845C-7ACE5504F532}" destId="{A7083900-4CA5-4147-86B8-76197CFD194B}" srcOrd="1" destOrd="0" presId="urn:microsoft.com/office/officeart/2005/8/layout/vList3"/>
+    <dgm:cxn modelId="{902CBE91-1CA4-4529-ACB6-F0787E1F4397}" type="presParOf" srcId="{18CEBCC8-CD51-43A7-ABD8-31C1586196D5}" destId="{C248D8E9-1A8A-4D63-8427-EFC8D95CF894}" srcOrd="1" destOrd="0" presId="urn:microsoft.com/office/officeart/2005/8/layout/vList3"/>
+    <dgm:cxn modelId="{AD274A1E-FFB5-4BF6-B53A-37B86A8811B9}" type="presParOf" srcId="{18CEBCC8-CD51-43A7-ABD8-31C1586196D5}" destId="{6CE274AF-12E7-41B0-83E5-208B49121899}" srcOrd="2" destOrd="0" presId="urn:microsoft.com/office/officeart/2005/8/layout/vList3"/>
+    <dgm:cxn modelId="{84D52FF9-A38B-4E97-85D1-082DDFCF7FBD}" type="presParOf" srcId="{6CE274AF-12E7-41B0-83E5-208B49121899}" destId="{69714AC5-0155-4FD8-A64B-E1FAA533D252}" srcOrd="0" destOrd="0" presId="urn:microsoft.com/office/officeart/2005/8/layout/vList3"/>
+    <dgm:cxn modelId="{1F76BCD4-973C-4634-AF39-E7FECABE6012}" type="presParOf" srcId="{6CE274AF-12E7-41B0-83E5-208B49121899}" destId="{A60FDCC3-954A-4FD3-97A9-F55AB9BBC217}" srcOrd="1" destOrd="0" presId="urn:microsoft.com/office/officeart/2005/8/layout/vList3"/>
+    <dgm:cxn modelId="{83F75581-48C1-4970-8543-465D6E82F7FB}" type="presParOf" srcId="{18CEBCC8-CD51-43A7-ABD8-31C1586196D5}" destId="{3FB7B59F-500A-402D-8018-115AACAB89F3}" srcOrd="3" destOrd="0" presId="urn:microsoft.com/office/officeart/2005/8/layout/vList3"/>
+    <dgm:cxn modelId="{CC3398AD-A7EE-4A01-B866-358B57A86EBB}" type="presParOf" srcId="{18CEBCC8-CD51-43A7-ABD8-31C1586196D5}" destId="{7CD38BC9-79B6-411C-9B89-FDA3B6B80C0A}" srcOrd="4" destOrd="0" presId="urn:microsoft.com/office/officeart/2005/8/layout/vList3"/>
+    <dgm:cxn modelId="{DD9E3C54-26A8-4FCB-B223-36C2A91035AA}" type="presParOf" srcId="{7CD38BC9-79B6-411C-9B89-FDA3B6B80C0A}" destId="{D5DE8AF9-1931-49FF-A124-0F2C6C4EAD79}" srcOrd="0" destOrd="0" presId="urn:microsoft.com/office/officeart/2005/8/layout/vList3"/>
+    <dgm:cxn modelId="{3425E3FE-D2CF-421E-8CFF-FFC39D6CE2C8}" type="presParOf" srcId="{7CD38BC9-79B6-411C-9B89-FDA3B6B80C0A}" destId="{2E5EEBE0-BDD6-4568-9F4B-25481A8A3338}" srcOrd="1" destOrd="0" presId="urn:microsoft.com/office/officeart/2005/8/layout/vList3"/>
+    <dgm:cxn modelId="{61A49781-FCC4-4A42-8335-D98D6C31E026}" type="presParOf" srcId="{18CEBCC8-CD51-43A7-ABD8-31C1586196D5}" destId="{CF4B28FC-F563-4796-970E-52A7DC010FBB}" srcOrd="5" destOrd="0" presId="urn:microsoft.com/office/officeart/2005/8/layout/vList3"/>
+    <dgm:cxn modelId="{F2B5F086-17F3-41C0-A374-FDF0B5893CB6}" type="presParOf" srcId="{18CEBCC8-CD51-43A7-ABD8-31C1586196D5}" destId="{82AA308B-58D0-480C-8913-EF4B00880994}" srcOrd="6" destOrd="0" presId="urn:microsoft.com/office/officeart/2005/8/layout/vList3"/>
+    <dgm:cxn modelId="{4B01D405-8D22-4F32-99E7-C411D3A40FB0}" type="presParOf" srcId="{82AA308B-58D0-480C-8913-EF4B00880994}" destId="{49636EE6-A761-430B-A083-823E22E765D9}" srcOrd="0" destOrd="0" presId="urn:microsoft.com/office/officeart/2005/8/layout/vList3"/>
+    <dgm:cxn modelId="{A3C7CA24-BDF7-4E68-B736-0B70E8D89AA5}" type="presParOf" srcId="{82AA308B-58D0-480C-8913-EF4B00880994}" destId="{A2E48A93-6BA7-45CF-A673-5DF7DED50C86}" srcOrd="1" destOrd="0" presId="urn:microsoft.com/office/officeart/2005/8/layout/vList3"/>
+    <dgm:cxn modelId="{39173404-5CC6-4E42-B32D-2AA0480E66FC}" type="presParOf" srcId="{18CEBCC8-CD51-43A7-ABD8-31C1586196D5}" destId="{13E3B62D-CB04-4F79-BDF8-CA4EE07C46DA}" srcOrd="7" destOrd="0" presId="urn:microsoft.com/office/officeart/2005/8/layout/vList3"/>
+    <dgm:cxn modelId="{F5044782-A225-45C0-9934-05EE00839F3A}" type="presParOf" srcId="{18CEBCC8-CD51-43A7-ABD8-31C1586196D5}" destId="{430CB41E-5D40-409C-9F6A-604DA42E5673}" srcOrd="8" destOrd="0" presId="urn:microsoft.com/office/officeart/2005/8/layout/vList3"/>
+    <dgm:cxn modelId="{519E64DA-13FC-4D14-96D3-8E904B0BA254}" type="presParOf" srcId="{430CB41E-5D40-409C-9F6A-604DA42E5673}" destId="{593F98E4-E252-4026-BB2D-B47555E4D046}" srcOrd="0" destOrd="0" presId="urn:microsoft.com/office/officeart/2005/8/layout/vList3"/>
+    <dgm:cxn modelId="{1E06B6ED-F43C-469E-94D3-6E19C8324823}" type="presParOf" srcId="{430CB41E-5D40-409C-9F6A-604DA42E5673}" destId="{240FC1F2-4CF5-4DDD-B89A-928D4F02B752}" srcOrd="1" destOrd="0" presId="urn:microsoft.com/office/officeart/2005/8/layout/vList3"/>
+    <dgm:cxn modelId="{8349F54A-A028-4041-86D8-98EAF47D3C18}" type="presParOf" srcId="{18CEBCC8-CD51-43A7-ABD8-31C1586196D5}" destId="{BCAAAC35-A36A-475F-BD75-D7D3B99707D0}" srcOrd="9" destOrd="0" presId="urn:microsoft.com/office/officeart/2005/8/layout/vList3"/>
+    <dgm:cxn modelId="{DCCDDE64-839B-401F-8842-4CB6190E9716}" type="presParOf" srcId="{18CEBCC8-CD51-43A7-ABD8-31C1586196D5}" destId="{769525F7-9134-4D8B-9578-EF087376F457}" srcOrd="10" destOrd="0" presId="urn:microsoft.com/office/officeart/2005/8/layout/vList3"/>
+    <dgm:cxn modelId="{AD043E6E-82A6-4E0D-8D27-D0FAEE5C886A}" type="presParOf" srcId="{769525F7-9134-4D8B-9578-EF087376F457}" destId="{3C9540C2-74C7-4022-A5A0-7AFC1862C49B}" srcOrd="0" destOrd="0" presId="urn:microsoft.com/office/officeart/2005/8/layout/vList3"/>
+    <dgm:cxn modelId="{6C6E7BA5-E7E0-4286-80F0-594F57FD7F00}" type="presParOf" srcId="{769525F7-9134-4D8B-9578-EF087376F457}" destId="{12747435-B749-43F0-A248-710F5BB1C285}" srcOrd="1" destOrd="0" presId="urn:microsoft.com/office/officeart/2005/8/layout/vList3"/>
+    <dgm:cxn modelId="{5B9A3247-D9A2-4981-BB3C-137A47475774}" type="presParOf" srcId="{18CEBCC8-CD51-43A7-ABD8-31C1586196D5}" destId="{257BFAF3-2D2D-46A0-91A5-A27C2654E3FB}" srcOrd="11" destOrd="0" presId="urn:microsoft.com/office/officeart/2005/8/layout/vList3"/>
+    <dgm:cxn modelId="{78FFBCDE-0527-448A-B520-71831BBDBB20}" type="presParOf" srcId="{18CEBCC8-CD51-43A7-ABD8-31C1586196D5}" destId="{B84EF0FC-22AC-44C9-976B-1865578DF534}" srcOrd="12" destOrd="0" presId="urn:microsoft.com/office/officeart/2005/8/layout/vList3"/>
+    <dgm:cxn modelId="{2C1ECFB0-F86C-492F-BCBC-F7128756AC48}" type="presParOf" srcId="{B84EF0FC-22AC-44C9-976B-1865578DF534}" destId="{41E4B9AC-24F1-464A-959E-298D7F3715FF}" srcOrd="0" destOrd="0" presId="urn:microsoft.com/office/officeart/2005/8/layout/vList3"/>
+    <dgm:cxn modelId="{48A2E32E-BFC4-48EC-9183-DA99509619E4}" type="presParOf" srcId="{B84EF0FC-22AC-44C9-976B-1865578DF534}" destId="{382C0D97-9059-42B2-8840-6EBB6475D4D5}" srcOrd="1" destOrd="0" presId="urn:microsoft.com/office/officeart/2005/8/layout/vList3"/>
   </dgm:cxnLst>
   <dgm:bg/>
   <dgm:whole/>
@@ -3367,6 +3409,13 @@
         </dgm:presLayoutVars>
       </dgm:prSet>
       <dgm:spPr/>
+      <dgm:t>
+        <a:bodyPr/>
+        <a:lstStyle/>
+        <a:p>
+          <a:endParaRPr lang="zh-CN" altLang="en-US"/>
+        </a:p>
+      </dgm:t>
     </dgm:pt>
     <dgm:pt modelId="{8367E489-A08A-45F9-95CD-FBED81273717}" type="pres">
       <dgm:prSet presAssocID="{6F212F7B-666B-4E59-A463-816241051DAF}" presName="node" presStyleLbl="node1" presStyleIdx="0" presStyleCnt="8">
@@ -3375,14 +3424,35 @@
         </dgm:presLayoutVars>
       </dgm:prSet>
       <dgm:spPr/>
+      <dgm:t>
+        <a:bodyPr/>
+        <a:lstStyle/>
+        <a:p>
+          <a:endParaRPr lang="zh-CN" altLang="en-US"/>
+        </a:p>
+      </dgm:t>
     </dgm:pt>
     <dgm:pt modelId="{69E341EB-8FB1-4347-841E-D38195D8BDCC}" type="pres">
       <dgm:prSet presAssocID="{6877023A-3DFE-4892-9247-57DCEF329818}" presName="sibTrans" presStyleLbl="sibTrans1D1" presStyleIdx="0" presStyleCnt="7"/>
       <dgm:spPr/>
+      <dgm:t>
+        <a:bodyPr/>
+        <a:lstStyle/>
+        <a:p>
+          <a:endParaRPr lang="zh-CN" altLang="en-US"/>
+        </a:p>
+      </dgm:t>
     </dgm:pt>
     <dgm:pt modelId="{66BE724D-7868-44E2-AEFC-6C72D991F34B}" type="pres">
       <dgm:prSet presAssocID="{6877023A-3DFE-4892-9247-57DCEF329818}" presName="connectorText" presStyleLbl="sibTrans1D1" presStyleIdx="0" presStyleCnt="7"/>
       <dgm:spPr/>
+      <dgm:t>
+        <a:bodyPr/>
+        <a:lstStyle/>
+        <a:p>
+          <a:endParaRPr lang="zh-CN" altLang="en-US"/>
+        </a:p>
+      </dgm:t>
     </dgm:pt>
     <dgm:pt modelId="{0C87BA39-4866-40B4-8F60-5366D535D21B}" type="pres">
       <dgm:prSet presAssocID="{026F3D0F-350C-4340-A4BF-D4E7EE8E8EB4}" presName="node" presStyleLbl="node1" presStyleIdx="1" presStyleCnt="8">
@@ -3391,14 +3461,35 @@
         </dgm:presLayoutVars>
       </dgm:prSet>
       <dgm:spPr/>
+      <dgm:t>
+        <a:bodyPr/>
+        <a:lstStyle/>
+        <a:p>
+          <a:endParaRPr lang="zh-CN" altLang="en-US"/>
+        </a:p>
+      </dgm:t>
     </dgm:pt>
     <dgm:pt modelId="{F64B7147-372A-459A-AC66-CB0969C8B0C6}" type="pres">
       <dgm:prSet presAssocID="{687177AA-03EA-41CE-8751-BEA6250416E7}" presName="sibTrans" presStyleLbl="sibTrans1D1" presStyleIdx="1" presStyleCnt="7"/>
       <dgm:spPr/>
+      <dgm:t>
+        <a:bodyPr/>
+        <a:lstStyle/>
+        <a:p>
+          <a:endParaRPr lang="zh-CN" altLang="en-US"/>
+        </a:p>
+      </dgm:t>
     </dgm:pt>
     <dgm:pt modelId="{08A0390F-DBFD-44B6-AAF9-F0A154E45178}" type="pres">
       <dgm:prSet presAssocID="{687177AA-03EA-41CE-8751-BEA6250416E7}" presName="connectorText" presStyleLbl="sibTrans1D1" presStyleIdx="1" presStyleCnt="7"/>
       <dgm:spPr/>
+      <dgm:t>
+        <a:bodyPr/>
+        <a:lstStyle/>
+        <a:p>
+          <a:endParaRPr lang="zh-CN" altLang="en-US"/>
+        </a:p>
+      </dgm:t>
     </dgm:pt>
     <dgm:pt modelId="{284C1D4D-C19E-464E-89EF-AD5854BDFBD9}" type="pres">
       <dgm:prSet presAssocID="{DD92D346-BFB5-4C3D-832C-6EAA48244959}" presName="node" presStyleLbl="node1" presStyleIdx="2" presStyleCnt="8">
@@ -3407,14 +3498,35 @@
         </dgm:presLayoutVars>
       </dgm:prSet>
       <dgm:spPr/>
+      <dgm:t>
+        <a:bodyPr/>
+        <a:lstStyle/>
+        <a:p>
+          <a:endParaRPr lang="zh-CN" altLang="en-US"/>
+        </a:p>
+      </dgm:t>
     </dgm:pt>
     <dgm:pt modelId="{6786F504-CE42-4C2F-81A3-9BFAB8B67D9F}" type="pres">
       <dgm:prSet presAssocID="{29986DAC-81CD-4710-92DE-C0EB8D27EEB5}" presName="sibTrans" presStyleLbl="sibTrans1D1" presStyleIdx="2" presStyleCnt="7"/>
       <dgm:spPr/>
+      <dgm:t>
+        <a:bodyPr/>
+        <a:lstStyle/>
+        <a:p>
+          <a:endParaRPr lang="zh-CN" altLang="en-US"/>
+        </a:p>
+      </dgm:t>
     </dgm:pt>
     <dgm:pt modelId="{A6AE89BD-D95F-44F7-A2A8-E3DFA083A303}" type="pres">
       <dgm:prSet presAssocID="{29986DAC-81CD-4710-92DE-C0EB8D27EEB5}" presName="connectorText" presStyleLbl="sibTrans1D1" presStyleIdx="2" presStyleCnt="7"/>
       <dgm:spPr/>
+      <dgm:t>
+        <a:bodyPr/>
+        <a:lstStyle/>
+        <a:p>
+          <a:endParaRPr lang="zh-CN" altLang="en-US"/>
+        </a:p>
+      </dgm:t>
     </dgm:pt>
     <dgm:pt modelId="{BB95B41A-9993-4D10-AFA5-282F9FBE30FE}" type="pres">
       <dgm:prSet presAssocID="{C268F855-0C19-49AF-A02E-A6A3F863343A}" presName="node" presStyleLbl="node1" presStyleIdx="3" presStyleCnt="8">
@@ -3423,14 +3535,35 @@
         </dgm:presLayoutVars>
       </dgm:prSet>
       <dgm:spPr/>
+      <dgm:t>
+        <a:bodyPr/>
+        <a:lstStyle/>
+        <a:p>
+          <a:endParaRPr lang="zh-CN" altLang="en-US"/>
+        </a:p>
+      </dgm:t>
     </dgm:pt>
     <dgm:pt modelId="{026D849B-DA1F-4CF4-B2F1-50B3B0DBC4B7}" type="pres">
       <dgm:prSet presAssocID="{011542E9-0DF3-4DC2-A6E6-CC64E253DC63}" presName="sibTrans" presStyleLbl="sibTrans1D1" presStyleIdx="3" presStyleCnt="7"/>
       <dgm:spPr/>
+      <dgm:t>
+        <a:bodyPr/>
+        <a:lstStyle/>
+        <a:p>
+          <a:endParaRPr lang="zh-CN" altLang="en-US"/>
+        </a:p>
+      </dgm:t>
     </dgm:pt>
     <dgm:pt modelId="{A49BEC73-0260-4D2F-9BF3-A3807F3055F2}" type="pres">
       <dgm:prSet presAssocID="{011542E9-0DF3-4DC2-A6E6-CC64E253DC63}" presName="connectorText" presStyleLbl="sibTrans1D1" presStyleIdx="3" presStyleCnt="7"/>
       <dgm:spPr/>
+      <dgm:t>
+        <a:bodyPr/>
+        <a:lstStyle/>
+        <a:p>
+          <a:endParaRPr lang="zh-CN" altLang="en-US"/>
+        </a:p>
+      </dgm:t>
     </dgm:pt>
     <dgm:pt modelId="{D641BEE6-70ED-4F4B-BCDB-73FB598F556B}" type="pres">
       <dgm:prSet presAssocID="{B03C07ED-D710-47B5-8AD4-064B7F5F3199}" presName="node" presStyleLbl="node1" presStyleIdx="4" presStyleCnt="8">
@@ -3439,14 +3572,35 @@
         </dgm:presLayoutVars>
       </dgm:prSet>
       <dgm:spPr/>
+      <dgm:t>
+        <a:bodyPr/>
+        <a:lstStyle/>
+        <a:p>
+          <a:endParaRPr lang="zh-CN" altLang="en-US"/>
+        </a:p>
+      </dgm:t>
     </dgm:pt>
     <dgm:pt modelId="{A465C163-28CB-4006-BCB8-14CABA49693B}" type="pres">
       <dgm:prSet presAssocID="{AC90006E-6EF5-4D3A-937D-D891CA13400F}" presName="sibTrans" presStyleLbl="sibTrans1D1" presStyleIdx="4" presStyleCnt="7"/>
       <dgm:spPr/>
+      <dgm:t>
+        <a:bodyPr/>
+        <a:lstStyle/>
+        <a:p>
+          <a:endParaRPr lang="zh-CN" altLang="en-US"/>
+        </a:p>
+      </dgm:t>
     </dgm:pt>
     <dgm:pt modelId="{C9E73578-6E91-4DB3-9E50-BB7A1AB915A4}" type="pres">
       <dgm:prSet presAssocID="{AC90006E-6EF5-4D3A-937D-D891CA13400F}" presName="connectorText" presStyleLbl="sibTrans1D1" presStyleIdx="4" presStyleCnt="7"/>
       <dgm:spPr/>
+      <dgm:t>
+        <a:bodyPr/>
+        <a:lstStyle/>
+        <a:p>
+          <a:endParaRPr lang="zh-CN" altLang="en-US"/>
+        </a:p>
+      </dgm:t>
     </dgm:pt>
     <dgm:pt modelId="{7DD4DCE2-FAA2-4CA2-BBAE-4A02AB315CEF}" type="pres">
       <dgm:prSet presAssocID="{D75A67CD-7499-49DD-B478-3447232967B5}" presName="node" presStyleLbl="node1" presStyleIdx="5" presStyleCnt="8">
@@ -3455,14 +3609,35 @@
         </dgm:presLayoutVars>
       </dgm:prSet>
       <dgm:spPr/>
+      <dgm:t>
+        <a:bodyPr/>
+        <a:lstStyle/>
+        <a:p>
+          <a:endParaRPr lang="zh-CN" altLang="en-US"/>
+        </a:p>
+      </dgm:t>
     </dgm:pt>
     <dgm:pt modelId="{D71BE198-65FD-4959-83F3-4909594528FD}" type="pres">
       <dgm:prSet presAssocID="{C7B0990A-D677-481B-A510-F2E1CC0A6AEE}" presName="sibTrans" presStyleLbl="sibTrans1D1" presStyleIdx="5" presStyleCnt="7"/>
       <dgm:spPr/>
+      <dgm:t>
+        <a:bodyPr/>
+        <a:lstStyle/>
+        <a:p>
+          <a:endParaRPr lang="zh-CN" altLang="en-US"/>
+        </a:p>
+      </dgm:t>
     </dgm:pt>
     <dgm:pt modelId="{15CD63BA-8DF7-439C-AED6-D90BDD7D20BE}" type="pres">
       <dgm:prSet presAssocID="{C7B0990A-D677-481B-A510-F2E1CC0A6AEE}" presName="connectorText" presStyleLbl="sibTrans1D1" presStyleIdx="5" presStyleCnt="7"/>
       <dgm:spPr/>
+      <dgm:t>
+        <a:bodyPr/>
+        <a:lstStyle/>
+        <a:p>
+          <a:endParaRPr lang="zh-CN" altLang="en-US"/>
+        </a:p>
+      </dgm:t>
     </dgm:pt>
     <dgm:pt modelId="{3B7E9114-5AF4-4DA6-9CA4-AF34B085DF20}" type="pres">
       <dgm:prSet presAssocID="{661FA550-8DFE-4212-B342-FD52E646875D}" presName="node" presStyleLbl="node1" presStyleIdx="6" presStyleCnt="8">
@@ -3471,14 +3646,35 @@
         </dgm:presLayoutVars>
       </dgm:prSet>
       <dgm:spPr/>
+      <dgm:t>
+        <a:bodyPr/>
+        <a:lstStyle/>
+        <a:p>
+          <a:endParaRPr lang="zh-CN" altLang="en-US"/>
+        </a:p>
+      </dgm:t>
     </dgm:pt>
     <dgm:pt modelId="{EAA866B9-5DAC-49A1-9C47-7B35A615A913}" type="pres">
       <dgm:prSet presAssocID="{7972EFEF-5085-484D-9FCB-F67C6454C032}" presName="sibTrans" presStyleLbl="sibTrans1D1" presStyleIdx="6" presStyleCnt="7"/>
       <dgm:spPr/>
+      <dgm:t>
+        <a:bodyPr/>
+        <a:lstStyle/>
+        <a:p>
+          <a:endParaRPr lang="zh-CN" altLang="en-US"/>
+        </a:p>
+      </dgm:t>
     </dgm:pt>
     <dgm:pt modelId="{AA58490D-06EA-43F3-9D16-11E7D9E57EAC}" type="pres">
       <dgm:prSet presAssocID="{7972EFEF-5085-484D-9FCB-F67C6454C032}" presName="connectorText" presStyleLbl="sibTrans1D1" presStyleIdx="6" presStyleCnt="7"/>
       <dgm:spPr/>
+      <dgm:t>
+        <a:bodyPr/>
+        <a:lstStyle/>
+        <a:p>
+          <a:endParaRPr lang="zh-CN" altLang="en-US"/>
+        </a:p>
+      </dgm:t>
     </dgm:pt>
     <dgm:pt modelId="{B913887B-61A9-41C8-B42B-3F8E784D5762}" type="pres">
       <dgm:prSet presAssocID="{E37DFCF4-C5E6-49B3-B490-45435CBB929B}" presName="node" presStyleLbl="node1" presStyleIdx="7" presStyleCnt="8">
@@ -3497,37 +3693,37 @@
     </dgm:pt>
   </dgm:ptLst>
   <dgm:cxnLst>
+    <dgm:cxn modelId="{C5DD3BD8-1B59-4995-8AC7-318F03C238AD}" type="presOf" srcId="{6877023A-3DFE-4892-9247-57DCEF329818}" destId="{69E341EB-8FB1-4347-841E-D38195D8BDCC}" srcOrd="0" destOrd="0" presId="urn:microsoft.com/office/officeart/2005/8/layout/bProcess3"/>
+    <dgm:cxn modelId="{E40908FF-6343-44DE-AF19-BD7ECBE0DA17}" srcId="{873ED7BB-A894-4706-BAAC-0FAA777A56DE}" destId="{026F3D0F-350C-4340-A4BF-D4E7EE8E8EB4}" srcOrd="1" destOrd="0" parTransId="{92537BF4-BCDD-44E6-9AB2-5CD29974AF3D}" sibTransId="{687177AA-03EA-41CE-8751-BEA6250416E7}"/>
+    <dgm:cxn modelId="{E79F8DA4-3983-4BC6-977D-7F676BD824C7}" type="presOf" srcId="{AC90006E-6EF5-4D3A-937D-D891CA13400F}" destId="{C9E73578-6E91-4DB3-9E50-BB7A1AB915A4}" srcOrd="1" destOrd="0" presId="urn:microsoft.com/office/officeart/2005/8/layout/bProcess3"/>
+    <dgm:cxn modelId="{08002790-9347-4948-AC05-13D135F5BC19}" type="presOf" srcId="{7972EFEF-5085-484D-9FCB-F67C6454C032}" destId="{EAA866B9-5DAC-49A1-9C47-7B35A615A913}" srcOrd="0" destOrd="0" presId="urn:microsoft.com/office/officeart/2005/8/layout/bProcess3"/>
+    <dgm:cxn modelId="{C80EFD03-A8BE-44EE-8655-F29AE6FB1151}" type="presOf" srcId="{011542E9-0DF3-4DC2-A6E6-CC64E253DC63}" destId="{A49BEC73-0260-4D2F-9BF3-A3807F3055F2}" srcOrd="1" destOrd="0" presId="urn:microsoft.com/office/officeart/2005/8/layout/bProcess3"/>
+    <dgm:cxn modelId="{0B95FB43-14E6-4506-9577-95B8CA687275}" type="presOf" srcId="{AC90006E-6EF5-4D3A-937D-D891CA13400F}" destId="{A465C163-28CB-4006-BCB8-14CABA49693B}" srcOrd="0" destOrd="0" presId="urn:microsoft.com/office/officeart/2005/8/layout/bProcess3"/>
     <dgm:cxn modelId="{3A36BA8E-5629-4E9D-9492-71F6A69F97CB}" type="presOf" srcId="{011542E9-0DF3-4DC2-A6E6-CC64E253DC63}" destId="{026D849B-DA1F-4CF4-B2F1-50B3B0DBC4B7}" srcOrd="0" destOrd="0" presId="urn:microsoft.com/office/officeart/2005/8/layout/bProcess3"/>
+    <dgm:cxn modelId="{D73CFE5D-4762-4E50-9CFB-7422B7F1D6AE}" srcId="{873ED7BB-A894-4706-BAAC-0FAA777A56DE}" destId="{661FA550-8DFE-4212-B342-FD52E646875D}" srcOrd="6" destOrd="0" parTransId="{117426E5-C17A-4EAC-B1E9-749333DD4042}" sibTransId="{7972EFEF-5085-484D-9FCB-F67C6454C032}"/>
+    <dgm:cxn modelId="{9AE6C332-3A80-4F66-AE1C-E9D472EC6807}" type="presOf" srcId="{D75A67CD-7499-49DD-B478-3447232967B5}" destId="{7DD4DCE2-FAA2-4CA2-BBAE-4A02AB315CEF}" srcOrd="0" destOrd="0" presId="urn:microsoft.com/office/officeart/2005/8/layout/bProcess3"/>
+    <dgm:cxn modelId="{EBA287C7-42B0-487D-AE46-E122F9C072FD}" type="presOf" srcId="{6877023A-3DFE-4892-9247-57DCEF329818}" destId="{66BE724D-7868-44E2-AEFC-6C72D991F34B}" srcOrd="1" destOrd="0" presId="urn:microsoft.com/office/officeart/2005/8/layout/bProcess3"/>
+    <dgm:cxn modelId="{6C6A644F-C997-48FA-B03B-D0AC9D6BBF03}" type="presOf" srcId="{29986DAC-81CD-4710-92DE-C0EB8D27EEB5}" destId="{A6AE89BD-D95F-44F7-A2A8-E3DFA083A303}" srcOrd="1" destOrd="0" presId="urn:microsoft.com/office/officeart/2005/8/layout/bProcess3"/>
+    <dgm:cxn modelId="{6094E04C-C114-4F1D-8FE5-C3BFDD30463C}" type="presOf" srcId="{873ED7BB-A894-4706-BAAC-0FAA777A56DE}" destId="{3C584F81-5CFD-48B7-B1E6-2A11BC47D463}" srcOrd="0" destOrd="0" presId="urn:microsoft.com/office/officeart/2005/8/layout/bProcess3"/>
+    <dgm:cxn modelId="{BFC87ADA-9B47-42DD-905E-F41068C5D246}" type="presOf" srcId="{687177AA-03EA-41CE-8751-BEA6250416E7}" destId="{08A0390F-DBFD-44B6-AAF9-F0A154E45178}" srcOrd="1" destOrd="0" presId="urn:microsoft.com/office/officeart/2005/8/layout/bProcess3"/>
     <dgm:cxn modelId="{F8022372-E492-46E3-893E-FE0DEFB8401F}" srcId="{873ED7BB-A894-4706-BAAC-0FAA777A56DE}" destId="{C268F855-0C19-49AF-A02E-A6A3F863343A}" srcOrd="3" destOrd="0" parTransId="{54129B51-397F-4DE8-ABDA-B062DD63B0E5}" sibTransId="{011542E9-0DF3-4DC2-A6E6-CC64E253DC63}"/>
+    <dgm:cxn modelId="{F26C93E5-763D-424E-9DBB-A35E68A63069}" type="presOf" srcId="{C7B0990A-D677-481B-A510-F2E1CC0A6AEE}" destId="{15CD63BA-8DF7-439C-AED6-D90BDD7D20BE}" srcOrd="1" destOrd="0" presId="urn:microsoft.com/office/officeart/2005/8/layout/bProcess3"/>
+    <dgm:cxn modelId="{CDEB13BB-2B18-44E3-AD5A-8D2C1A7F935B}" srcId="{873ED7BB-A894-4706-BAAC-0FAA777A56DE}" destId="{D75A67CD-7499-49DD-B478-3447232967B5}" srcOrd="5" destOrd="0" parTransId="{37CD75E9-EC8C-466F-8CB0-54A3E260FB73}" sibTransId="{C7B0990A-D677-481B-A510-F2E1CC0A6AEE}"/>
+    <dgm:cxn modelId="{4F34109A-F383-4063-95E3-9FC37DA6C08F}" srcId="{873ED7BB-A894-4706-BAAC-0FAA777A56DE}" destId="{DD92D346-BFB5-4C3D-832C-6EAA48244959}" srcOrd="2" destOrd="0" parTransId="{59DB4AFF-3A3C-4D81-828A-176F241166FC}" sibTransId="{29986DAC-81CD-4710-92DE-C0EB8D27EEB5}"/>
+    <dgm:cxn modelId="{39AB6268-6EE8-455D-856E-6B1A8A5E8ADD}" type="presOf" srcId="{661FA550-8DFE-4212-B342-FD52E646875D}" destId="{3B7E9114-5AF4-4DA6-9CA4-AF34B085DF20}" srcOrd="0" destOrd="0" presId="urn:microsoft.com/office/officeart/2005/8/layout/bProcess3"/>
+    <dgm:cxn modelId="{5F41D133-A73E-48F5-8EA4-8C7096156890}" type="presOf" srcId="{7972EFEF-5085-484D-9FCB-F67C6454C032}" destId="{AA58490D-06EA-43F3-9D16-11E7D9E57EAC}" srcOrd="1" destOrd="0" presId="urn:microsoft.com/office/officeart/2005/8/layout/bProcess3"/>
+    <dgm:cxn modelId="{7C3CC8C5-66E7-4F63-9CF7-3066FC600337}" type="presOf" srcId="{C7B0990A-D677-481B-A510-F2E1CC0A6AEE}" destId="{D71BE198-65FD-4959-83F3-4909594528FD}" srcOrd="0" destOrd="0" presId="urn:microsoft.com/office/officeart/2005/8/layout/bProcess3"/>
+    <dgm:cxn modelId="{710A922A-3E4C-4CC1-A550-A0F341DD8C4F}" srcId="{873ED7BB-A894-4706-BAAC-0FAA777A56DE}" destId="{6F212F7B-666B-4E59-A463-816241051DAF}" srcOrd="0" destOrd="0" parTransId="{89925078-4F26-4704-A097-244C20DEC220}" sibTransId="{6877023A-3DFE-4892-9247-57DCEF329818}"/>
+    <dgm:cxn modelId="{46A1E5DA-3F25-490C-8A28-C1A360A276F1}" type="presOf" srcId="{C268F855-0C19-49AF-A02E-A6A3F863343A}" destId="{BB95B41A-9993-4D10-AFA5-282F9FBE30FE}" srcOrd="0" destOrd="0" presId="urn:microsoft.com/office/officeart/2005/8/layout/bProcess3"/>
+    <dgm:cxn modelId="{86D96046-F249-4D24-BAF2-5B56F05518A7}" type="presOf" srcId="{B03C07ED-D710-47B5-8AD4-064B7F5F3199}" destId="{D641BEE6-70ED-4F4B-BCDB-73FB598F556B}" srcOrd="0" destOrd="0" presId="urn:microsoft.com/office/officeart/2005/8/layout/bProcess3"/>
+    <dgm:cxn modelId="{5CBB28B0-A927-4999-AC3D-161930054E19}" type="presOf" srcId="{29986DAC-81CD-4710-92DE-C0EB8D27EEB5}" destId="{6786F504-CE42-4C2F-81A3-9BFAB8B67D9F}" srcOrd="0" destOrd="0" presId="urn:microsoft.com/office/officeart/2005/8/layout/bProcess3"/>
+    <dgm:cxn modelId="{15BE7C69-75CC-4BF6-BC2B-81E6850E0A5E}" type="presOf" srcId="{026F3D0F-350C-4340-A4BF-D4E7EE8E8EB4}" destId="{0C87BA39-4866-40B4-8F60-5366D535D21B}" srcOrd="0" destOrd="0" presId="urn:microsoft.com/office/officeart/2005/8/layout/bProcess3"/>
+    <dgm:cxn modelId="{B9FCB7A2-F734-405A-8D1E-F7EAC0F26ADA}" type="presOf" srcId="{6F212F7B-666B-4E59-A463-816241051DAF}" destId="{8367E489-A08A-45F9-95CD-FBED81273717}" srcOrd="0" destOrd="0" presId="urn:microsoft.com/office/officeart/2005/8/layout/bProcess3"/>
+    <dgm:cxn modelId="{60F911BD-C3DC-42C4-B42E-1CCDB848D2CF}" type="presOf" srcId="{DD92D346-BFB5-4C3D-832C-6EAA48244959}" destId="{284C1D4D-C19E-464E-89EF-AD5854BDFBD9}" srcOrd="0" destOrd="0" presId="urn:microsoft.com/office/officeart/2005/8/layout/bProcess3"/>
+    <dgm:cxn modelId="{3315B38C-3508-4AAF-99D0-3D77C464666C}" srcId="{873ED7BB-A894-4706-BAAC-0FAA777A56DE}" destId="{B03C07ED-D710-47B5-8AD4-064B7F5F3199}" srcOrd="4" destOrd="0" parTransId="{0BD5985B-0183-46DC-A531-6BF7DE7B2761}" sibTransId="{AC90006E-6EF5-4D3A-937D-D891CA13400F}"/>
+    <dgm:cxn modelId="{928C6EE1-69CB-41C4-9787-60E897D96CBE}" type="presOf" srcId="{E37DFCF4-C5E6-49B3-B490-45435CBB929B}" destId="{B913887B-61A9-41C8-B42B-3F8E784D5762}" srcOrd="0" destOrd="0" presId="urn:microsoft.com/office/officeart/2005/8/layout/bProcess3"/>
+    <dgm:cxn modelId="{FCB4C1BB-4EC4-4DCD-A99B-9D2F8F9C2A23}" srcId="{873ED7BB-A894-4706-BAAC-0FAA777A56DE}" destId="{E37DFCF4-C5E6-49B3-B490-45435CBB929B}" srcOrd="7" destOrd="0" parTransId="{6BC96B63-D38E-4CC6-A060-591D04E07D29}" sibTransId="{5E90FEB0-0D33-47AC-817E-54F2FC5A17F5}"/>
     <dgm:cxn modelId="{44BCA02A-C876-49D2-98E1-FDCE9D2C97F4}" type="presOf" srcId="{687177AA-03EA-41CE-8751-BEA6250416E7}" destId="{F64B7147-372A-459A-AC66-CB0969C8B0C6}" srcOrd="0" destOrd="0" presId="urn:microsoft.com/office/officeart/2005/8/layout/bProcess3"/>
-    <dgm:cxn modelId="{5CBB28B0-A927-4999-AC3D-161930054E19}" type="presOf" srcId="{29986DAC-81CD-4710-92DE-C0EB8D27EEB5}" destId="{6786F504-CE42-4C2F-81A3-9BFAB8B67D9F}" srcOrd="0" destOrd="0" presId="urn:microsoft.com/office/officeart/2005/8/layout/bProcess3"/>
-    <dgm:cxn modelId="{5F41D133-A73E-48F5-8EA4-8C7096156890}" type="presOf" srcId="{7972EFEF-5085-484D-9FCB-F67C6454C032}" destId="{AA58490D-06EA-43F3-9D16-11E7D9E57EAC}" srcOrd="1" destOrd="0" presId="urn:microsoft.com/office/officeart/2005/8/layout/bProcess3"/>
-    <dgm:cxn modelId="{6094E04C-C114-4F1D-8FE5-C3BFDD30463C}" type="presOf" srcId="{873ED7BB-A894-4706-BAAC-0FAA777A56DE}" destId="{3C584F81-5CFD-48B7-B1E6-2A11BC47D463}" srcOrd="0" destOrd="0" presId="urn:microsoft.com/office/officeart/2005/8/layout/bProcess3"/>
-    <dgm:cxn modelId="{0B95FB43-14E6-4506-9577-95B8CA687275}" type="presOf" srcId="{AC90006E-6EF5-4D3A-937D-D891CA13400F}" destId="{A465C163-28CB-4006-BCB8-14CABA49693B}" srcOrd="0" destOrd="0" presId="urn:microsoft.com/office/officeart/2005/8/layout/bProcess3"/>
-    <dgm:cxn modelId="{46A1E5DA-3F25-490C-8A28-C1A360A276F1}" type="presOf" srcId="{C268F855-0C19-49AF-A02E-A6A3F863343A}" destId="{BB95B41A-9993-4D10-AFA5-282F9FBE30FE}" srcOrd="0" destOrd="0" presId="urn:microsoft.com/office/officeart/2005/8/layout/bProcess3"/>
-    <dgm:cxn modelId="{928C6EE1-69CB-41C4-9787-60E897D96CBE}" type="presOf" srcId="{E37DFCF4-C5E6-49B3-B490-45435CBB929B}" destId="{B913887B-61A9-41C8-B42B-3F8E784D5762}" srcOrd="0" destOrd="0" presId="urn:microsoft.com/office/officeart/2005/8/layout/bProcess3"/>
-    <dgm:cxn modelId="{BFC87ADA-9B47-42DD-905E-F41068C5D246}" type="presOf" srcId="{687177AA-03EA-41CE-8751-BEA6250416E7}" destId="{08A0390F-DBFD-44B6-AAF9-F0A154E45178}" srcOrd="1" destOrd="0" presId="urn:microsoft.com/office/officeart/2005/8/layout/bProcess3"/>
-    <dgm:cxn modelId="{39AB6268-6EE8-455D-856E-6B1A8A5E8ADD}" type="presOf" srcId="{661FA550-8DFE-4212-B342-FD52E646875D}" destId="{3B7E9114-5AF4-4DA6-9CA4-AF34B085DF20}" srcOrd="0" destOrd="0" presId="urn:microsoft.com/office/officeart/2005/8/layout/bProcess3"/>
-    <dgm:cxn modelId="{9AE6C332-3A80-4F66-AE1C-E9D472EC6807}" type="presOf" srcId="{D75A67CD-7499-49DD-B478-3447232967B5}" destId="{7DD4DCE2-FAA2-4CA2-BBAE-4A02AB315CEF}" srcOrd="0" destOrd="0" presId="urn:microsoft.com/office/officeart/2005/8/layout/bProcess3"/>
-    <dgm:cxn modelId="{6C6A644F-C997-48FA-B03B-D0AC9D6BBF03}" type="presOf" srcId="{29986DAC-81CD-4710-92DE-C0EB8D27EEB5}" destId="{A6AE89BD-D95F-44F7-A2A8-E3DFA083A303}" srcOrd="1" destOrd="0" presId="urn:microsoft.com/office/officeart/2005/8/layout/bProcess3"/>
-    <dgm:cxn modelId="{60F911BD-C3DC-42C4-B42E-1CCDB848D2CF}" type="presOf" srcId="{DD92D346-BFB5-4C3D-832C-6EAA48244959}" destId="{284C1D4D-C19E-464E-89EF-AD5854BDFBD9}" srcOrd="0" destOrd="0" presId="urn:microsoft.com/office/officeart/2005/8/layout/bProcess3"/>
-    <dgm:cxn modelId="{710A922A-3E4C-4CC1-A550-A0F341DD8C4F}" srcId="{873ED7BB-A894-4706-BAAC-0FAA777A56DE}" destId="{6F212F7B-666B-4E59-A463-816241051DAF}" srcOrd="0" destOrd="0" parTransId="{89925078-4F26-4704-A097-244C20DEC220}" sibTransId="{6877023A-3DFE-4892-9247-57DCEF329818}"/>
-    <dgm:cxn modelId="{D73CFE5D-4762-4E50-9CFB-7422B7F1D6AE}" srcId="{873ED7BB-A894-4706-BAAC-0FAA777A56DE}" destId="{661FA550-8DFE-4212-B342-FD52E646875D}" srcOrd="6" destOrd="0" parTransId="{117426E5-C17A-4EAC-B1E9-749333DD4042}" sibTransId="{7972EFEF-5085-484D-9FCB-F67C6454C032}"/>
-    <dgm:cxn modelId="{4F34109A-F383-4063-95E3-9FC37DA6C08F}" srcId="{873ED7BB-A894-4706-BAAC-0FAA777A56DE}" destId="{DD92D346-BFB5-4C3D-832C-6EAA48244959}" srcOrd="2" destOrd="0" parTransId="{59DB4AFF-3A3C-4D81-828A-176F241166FC}" sibTransId="{29986DAC-81CD-4710-92DE-C0EB8D27EEB5}"/>
-    <dgm:cxn modelId="{C80EFD03-A8BE-44EE-8655-F29AE6FB1151}" type="presOf" srcId="{011542E9-0DF3-4DC2-A6E6-CC64E253DC63}" destId="{A49BEC73-0260-4D2F-9BF3-A3807F3055F2}" srcOrd="1" destOrd="0" presId="urn:microsoft.com/office/officeart/2005/8/layout/bProcess3"/>
-    <dgm:cxn modelId="{CDEB13BB-2B18-44E3-AD5A-8D2C1A7F935B}" srcId="{873ED7BB-A894-4706-BAAC-0FAA777A56DE}" destId="{D75A67CD-7499-49DD-B478-3447232967B5}" srcOrd="5" destOrd="0" parTransId="{37CD75E9-EC8C-466F-8CB0-54A3E260FB73}" sibTransId="{C7B0990A-D677-481B-A510-F2E1CC0A6AEE}"/>
-    <dgm:cxn modelId="{EBA287C7-42B0-487D-AE46-E122F9C072FD}" type="presOf" srcId="{6877023A-3DFE-4892-9247-57DCEF329818}" destId="{66BE724D-7868-44E2-AEFC-6C72D991F34B}" srcOrd="1" destOrd="0" presId="urn:microsoft.com/office/officeart/2005/8/layout/bProcess3"/>
-    <dgm:cxn modelId="{E79F8DA4-3983-4BC6-977D-7F676BD824C7}" type="presOf" srcId="{AC90006E-6EF5-4D3A-937D-D891CA13400F}" destId="{C9E73578-6E91-4DB3-9E50-BB7A1AB915A4}" srcOrd="1" destOrd="0" presId="urn:microsoft.com/office/officeart/2005/8/layout/bProcess3"/>
-    <dgm:cxn modelId="{15BE7C69-75CC-4BF6-BC2B-81E6850E0A5E}" type="presOf" srcId="{026F3D0F-350C-4340-A4BF-D4E7EE8E8EB4}" destId="{0C87BA39-4866-40B4-8F60-5366D535D21B}" srcOrd="0" destOrd="0" presId="urn:microsoft.com/office/officeart/2005/8/layout/bProcess3"/>
-    <dgm:cxn modelId="{FCB4C1BB-4EC4-4DCD-A99B-9D2F8F9C2A23}" srcId="{873ED7BB-A894-4706-BAAC-0FAA777A56DE}" destId="{E37DFCF4-C5E6-49B3-B490-45435CBB929B}" srcOrd="7" destOrd="0" parTransId="{6BC96B63-D38E-4CC6-A060-591D04E07D29}" sibTransId="{5E90FEB0-0D33-47AC-817E-54F2FC5A17F5}"/>
-    <dgm:cxn modelId="{3315B38C-3508-4AAF-99D0-3D77C464666C}" srcId="{873ED7BB-A894-4706-BAAC-0FAA777A56DE}" destId="{B03C07ED-D710-47B5-8AD4-064B7F5F3199}" srcOrd="4" destOrd="0" parTransId="{0BD5985B-0183-46DC-A531-6BF7DE7B2761}" sibTransId="{AC90006E-6EF5-4D3A-937D-D891CA13400F}"/>
-    <dgm:cxn modelId="{08002790-9347-4948-AC05-13D135F5BC19}" type="presOf" srcId="{7972EFEF-5085-484D-9FCB-F67C6454C032}" destId="{EAA866B9-5DAC-49A1-9C47-7B35A615A913}" srcOrd="0" destOrd="0" presId="urn:microsoft.com/office/officeart/2005/8/layout/bProcess3"/>
-    <dgm:cxn modelId="{7C3CC8C5-66E7-4F63-9CF7-3066FC600337}" type="presOf" srcId="{C7B0990A-D677-481B-A510-F2E1CC0A6AEE}" destId="{D71BE198-65FD-4959-83F3-4909594528FD}" srcOrd="0" destOrd="0" presId="urn:microsoft.com/office/officeart/2005/8/layout/bProcess3"/>
-    <dgm:cxn modelId="{B9FCB7A2-F734-405A-8D1E-F7EAC0F26ADA}" type="presOf" srcId="{6F212F7B-666B-4E59-A463-816241051DAF}" destId="{8367E489-A08A-45F9-95CD-FBED81273717}" srcOrd="0" destOrd="0" presId="urn:microsoft.com/office/officeart/2005/8/layout/bProcess3"/>
-    <dgm:cxn modelId="{86D96046-F249-4D24-BAF2-5B56F05518A7}" type="presOf" srcId="{B03C07ED-D710-47B5-8AD4-064B7F5F3199}" destId="{D641BEE6-70ED-4F4B-BCDB-73FB598F556B}" srcOrd="0" destOrd="0" presId="urn:microsoft.com/office/officeart/2005/8/layout/bProcess3"/>
-    <dgm:cxn modelId="{E40908FF-6343-44DE-AF19-BD7ECBE0DA17}" srcId="{873ED7BB-A894-4706-BAAC-0FAA777A56DE}" destId="{026F3D0F-350C-4340-A4BF-D4E7EE8E8EB4}" srcOrd="1" destOrd="0" parTransId="{92537BF4-BCDD-44E6-9AB2-5CD29974AF3D}" sibTransId="{687177AA-03EA-41CE-8751-BEA6250416E7}"/>
-    <dgm:cxn modelId="{F26C93E5-763D-424E-9DBB-A35E68A63069}" type="presOf" srcId="{C7B0990A-D677-481B-A510-F2E1CC0A6AEE}" destId="{15CD63BA-8DF7-439C-AED6-D90BDD7D20BE}" srcOrd="1" destOrd="0" presId="urn:microsoft.com/office/officeart/2005/8/layout/bProcess3"/>
-    <dgm:cxn modelId="{C5DD3BD8-1B59-4995-8AC7-318F03C238AD}" type="presOf" srcId="{6877023A-3DFE-4892-9247-57DCEF329818}" destId="{69E341EB-8FB1-4347-841E-D38195D8BDCC}" srcOrd="0" destOrd="0" presId="urn:microsoft.com/office/officeart/2005/8/layout/bProcess3"/>
     <dgm:cxn modelId="{2A9A0924-EC46-4B58-AECD-49B9E2C9EF3D}" type="presParOf" srcId="{3C584F81-5CFD-48B7-B1E6-2A11BC47D463}" destId="{8367E489-A08A-45F9-95CD-FBED81273717}" srcOrd="0" destOrd="0" presId="urn:microsoft.com/office/officeart/2005/8/layout/bProcess3"/>
     <dgm:cxn modelId="{5AC8459E-B83D-4EB6-92FE-329A3004FB3F}" type="presParOf" srcId="{3C584F81-5CFD-48B7-B1E6-2A11BC47D463}" destId="{69E341EB-8FB1-4347-841E-D38195D8BDCC}" srcOrd="1" destOrd="0" presId="urn:microsoft.com/office/officeart/2005/8/layout/bProcess3"/>
     <dgm:cxn modelId="{57C5D5AB-2F88-4C6D-851D-C0EB3C926B6E}" type="presParOf" srcId="{69E341EB-8FB1-4347-841E-D38195D8BDCC}" destId="{66BE724D-7868-44E2-AEFC-6C72D991F34B}" srcOrd="0" destOrd="0" presId="urn:microsoft.com/office/officeart/2005/8/layout/bProcess3"/>
@@ -3889,7 +4085,7 @@
               <a:spcPct val="35000"/>
             </a:spcAft>
           </a:pPr>
-          <a:endParaRPr lang="zh-CN" altLang="en-US" sz="5800" kern="1200"/>
+          <a:endParaRPr lang="zh-CN" altLang="en-US" sz="5800" kern="1200" dirty="0"/>
         </a:p>
       </dsp:txBody>
       <dsp:txXfrm rot="10800000">
@@ -3958,21 +4154,18 @@
       <dsp:cNvGrpSpPr/>
     </dsp:nvGrpSpPr>
     <dsp:grpSpPr/>
-    <dsp:sp modelId="{03BE1139-4844-4EAF-BA2E-5510EDD87832}">
+    <dsp:sp modelId="{A7083900-4CA5-4147-86B8-76197CFD194B}">
       <dsp:nvSpPr>
         <dsp:cNvPr id="0" name=""/>
         <dsp:cNvSpPr/>
       </dsp:nvSpPr>
       <dsp:spPr>
-        <a:xfrm rot="5400000">
-          <a:off x="4884704" y="88531"/>
-          <a:ext cx="1344972" cy="1170125"/>
+        <a:xfrm rot="10800000">
+          <a:off x="1897034" y="625"/>
+          <a:ext cx="6992874" cy="542685"/>
         </a:xfrm>
-        <a:prstGeom prst="hexagon">
-          <a:avLst>
-            <a:gd name="adj" fmla="val 25000"/>
-            <a:gd name="vf" fmla="val 115470"/>
-          </a:avLst>
+        <a:prstGeom prst="homePlate">
+          <a:avLst/>
         </a:prstGeom>
         <a:gradFill rotWithShape="0">
           <a:gsLst>
@@ -4038,7 +4231,7 @@
         </a:fontRef>
       </dsp:style>
       <dsp:txBody>
-        <a:bodyPr spcFirstLastPara="0" vert="horz" wrap="square" lIns="91440" tIns="91440" rIns="91440" bIns="91440" numCol="1" spcCol="1270" anchor="ctr" anchorCtr="0">
+        <a:bodyPr spcFirstLastPara="0" vert="horz" wrap="square" lIns="239309" tIns="91440" rIns="170688" bIns="91440" numCol="1" spcCol="1270" anchor="ctr" anchorCtr="0">
           <a:noAutofit/>
         </a:bodyPr>
         <a:lstStyle/>
@@ -4061,86 +4254,69 @@
           <a:endParaRPr lang="zh-CN" altLang="en-US" sz="2400" kern="1200" dirty="0"/>
         </a:p>
       </dsp:txBody>
-      <dsp:txXfrm rot="-5400000">
-        <a:off x="5154471" y="210699"/>
-        <a:ext cx="805437" cy="925790"/>
+      <dsp:txXfrm rot="10800000">
+        <a:off x="2032705" y="625"/>
+        <a:ext cx="6857203" cy="542685"/>
       </dsp:txXfrm>
     </dsp:sp>
-    <dsp:sp modelId="{93FB7DE7-5DC7-4F2E-AF3B-4D6649D74D0D}">
+    <dsp:sp modelId="{E293ADF7-C1B6-4A46-878A-C229193FEDD0}">
       <dsp:nvSpPr>
         <dsp:cNvPr id="0" name=""/>
         <dsp:cNvSpPr/>
       </dsp:nvSpPr>
       <dsp:spPr>
         <a:xfrm>
-          <a:off x="6177760" y="270102"/>
-          <a:ext cx="1500988" cy="806983"/>
+          <a:off x="1625691" y="625"/>
+          <a:ext cx="542685" cy="542685"/>
         </a:xfrm>
-        <a:prstGeom prst="rect">
+        <a:prstGeom prst="ellipse">
           <a:avLst/>
         </a:prstGeom>
-        <a:noFill/>
+        <a:solidFill>
+          <a:schemeClr val="accent1">
+            <a:tint val="50000"/>
+            <a:hueOff val="0"/>
+            <a:satOff val="0"/>
+            <a:lumOff val="0"/>
+            <a:alphaOff val="0"/>
+          </a:schemeClr>
+        </a:solidFill>
         <a:ln>
           <a:noFill/>
         </a:ln>
-        <a:effectLst/>
+        <a:effectLst>
+          <a:outerShdw blurRad="57150" dist="19050" dir="5400000" algn="ctr" rotWithShape="0">
+            <a:srgbClr val="000000">
+              <a:alpha val="63000"/>
+            </a:srgbClr>
+          </a:outerShdw>
+        </a:effectLst>
       </dsp:spPr>
       <dsp:style>
         <a:lnRef idx="0">
           <a:scrgbClr r="0" g="0" b="0"/>
         </a:lnRef>
-        <a:fillRef idx="0">
+        <a:fillRef idx="1">
           <a:scrgbClr r="0" g="0" b="0"/>
         </a:fillRef>
-        <a:effectRef idx="0">
+        <a:effectRef idx="3">
           <a:scrgbClr r="0" g="0" b="0"/>
         </a:effectRef>
         <a:fontRef idx="minor"/>
       </dsp:style>
-      <dsp:txBody>
-        <a:bodyPr spcFirstLastPara="0" vert="horz" wrap="square" lIns="91440" tIns="91440" rIns="91440" bIns="91440" numCol="1" spcCol="1270" anchor="ctr" anchorCtr="0">
-          <a:noAutofit/>
-        </a:bodyPr>
-        <a:lstStyle/>
-        <a:p>
-          <a:pPr lvl="0" algn="l" defTabSz="1066800">
-            <a:lnSpc>
-              <a:spcPct val="90000"/>
-            </a:lnSpc>
-            <a:spcBef>
-              <a:spcPct val="0"/>
-            </a:spcBef>
-            <a:spcAft>
-              <a:spcPct val="35000"/>
-            </a:spcAft>
-          </a:pPr>
-          <a:r>
-            <a:rPr lang="zh-CN" altLang="en-US" sz="2400" kern="1200" dirty="0" smtClean="0"/>
-            <a:t>回归分析</a:t>
-          </a:r>
-          <a:endParaRPr lang="zh-CN" altLang="en-US" sz="2400" kern="1200" dirty="0"/>
-        </a:p>
-      </dsp:txBody>
-      <dsp:txXfrm>
-        <a:off x="6177760" y="270102"/>
-        <a:ext cx="1500988" cy="806983"/>
-      </dsp:txXfrm>
     </dsp:sp>
-    <dsp:sp modelId="{CBBEF42D-83D8-4621-8622-0D8389CCE5E7}">
+    <dsp:sp modelId="{A60FDCC3-954A-4FD3-97A9-F55AB9BBC217}">
       <dsp:nvSpPr>
         <dsp:cNvPr id="0" name=""/>
         <dsp:cNvSpPr/>
       </dsp:nvSpPr>
       <dsp:spPr>
-        <a:xfrm rot="5400000">
-          <a:off x="3620968" y="88531"/>
-          <a:ext cx="1344972" cy="1170125"/>
+        <a:xfrm rot="10800000">
+          <a:off x="1897034" y="705307"/>
+          <a:ext cx="6992874" cy="542685"/>
         </a:xfrm>
-        <a:prstGeom prst="hexagon">
-          <a:avLst>
-            <a:gd name="adj" fmla="val 25000"/>
-            <a:gd name="vf" fmla="val 115470"/>
-          </a:avLst>
+        <a:prstGeom prst="homePlate">
+          <a:avLst/>
         </a:prstGeom>
         <a:gradFill rotWithShape="0">
           <a:gsLst>
@@ -4206,7 +4382,7 @@
         </a:fontRef>
       </dsp:style>
       <dsp:txBody>
-        <a:bodyPr spcFirstLastPara="0" vert="horz" wrap="square" lIns="0" tIns="0" rIns="0" bIns="0" numCol="1" spcCol="1270" anchor="ctr" anchorCtr="0">
+        <a:bodyPr spcFirstLastPara="0" vert="horz" wrap="square" lIns="239309" tIns="91440" rIns="170688" bIns="91440" numCol="1" spcCol="1270" anchor="ctr" anchorCtr="0">
           <a:noAutofit/>
         </a:bodyPr>
         <a:lstStyle/>
@@ -4222,29 +4398,76 @@
               <a:spcPct val="35000"/>
             </a:spcAft>
           </a:pPr>
-          <a:endParaRPr lang="zh-CN" altLang="en-US" sz="2400" kern="1200"/>
+          <a:r>
+            <a:rPr lang="zh-CN" altLang="en-US" sz="2400" kern="1200" dirty="0" smtClean="0"/>
+            <a:t>回归分析</a:t>
+          </a:r>
+          <a:endParaRPr lang="zh-CN" altLang="en-US" sz="2400" kern="1200" dirty="0"/>
         </a:p>
       </dsp:txBody>
-      <dsp:txXfrm rot="-5400000">
-        <a:off x="3890735" y="210699"/>
-        <a:ext cx="805437" cy="925790"/>
+      <dsp:txXfrm rot="10800000">
+        <a:off x="2032705" y="705307"/>
+        <a:ext cx="6857203" cy="542685"/>
       </dsp:txXfrm>
     </dsp:sp>
-    <dsp:sp modelId="{74DE52C0-0C89-4B66-BD63-C5727F5325EE}">
+    <dsp:sp modelId="{69714AC5-0155-4FD8-A64B-E1FAA533D252}">
       <dsp:nvSpPr>
         <dsp:cNvPr id="0" name=""/>
         <dsp:cNvSpPr/>
       </dsp:nvSpPr>
       <dsp:spPr>
-        <a:xfrm rot="5400000">
-          <a:off x="4250415" y="1230143"/>
-          <a:ext cx="1344972" cy="1170125"/>
+        <a:xfrm>
+          <a:off x="1625691" y="705307"/>
+          <a:ext cx="542685" cy="542685"/>
         </a:xfrm>
-        <a:prstGeom prst="hexagon">
-          <a:avLst>
-            <a:gd name="adj" fmla="val 25000"/>
-            <a:gd name="vf" fmla="val 115470"/>
-          </a:avLst>
+        <a:prstGeom prst="ellipse">
+          <a:avLst/>
+        </a:prstGeom>
+        <a:solidFill>
+          <a:schemeClr val="accent1">
+            <a:tint val="50000"/>
+            <a:hueOff val="0"/>
+            <a:satOff val="0"/>
+            <a:lumOff val="0"/>
+            <a:alphaOff val="0"/>
+          </a:schemeClr>
+        </a:solidFill>
+        <a:ln>
+          <a:noFill/>
+        </a:ln>
+        <a:effectLst>
+          <a:outerShdw blurRad="57150" dist="19050" dir="5400000" algn="ctr" rotWithShape="0">
+            <a:srgbClr val="000000">
+              <a:alpha val="63000"/>
+            </a:srgbClr>
+          </a:outerShdw>
+        </a:effectLst>
+      </dsp:spPr>
+      <dsp:style>
+        <a:lnRef idx="0">
+          <a:scrgbClr r="0" g="0" b="0"/>
+        </a:lnRef>
+        <a:fillRef idx="1">
+          <a:scrgbClr r="0" g="0" b="0"/>
+        </a:fillRef>
+        <a:effectRef idx="3">
+          <a:scrgbClr r="0" g="0" b="0"/>
+        </a:effectRef>
+        <a:fontRef idx="minor"/>
+      </dsp:style>
+    </dsp:sp>
+    <dsp:sp modelId="{2E5EEBE0-BDD6-4568-9F4B-25481A8A3338}">
+      <dsp:nvSpPr>
+        <dsp:cNvPr id="0" name=""/>
+        <dsp:cNvSpPr/>
+      </dsp:nvSpPr>
+      <dsp:spPr>
+        <a:xfrm rot="10800000">
+          <a:off x="1897034" y="1409988"/>
+          <a:ext cx="6992874" cy="542685"/>
+        </a:xfrm>
+        <a:prstGeom prst="homePlate">
+          <a:avLst/>
         </a:prstGeom>
         <a:gradFill rotWithShape="0">
           <a:gsLst>
@@ -4310,7 +4533,7 @@
         </a:fontRef>
       </dsp:style>
       <dsp:txBody>
-        <a:bodyPr spcFirstLastPara="0" vert="horz" wrap="square" lIns="91440" tIns="91440" rIns="91440" bIns="91440" numCol="1" spcCol="1270" anchor="ctr" anchorCtr="0">
+        <a:bodyPr spcFirstLastPara="0" vert="horz" wrap="square" lIns="239309" tIns="91440" rIns="170688" bIns="91440" numCol="1" spcCol="1270" anchor="ctr" anchorCtr="0">
           <a:noAutofit/>
         </a:bodyPr>
         <a:lstStyle/>
@@ -4333,86 +4556,69 @@
           <a:endParaRPr lang="zh-CN" altLang="en-US" sz="2400" kern="1200" dirty="0"/>
         </a:p>
       </dsp:txBody>
-      <dsp:txXfrm rot="-5400000">
-        <a:off x="4520182" y="1352311"/>
-        <a:ext cx="805437" cy="925790"/>
+      <dsp:txXfrm rot="10800000">
+        <a:off x="2032705" y="1409988"/>
+        <a:ext cx="6857203" cy="542685"/>
       </dsp:txXfrm>
     </dsp:sp>
-    <dsp:sp modelId="{29B65038-FED4-4B21-ABD1-AB66BED52D75}">
+    <dsp:sp modelId="{D5DE8AF9-1931-49FF-A124-0F2C6C4EAD79}">
       <dsp:nvSpPr>
         <dsp:cNvPr id="0" name=""/>
         <dsp:cNvSpPr/>
       </dsp:nvSpPr>
       <dsp:spPr>
         <a:xfrm>
-          <a:off x="2836850" y="1411714"/>
-          <a:ext cx="1452569" cy="806983"/>
+          <a:off x="1625691" y="1409988"/>
+          <a:ext cx="542685" cy="542685"/>
         </a:xfrm>
-        <a:prstGeom prst="rect">
+        <a:prstGeom prst="ellipse">
           <a:avLst/>
         </a:prstGeom>
-        <a:noFill/>
+        <a:solidFill>
+          <a:schemeClr val="accent1">
+            <a:tint val="50000"/>
+            <a:hueOff val="0"/>
+            <a:satOff val="0"/>
+            <a:lumOff val="0"/>
+            <a:alphaOff val="0"/>
+          </a:schemeClr>
+        </a:solidFill>
         <a:ln>
           <a:noFill/>
         </a:ln>
-        <a:effectLst/>
+        <a:effectLst>
+          <a:outerShdw blurRad="57150" dist="19050" dir="5400000" algn="ctr" rotWithShape="0">
+            <a:srgbClr val="000000">
+              <a:alpha val="63000"/>
+            </a:srgbClr>
+          </a:outerShdw>
+        </a:effectLst>
       </dsp:spPr>
       <dsp:style>
         <a:lnRef idx="0">
           <a:scrgbClr r="0" g="0" b="0"/>
         </a:lnRef>
-        <a:fillRef idx="0">
+        <a:fillRef idx="1">
           <a:scrgbClr r="0" g="0" b="0"/>
         </a:fillRef>
-        <a:effectRef idx="0">
+        <a:effectRef idx="3">
           <a:scrgbClr r="0" g="0" b="0"/>
         </a:effectRef>
         <a:fontRef idx="minor"/>
       </dsp:style>
-      <dsp:txBody>
-        <a:bodyPr spcFirstLastPara="0" vert="horz" wrap="square" lIns="91440" tIns="91440" rIns="91440" bIns="91440" numCol="1" spcCol="1270" anchor="ctr" anchorCtr="0">
-          <a:noAutofit/>
-        </a:bodyPr>
-        <a:lstStyle/>
-        <a:p>
-          <a:pPr lvl="0" algn="r" defTabSz="1066800">
-            <a:lnSpc>
-              <a:spcPct val="90000"/>
-            </a:lnSpc>
-            <a:spcBef>
-              <a:spcPct val="0"/>
-            </a:spcBef>
-            <a:spcAft>
-              <a:spcPct val="35000"/>
-            </a:spcAft>
-          </a:pPr>
-          <a:r>
-            <a:rPr lang="zh-CN" altLang="en-US" sz="2400" kern="1200" dirty="0" smtClean="0"/>
-            <a:t>关联规则</a:t>
-          </a:r>
-          <a:endParaRPr lang="zh-CN" altLang="en-US" sz="2400" kern="1200" dirty="0"/>
-        </a:p>
-      </dsp:txBody>
-      <dsp:txXfrm>
-        <a:off x="2836850" y="1411714"/>
-        <a:ext cx="1452569" cy="806983"/>
-      </dsp:txXfrm>
     </dsp:sp>
-    <dsp:sp modelId="{5187DA73-A513-46D6-B65E-C944E5A4922F}">
+    <dsp:sp modelId="{A2E48A93-6BA7-45CF-A673-5DF7DED50C86}">
       <dsp:nvSpPr>
         <dsp:cNvPr id="0" name=""/>
         <dsp:cNvSpPr/>
       </dsp:nvSpPr>
       <dsp:spPr>
-        <a:xfrm rot="5400000">
-          <a:off x="5514151" y="1230143"/>
-          <a:ext cx="1344972" cy="1170125"/>
+        <a:xfrm rot="10800000">
+          <a:off x="1897034" y="2114669"/>
+          <a:ext cx="6992874" cy="542685"/>
         </a:xfrm>
-        <a:prstGeom prst="hexagon">
-          <a:avLst>
-            <a:gd name="adj" fmla="val 25000"/>
-            <a:gd name="vf" fmla="val 115470"/>
-          </a:avLst>
+        <a:prstGeom prst="homePlate">
+          <a:avLst/>
         </a:prstGeom>
         <a:gradFill rotWithShape="0">
           <a:gsLst>
@@ -4478,7 +4684,7 @@
         </a:fontRef>
       </dsp:style>
       <dsp:txBody>
-        <a:bodyPr spcFirstLastPara="0" vert="horz" wrap="square" lIns="0" tIns="0" rIns="0" bIns="0" numCol="1" spcCol="1270" anchor="ctr" anchorCtr="0">
+        <a:bodyPr spcFirstLastPara="0" vert="horz" wrap="square" lIns="239309" tIns="91440" rIns="170688" bIns="91440" numCol="1" spcCol="1270" anchor="ctr" anchorCtr="0">
           <a:noAutofit/>
         </a:bodyPr>
         <a:lstStyle/>
@@ -4494,29 +4700,76 @@
               <a:spcPct val="35000"/>
             </a:spcAft>
           </a:pPr>
-          <a:endParaRPr lang="zh-CN" altLang="en-US" sz="2400" kern="1200"/>
+          <a:r>
+            <a:rPr lang="zh-CN" altLang="en-US" sz="2400" kern="1200" dirty="0" smtClean="0"/>
+            <a:t>关联规则</a:t>
+          </a:r>
+          <a:endParaRPr lang="zh-CN" altLang="en-US" sz="2400" kern="1200" dirty="0"/>
         </a:p>
       </dsp:txBody>
-      <dsp:txXfrm rot="-5400000">
-        <a:off x="5783918" y="1352311"/>
-        <a:ext cx="805437" cy="925790"/>
+      <dsp:txXfrm rot="10800000">
+        <a:off x="2032705" y="2114669"/>
+        <a:ext cx="6857203" cy="542685"/>
       </dsp:txXfrm>
     </dsp:sp>
-    <dsp:sp modelId="{91670558-7868-4ABE-8668-F569AB53E8D9}">
+    <dsp:sp modelId="{49636EE6-A761-430B-A083-823E22E765D9}">
       <dsp:nvSpPr>
         <dsp:cNvPr id="0" name=""/>
         <dsp:cNvSpPr/>
       </dsp:nvSpPr>
       <dsp:spPr>
-        <a:xfrm rot="5400000">
-          <a:off x="4884704" y="2371755"/>
-          <a:ext cx="1344972" cy="1170125"/>
+        <a:xfrm>
+          <a:off x="1625691" y="2114669"/>
+          <a:ext cx="542685" cy="542685"/>
         </a:xfrm>
-        <a:prstGeom prst="hexagon">
-          <a:avLst>
-            <a:gd name="adj" fmla="val 25000"/>
-            <a:gd name="vf" fmla="val 115470"/>
-          </a:avLst>
+        <a:prstGeom prst="ellipse">
+          <a:avLst/>
+        </a:prstGeom>
+        <a:solidFill>
+          <a:schemeClr val="accent1">
+            <a:tint val="50000"/>
+            <a:hueOff val="0"/>
+            <a:satOff val="0"/>
+            <a:lumOff val="0"/>
+            <a:alphaOff val="0"/>
+          </a:schemeClr>
+        </a:solidFill>
+        <a:ln>
+          <a:noFill/>
+        </a:ln>
+        <a:effectLst>
+          <a:outerShdw blurRad="57150" dist="19050" dir="5400000" algn="ctr" rotWithShape="0">
+            <a:srgbClr val="000000">
+              <a:alpha val="63000"/>
+            </a:srgbClr>
+          </a:outerShdw>
+        </a:effectLst>
+      </dsp:spPr>
+      <dsp:style>
+        <a:lnRef idx="0">
+          <a:scrgbClr r="0" g="0" b="0"/>
+        </a:lnRef>
+        <a:fillRef idx="1">
+          <a:scrgbClr r="0" g="0" b="0"/>
+        </a:fillRef>
+        <a:effectRef idx="3">
+          <a:scrgbClr r="0" g="0" b="0"/>
+        </a:effectRef>
+        <a:fontRef idx="minor"/>
+      </dsp:style>
+    </dsp:sp>
+    <dsp:sp modelId="{240FC1F2-4CF5-4DDD-B89A-928D4F02B752}">
+      <dsp:nvSpPr>
+        <dsp:cNvPr id="0" name=""/>
+        <dsp:cNvSpPr/>
+      </dsp:nvSpPr>
+      <dsp:spPr>
+        <a:xfrm rot="10800000">
+          <a:off x="1897034" y="2819350"/>
+          <a:ext cx="6992874" cy="542685"/>
+        </a:xfrm>
+        <a:prstGeom prst="homePlate">
+          <a:avLst/>
         </a:prstGeom>
         <a:gradFill rotWithShape="0">
           <a:gsLst>
@@ -4582,7 +4835,7 @@
         </a:fontRef>
       </dsp:style>
       <dsp:txBody>
-        <a:bodyPr spcFirstLastPara="0" vert="horz" wrap="square" lIns="91440" tIns="91440" rIns="91440" bIns="91440" numCol="1" spcCol="1270" anchor="ctr" anchorCtr="0">
+        <a:bodyPr spcFirstLastPara="0" vert="horz" wrap="square" lIns="239309" tIns="91440" rIns="170688" bIns="91440" numCol="1" spcCol="1270" anchor="ctr" anchorCtr="0">
           <a:noAutofit/>
         </a:bodyPr>
         <a:lstStyle/>
@@ -4605,86 +4858,69 @@
           <a:endParaRPr lang="zh-CN" altLang="en-US" sz="2400" kern="1200" dirty="0"/>
         </a:p>
       </dsp:txBody>
-      <dsp:txXfrm rot="-5400000">
-        <a:off x="5154471" y="2493923"/>
-        <a:ext cx="805437" cy="925790"/>
+      <dsp:txXfrm rot="10800000">
+        <a:off x="2032705" y="2819350"/>
+        <a:ext cx="6857203" cy="542685"/>
       </dsp:txXfrm>
     </dsp:sp>
-    <dsp:sp modelId="{67DAD3ED-CEDC-42A0-ADF0-BF56A77B1441}">
+    <dsp:sp modelId="{593F98E4-E252-4026-BB2D-B47555E4D046}">
       <dsp:nvSpPr>
         <dsp:cNvPr id="0" name=""/>
         <dsp:cNvSpPr/>
       </dsp:nvSpPr>
       <dsp:spPr>
         <a:xfrm>
-          <a:off x="6177760" y="2553327"/>
-          <a:ext cx="1500988" cy="806983"/>
+          <a:off x="1625691" y="2819350"/>
+          <a:ext cx="542685" cy="542685"/>
         </a:xfrm>
-        <a:prstGeom prst="rect">
+        <a:prstGeom prst="ellipse">
           <a:avLst/>
         </a:prstGeom>
-        <a:noFill/>
+        <a:solidFill>
+          <a:schemeClr val="accent1">
+            <a:tint val="50000"/>
+            <a:hueOff val="0"/>
+            <a:satOff val="0"/>
+            <a:lumOff val="0"/>
+            <a:alphaOff val="0"/>
+          </a:schemeClr>
+        </a:solidFill>
         <a:ln>
           <a:noFill/>
         </a:ln>
-        <a:effectLst/>
+        <a:effectLst>
+          <a:outerShdw blurRad="57150" dist="19050" dir="5400000" algn="ctr" rotWithShape="0">
+            <a:srgbClr val="000000">
+              <a:alpha val="63000"/>
+            </a:srgbClr>
+          </a:outerShdw>
+        </a:effectLst>
       </dsp:spPr>
       <dsp:style>
         <a:lnRef idx="0">
           <a:scrgbClr r="0" g="0" b="0"/>
         </a:lnRef>
-        <a:fillRef idx="0">
+        <a:fillRef idx="1">
           <a:scrgbClr r="0" g="0" b="0"/>
         </a:fillRef>
-        <a:effectRef idx="0">
+        <a:effectRef idx="3">
           <a:scrgbClr r="0" g="0" b="0"/>
         </a:effectRef>
         <a:fontRef idx="minor"/>
       </dsp:style>
-      <dsp:txBody>
-        <a:bodyPr spcFirstLastPara="0" vert="horz" wrap="square" lIns="91440" tIns="91440" rIns="91440" bIns="91440" numCol="1" spcCol="1270" anchor="ctr" anchorCtr="0">
-          <a:noAutofit/>
-        </a:bodyPr>
-        <a:lstStyle/>
-        <a:p>
-          <a:pPr lvl="0" algn="l" defTabSz="1066800">
-            <a:lnSpc>
-              <a:spcPct val="90000"/>
-            </a:lnSpc>
-            <a:spcBef>
-              <a:spcPct val="0"/>
-            </a:spcBef>
-            <a:spcAft>
-              <a:spcPct val="35000"/>
-            </a:spcAft>
-          </a:pPr>
-          <a:r>
-            <a:rPr lang="zh-CN" altLang="en-US" sz="2400" kern="1200" dirty="0" smtClean="0"/>
-            <a:t>变化和偏差分析</a:t>
-          </a:r>
-          <a:endParaRPr lang="zh-CN" altLang="en-US" sz="2400" kern="1200" dirty="0"/>
-        </a:p>
-      </dsp:txBody>
-      <dsp:txXfrm>
-        <a:off x="6177760" y="2553327"/>
-        <a:ext cx="1500988" cy="806983"/>
-      </dsp:txXfrm>
     </dsp:sp>
-    <dsp:sp modelId="{7C4C320B-0461-4107-8A64-69B6979E7C5A}">
+    <dsp:sp modelId="{12747435-B749-43F0-A248-710F5BB1C285}">
       <dsp:nvSpPr>
         <dsp:cNvPr id="0" name=""/>
         <dsp:cNvSpPr/>
       </dsp:nvSpPr>
       <dsp:spPr>
-        <a:xfrm rot="5400000">
-          <a:off x="3620968" y="2371755"/>
-          <a:ext cx="1344972" cy="1170125"/>
+        <a:xfrm rot="10800000">
+          <a:off x="1897034" y="3524032"/>
+          <a:ext cx="6992874" cy="542685"/>
         </a:xfrm>
-        <a:prstGeom prst="hexagon">
-          <a:avLst>
-            <a:gd name="adj" fmla="val 25000"/>
-            <a:gd name="vf" fmla="val 115470"/>
-          </a:avLst>
+        <a:prstGeom prst="homePlate">
+          <a:avLst/>
         </a:prstGeom>
         <a:gradFill rotWithShape="0">
           <a:gsLst>
@@ -4750,7 +4986,7 @@
         </a:fontRef>
       </dsp:style>
       <dsp:txBody>
-        <a:bodyPr spcFirstLastPara="0" vert="horz" wrap="square" lIns="0" tIns="0" rIns="0" bIns="0" numCol="1" spcCol="1270" anchor="ctr" anchorCtr="0">
+        <a:bodyPr spcFirstLastPara="0" vert="horz" wrap="square" lIns="239309" tIns="91440" rIns="170688" bIns="91440" numCol="1" spcCol="1270" anchor="ctr" anchorCtr="0">
           <a:noAutofit/>
         </a:bodyPr>
         <a:lstStyle/>
@@ -4766,29 +5002,76 @@
               <a:spcPct val="35000"/>
             </a:spcAft>
           </a:pPr>
-          <a:endParaRPr lang="zh-CN" altLang="en-US" sz="2400" kern="1200"/>
+          <a:r>
+            <a:rPr lang="zh-CN" altLang="en-US" sz="2400" kern="1200" dirty="0" smtClean="0"/>
+            <a:t>变化和偏差分析</a:t>
+          </a:r>
+          <a:endParaRPr lang="zh-CN" altLang="en-US" sz="2400" kern="1200" dirty="0"/>
         </a:p>
       </dsp:txBody>
-      <dsp:txXfrm rot="-5400000">
-        <a:off x="3890735" y="2493923"/>
-        <a:ext cx="805437" cy="925790"/>
+      <dsp:txXfrm rot="10800000">
+        <a:off x="2032705" y="3524032"/>
+        <a:ext cx="6857203" cy="542685"/>
       </dsp:txXfrm>
     </dsp:sp>
-    <dsp:sp modelId="{3AA70BCF-717A-49BB-B292-D1951CF4F729}">
+    <dsp:sp modelId="{3C9540C2-74C7-4022-A5A0-7AFC1862C49B}">
       <dsp:nvSpPr>
         <dsp:cNvPr id="0" name=""/>
         <dsp:cNvSpPr/>
       </dsp:nvSpPr>
       <dsp:spPr>
-        <a:xfrm rot="5400000">
-          <a:off x="4250415" y="3513368"/>
-          <a:ext cx="1344972" cy="1170125"/>
+        <a:xfrm>
+          <a:off x="1625691" y="3524032"/>
+          <a:ext cx="542685" cy="542685"/>
         </a:xfrm>
-        <a:prstGeom prst="hexagon">
-          <a:avLst>
-            <a:gd name="adj" fmla="val 25000"/>
-            <a:gd name="vf" fmla="val 115470"/>
-          </a:avLst>
+        <a:prstGeom prst="ellipse">
+          <a:avLst/>
+        </a:prstGeom>
+        <a:solidFill>
+          <a:schemeClr val="accent1">
+            <a:tint val="50000"/>
+            <a:hueOff val="0"/>
+            <a:satOff val="0"/>
+            <a:lumOff val="0"/>
+            <a:alphaOff val="0"/>
+          </a:schemeClr>
+        </a:solidFill>
+        <a:ln>
+          <a:noFill/>
+        </a:ln>
+        <a:effectLst>
+          <a:outerShdw blurRad="57150" dist="19050" dir="5400000" algn="ctr" rotWithShape="0">
+            <a:srgbClr val="000000">
+              <a:alpha val="63000"/>
+            </a:srgbClr>
+          </a:outerShdw>
+        </a:effectLst>
+      </dsp:spPr>
+      <dsp:style>
+        <a:lnRef idx="0">
+          <a:scrgbClr r="0" g="0" b="0"/>
+        </a:lnRef>
+        <a:fillRef idx="1">
+          <a:scrgbClr r="0" g="0" b="0"/>
+        </a:fillRef>
+        <a:effectRef idx="3">
+          <a:scrgbClr r="0" g="0" b="0"/>
+        </a:effectRef>
+        <a:fontRef idx="minor"/>
+      </dsp:style>
+    </dsp:sp>
+    <dsp:sp modelId="{382C0D97-9059-42B2-8840-6EBB6475D4D5}">
+      <dsp:nvSpPr>
+        <dsp:cNvPr id="0" name=""/>
+        <dsp:cNvSpPr/>
+      </dsp:nvSpPr>
+      <dsp:spPr>
+        <a:xfrm rot="10800000">
+          <a:off x="1897034" y="4228713"/>
+          <a:ext cx="6992874" cy="542685"/>
+        </a:xfrm>
+        <a:prstGeom prst="homePlate">
+          <a:avLst/>
         </a:prstGeom>
         <a:gradFill rotWithShape="0">
           <a:gsLst>
@@ -4854,7 +5137,7 @@
         </a:fontRef>
       </dsp:style>
       <dsp:txBody>
-        <a:bodyPr spcFirstLastPara="0" vert="horz" wrap="square" lIns="91440" tIns="91440" rIns="91440" bIns="91440" numCol="1" spcCol="1270" anchor="ctr" anchorCtr="0">
+        <a:bodyPr spcFirstLastPara="0" vert="horz" wrap="square" lIns="239309" tIns="91440" rIns="170688" bIns="91440" numCol="1" spcCol="1270" anchor="ctr" anchorCtr="0">
           <a:noAutofit/>
         </a:bodyPr>
         <a:lstStyle/>
@@ -4881,97 +5164,33 @@
           <a:endParaRPr lang="zh-CN" altLang="en-US" sz="2400" kern="1200" dirty="0"/>
         </a:p>
       </dsp:txBody>
-      <dsp:txXfrm rot="-5400000">
-        <a:off x="4520182" y="3635536"/>
-        <a:ext cx="805437" cy="925790"/>
+      <dsp:txXfrm rot="10800000">
+        <a:off x="2032705" y="4228713"/>
+        <a:ext cx="6857203" cy="542685"/>
       </dsp:txXfrm>
     </dsp:sp>
-    <dsp:sp modelId="{C954D952-511B-4216-B4A4-D56FD9FB64BF}">
+    <dsp:sp modelId="{41E4B9AC-24F1-464A-959E-298D7F3715FF}">
       <dsp:nvSpPr>
         <dsp:cNvPr id="0" name=""/>
         <dsp:cNvSpPr/>
       </dsp:nvSpPr>
       <dsp:spPr>
         <a:xfrm>
-          <a:off x="2836850" y="3694939"/>
-          <a:ext cx="1452569" cy="806983"/>
+          <a:off x="1625691" y="4228713"/>
+          <a:ext cx="542685" cy="542685"/>
         </a:xfrm>
-        <a:prstGeom prst="rect">
+        <a:prstGeom prst="ellipse">
           <a:avLst/>
         </a:prstGeom>
-        <a:noFill/>
-        <a:ln>
-          <a:noFill/>
-        </a:ln>
-        <a:effectLst/>
-      </dsp:spPr>
-      <dsp:style>
-        <a:lnRef idx="0">
-          <a:scrgbClr r="0" g="0" b="0"/>
-        </a:lnRef>
-        <a:fillRef idx="0">
-          <a:scrgbClr r="0" g="0" b="0"/>
-        </a:fillRef>
-        <a:effectRef idx="0">
-          <a:scrgbClr r="0" g="0" b="0"/>
-        </a:effectRef>
-        <a:fontRef idx="minor"/>
-      </dsp:style>
-    </dsp:sp>
-    <dsp:sp modelId="{1BC93804-6AF0-46AF-922E-C8113869B4C6}">
-      <dsp:nvSpPr>
-        <dsp:cNvPr id="0" name=""/>
-        <dsp:cNvSpPr/>
-      </dsp:nvSpPr>
-      <dsp:spPr>
-        <a:xfrm rot="5400000">
-          <a:off x="5514151" y="3513368"/>
-          <a:ext cx="1344972" cy="1170125"/>
-        </a:xfrm>
-        <a:prstGeom prst="hexagon">
-          <a:avLst>
-            <a:gd name="adj" fmla="val 25000"/>
-            <a:gd name="vf" fmla="val 115470"/>
-          </a:avLst>
-        </a:prstGeom>
-        <a:gradFill rotWithShape="0">
-          <a:gsLst>
-            <a:gs pos="0">
-              <a:schemeClr val="accent1">
-                <a:hueOff val="0"/>
-                <a:satOff val="0"/>
-                <a:lumOff val="0"/>
-                <a:alphaOff val="0"/>
-                <a:satMod val="103000"/>
-                <a:lumMod val="102000"/>
-                <a:tint val="94000"/>
-              </a:schemeClr>
-            </a:gs>
-            <a:gs pos="50000">
-              <a:schemeClr val="accent1">
-                <a:hueOff val="0"/>
-                <a:satOff val="0"/>
-                <a:lumOff val="0"/>
-                <a:alphaOff val="0"/>
-                <a:satMod val="110000"/>
-                <a:lumMod val="100000"/>
-                <a:shade val="100000"/>
-              </a:schemeClr>
-            </a:gs>
-            <a:gs pos="100000">
-              <a:schemeClr val="accent1">
-                <a:hueOff val="0"/>
-                <a:satOff val="0"/>
-                <a:lumOff val="0"/>
-                <a:alphaOff val="0"/>
-                <a:lumMod val="99000"/>
-                <a:satMod val="120000"/>
-                <a:shade val="78000"/>
-              </a:schemeClr>
-            </a:gs>
-          </a:gsLst>
-          <a:lin ang="5400000" scaled="0"/>
-        </a:gradFill>
+        <a:solidFill>
+          <a:schemeClr val="accent1">
+            <a:tint val="50000"/>
+            <a:hueOff val="0"/>
+            <a:satOff val="0"/>
+            <a:lumOff val="0"/>
+            <a:alphaOff val="0"/>
+          </a:schemeClr>
+        </a:solidFill>
         <a:ln>
           <a:noFill/>
         </a:ln>
@@ -4987,40 +5206,14 @@
         <a:lnRef idx="0">
           <a:scrgbClr r="0" g="0" b="0"/>
         </a:lnRef>
-        <a:fillRef idx="3">
+        <a:fillRef idx="1">
           <a:scrgbClr r="0" g="0" b="0"/>
         </a:fillRef>
         <a:effectRef idx="3">
           <a:scrgbClr r="0" g="0" b="0"/>
         </a:effectRef>
-        <a:fontRef idx="minor">
-          <a:schemeClr val="lt1"/>
-        </a:fontRef>
+        <a:fontRef idx="minor"/>
       </dsp:style>
-      <dsp:txBody>
-        <a:bodyPr spcFirstLastPara="0" vert="horz" wrap="square" lIns="0" tIns="0" rIns="0" bIns="0" numCol="1" spcCol="1270" anchor="ctr" anchorCtr="0">
-          <a:noAutofit/>
-        </a:bodyPr>
-        <a:lstStyle/>
-        <a:p>
-          <a:pPr lvl="0" algn="ctr" defTabSz="1066800">
-            <a:lnSpc>
-              <a:spcPct val="90000"/>
-            </a:lnSpc>
-            <a:spcBef>
-              <a:spcPct val="0"/>
-            </a:spcBef>
-            <a:spcAft>
-              <a:spcPct val="35000"/>
-            </a:spcAft>
-          </a:pPr>
-          <a:endParaRPr lang="zh-CN" altLang="en-US" sz="2400" kern="1200"/>
-        </a:p>
-      </dsp:txBody>
-      <dsp:txXfrm rot="-5400000">
-        <a:off x="5783918" y="3635536"/>
-        <a:ext cx="805437" cy="925790"/>
-      </dsp:txXfrm>
     </dsp:sp>
   </dsp:spTree>
 </dsp:drawing>
@@ -6392,43 +6585,18 @@
 </file>
 
 <file path=ppt/diagrams/layout2.xml><?xml version="1.0" encoding="utf-8"?>
-<dgm:layoutDef xmlns:dgm="http://schemas.openxmlformats.org/drawingml/2006/diagram" xmlns:a="http://schemas.openxmlformats.org/drawingml/2006/main" uniqueId="urn:microsoft.com/office/officeart/2008/layout/AlternatingHexagons">
+<dgm:layoutDef xmlns:dgm="http://schemas.openxmlformats.org/drawingml/2006/diagram" xmlns:a="http://schemas.openxmlformats.org/drawingml/2006/main" uniqueId="urn:microsoft.com/office/officeart/2005/8/layout/vList3">
   <dgm:title val=""/>
   <dgm:desc val=""/>
   <dgm:catLst>
-    <dgm:cat type="list" pri="1500"/>
+    <dgm:cat type="list" pri="14000"/>
+    <dgm:cat type="convert" pri="3000"/>
+    <dgm:cat type="picture" pri="27000"/>
+    <dgm:cat type="pictureconvert" pri="27000"/>
   </dgm:catLst>
-  <dgm:sampData>
+  <dgm:sampData useDef="1">
     <dgm:dataModel>
-      <dgm:ptLst>
-        <dgm:pt modelId="0" type="doc"/>
-        <dgm:pt modelId="10">
-          <dgm:prSet phldr="1"/>
-        </dgm:pt>
-        <dgm:pt modelId="11">
-          <dgm:prSet phldr="1"/>
-        </dgm:pt>
-        <dgm:pt modelId="20">
-          <dgm:prSet phldr="1"/>
-        </dgm:pt>
-        <dgm:pt modelId="21">
-          <dgm:prSet phldr="1"/>
-        </dgm:pt>
-        <dgm:pt modelId="30">
-          <dgm:prSet phldr="1"/>
-        </dgm:pt>
-        <dgm:pt modelId="31">
-          <dgm:prSet phldr="1"/>
-        </dgm:pt>
-      </dgm:ptLst>
-      <dgm:cxnLst>
-        <dgm:cxn modelId="40" srcId="0" destId="10" srcOrd="0" destOrd="0"/>
-        <dgm:cxn modelId="12" srcId="10" destId="11" srcOrd="0" destOrd="0"/>
-        <dgm:cxn modelId="50" srcId="0" destId="20" srcOrd="1" destOrd="0"/>
-        <dgm:cxn modelId="22" srcId="20" destId="21" srcOrd="0" destOrd="0"/>
-        <dgm:cxn modelId="60" srcId="0" destId="30" srcOrd="1" destOrd="0"/>
-        <dgm:cxn modelId="32" srcId="30" destId="31" srcOrd="0" destOrd="0"/>
-      </dgm:cxnLst>
+      <dgm:ptLst/>
       <dgm:bg/>
       <dgm:whole/>
     </dgm:dataModel>
@@ -6437,16 +6605,12 @@
     <dgm:dataModel>
       <dgm:ptLst>
         <dgm:pt modelId="0" type="doc"/>
-        <dgm:pt modelId="10">
-          <dgm:prSet phldr="1"/>
-        </dgm:pt>
-        <dgm:pt modelId="20">
-          <dgm:prSet phldr="1"/>
-        </dgm:pt>
+        <dgm:pt modelId="1"/>
+        <dgm:pt modelId="2"/>
       </dgm:ptLst>
       <dgm:cxnLst>
-        <dgm:cxn modelId="60" srcId="0" destId="10" srcOrd="0" destOrd="0"/>
-        <dgm:cxn modelId="70" srcId="0" destId="20" srcOrd="1" destOrd="0"/>
+        <dgm:cxn modelId="3" srcId="0" destId="1" srcOrd="0" destOrd="0"/>
+        <dgm:cxn modelId="4" srcId="0" destId="2" srcOrd="1" destOrd="0"/>
       </dgm:cxnLst>
       <dgm:bg/>
       <dgm:whole/>
@@ -6456,189 +6620,109 @@
     <dgm:dataModel>
       <dgm:ptLst>
         <dgm:pt modelId="0" type="doc"/>
-        <dgm:pt modelId="10">
-          <dgm:prSet phldr="1"/>
-        </dgm:pt>
-        <dgm:pt modelId="20">
-          <dgm:prSet phldr="1"/>
-        </dgm:pt>
-        <dgm:pt modelId="30">
-          <dgm:prSet phldr="1"/>
-        </dgm:pt>
-        <dgm:pt modelId="40">
-          <dgm:prSet phldr="1"/>
-        </dgm:pt>
+        <dgm:pt modelId="1"/>
+        <dgm:pt modelId="2"/>
+        <dgm:pt modelId="3"/>
+        <dgm:pt modelId="4"/>
       </dgm:ptLst>
       <dgm:cxnLst>
-        <dgm:cxn modelId="60" srcId="0" destId="10" srcOrd="0" destOrd="0"/>
-        <dgm:cxn modelId="70" srcId="0" destId="20" srcOrd="1" destOrd="0"/>
-        <dgm:cxn modelId="80" srcId="0" destId="30" srcOrd="2" destOrd="0"/>
-        <dgm:cxn modelId="90" srcId="0" destId="40" srcOrd="3" destOrd="0"/>
+        <dgm:cxn modelId="5" srcId="0" destId="1" srcOrd="0" destOrd="0"/>
+        <dgm:cxn modelId="6" srcId="0" destId="2" srcOrd="1" destOrd="0"/>
+        <dgm:cxn modelId="7" srcId="0" destId="3" srcOrd="2" destOrd="0"/>
+        <dgm:cxn modelId="8" srcId="0" destId="4" srcOrd="3" destOrd="0"/>
       </dgm:cxnLst>
       <dgm:bg/>
       <dgm:whole/>
     </dgm:dataModel>
   </dgm:clrData>
-  <dgm:layoutNode name="Name0">
+  <dgm:layoutNode name="linearFlow">
     <dgm:varLst>
-      <dgm:chMax/>
-      <dgm:chPref/>
       <dgm:dir/>
-      <dgm:animLvl val="lvl"/>
+      <dgm:resizeHandles val="exact"/>
     </dgm:varLst>
     <dgm:alg type="lin">
       <dgm:param type="linDir" val="fromT"/>
+      <dgm:param type="vertAlign" val="mid"/>
+      <dgm:param type="horzAlign" val="ctr"/>
     </dgm:alg>
     <dgm:shape xmlns:r="http://schemas.openxmlformats.org/officeDocument/2006/relationships" r:blip="">
       <dgm:adjLst/>
     </dgm:shape>
+    <dgm:presOf/>
     <dgm:constrLst>
-      <dgm:constr type="primFontSz" for="des" forName="Parent1" val="65"/>
-      <dgm:constr type="primFontSz" for="des" forName="Childtext1" refType="primFontSz" refFor="des" refForName="Parent1" op="lte"/>
       <dgm:constr type="w" for="ch" forName="composite" refType="w"/>
       <dgm:constr type="h" for="ch" forName="composite" refType="h"/>
-      <dgm:constr type="h" for="ch" forName="spaceBetweenRectangles" refType="w" refFor="ch" refForName="composite" fact="-0.042"/>
-      <dgm:constr type="sp" refType="h" refFor="ch" refForName="composite" op="equ" fact="0.1"/>
+      <dgm:constr type="h" for="ch" forName="spacing" refType="h" refFor="ch" refForName="composite" fact="0.25"/>
+      <dgm:constr type="h" for="ch" forName="spacing" refType="w" op="lte" fact="0.1"/>
+      <dgm:constr type="primFontSz" for="des" ptType="node" op="equ" val="65"/>
     </dgm:constrLst>
-    <dgm:forEach name="nodesForEach" axis="ch" ptType="node">
+    <dgm:ruleLst/>
+    <dgm:forEach name="Name0" axis="ch" ptType="node">
       <dgm:layoutNode name="composite">
-        <dgm:alg type="composite">
-          <dgm:param type="ar" val="3.6"/>
-        </dgm:alg>
+        <dgm:alg type="composite"/>
         <dgm:shape xmlns:r="http://schemas.openxmlformats.org/officeDocument/2006/relationships" r:blip="">
           <dgm:adjLst/>
         </dgm:shape>
+        <dgm:presOf/>
         <dgm:choose name="Name1">
           <dgm:if name="Name2" func="var" arg="dir" op="equ" val="norm">
-            <dgm:choose name="Name3">
-              <dgm:if name="Name4" axis="self" ptType="node" func="posOdd" op="equ" val="1">
-                <dgm:constrLst>
-                  <dgm:constr type="l" for="ch" forName="Accent1" refType="w" fact="0.18"/>
-                  <dgm:constr type="t" for="ch" forName="Accent1" refType="h" fact="0"/>
-                  <dgm:constr type="h" for="ch" forName="Accent1" refType="h"/>
-                  <dgm:constr type="w" for="ch" forName="Accent1" refType="h" fact="0.87"/>
-                  <dgm:constr type="l" for="ch" forName="Accent1Text" refType="w" fact="0.18"/>
-                  <dgm:constr type="t" for="ch" forName="Accent1Text" refType="h" fact="0"/>
-                  <dgm:constr type="h" for="ch" forName="Accent1Text" refType="h"/>
-                  <dgm:constr type="w" for="ch" forName="Accent1Text" refType="h" fact="0.87"/>
-                  <dgm:constr type="l" for="ch" forName="Parent1" refType="w" fact="0.441"/>
-                  <dgm:constr type="t" for="ch" forName="Parent1" refType="h" fact="0"/>
-                  <dgm:constr type="h" for="ch" forName="Parent1" refType="h"/>
-                  <dgm:constr type="w" for="ch" forName="Parent1" refType="h" fact="0.87"/>
-                  <dgm:constr type="l" for="ch" forName="Childtext1" refType="w" fact="0.69"/>
-                  <dgm:constr type="t" for="ch" forName="Childtext1" refType="h" fact="0.2"/>
-                  <dgm:constr type="w" for="ch" forName="Childtext1" refType="w" fact="0.31"/>
-                  <dgm:constr type="h" for="ch" forName="Childtext1" refType="h" fact="0.6"/>
-                  <dgm:constr type="l" for="ch" forName="BalanceSpacing" refType="w" fact="0"/>
-                  <dgm:constr type="t" for="ch" forName="BalanceSpacing" refType="h" fact="0"/>
-                  <dgm:constr type="w" for="ch" forName="BalanceSpacing" refType="w"/>
-                  <dgm:constr type="h" for="ch" forName="BalanceSpacing" refType="h" fact="0.1"/>
-                  <dgm:constr type="l" for="ch" forName="BalanceSpacing1" refType="w" fact="0.69"/>
-                  <dgm:constr type="t" for="ch" forName="BalanceSpacing1" refType="h" fact="0.2"/>
-                  <dgm:constr type="w" for="ch" forName="BalanceSpacing1" refType="w" fact="0.31"/>
-                  <dgm:constr type="h" for="ch" forName="BalanceSpacing1" refType="h" fact="0.6"/>
-                </dgm:constrLst>
-              </dgm:if>
-              <dgm:else name="Name5">
-                <dgm:constrLst>
-                  <dgm:constr type="l" for="ch" forName="Accent1" refType="w" fact="0.571"/>
-                  <dgm:constr type="t" for="ch" forName="Accent1" refType="h" fact="0"/>
-                  <dgm:constr type="h" for="ch" forName="Accent1" refType="h"/>
-                  <dgm:constr type="w" for="ch" forName="Accent1" refType="h" fact="0.87"/>
-                  <dgm:constr type="l" for="ch" forName="Accent1Text" refType="w" fact="0.571"/>
-                  <dgm:constr type="t" for="ch" forName="Accent1Text" refType="h" fact="0"/>
-                  <dgm:constr type="h" for="ch" forName="Accent1Text" refType="h"/>
-                  <dgm:constr type="w" for="ch" forName="Accent1Text" refType="h" fact="0.87"/>
-                  <dgm:constr type="l" for="ch" forName="Parent1" refType="w" fact="0.31"/>
-                  <dgm:constr type="t" for="ch" forName="Parent1" refType="h" fact="0"/>
-                  <dgm:constr type="h" for="ch" forName="Parent1" refType="h"/>
-                  <dgm:constr type="w" for="ch" forName="Parent1" refType="h" fact="0.87"/>
-                  <dgm:constr type="l" for="ch" forName="Childtext1" refType="w" fact="0"/>
-                  <dgm:constr type="t" for="ch" forName="Childtext1" refType="h" fact="0.2"/>
-                  <dgm:constr type="w" for="ch" forName="Childtext1" refType="w" fact="0.3"/>
-                  <dgm:constr type="h" for="ch" forName="Childtext1" refType="h" fact="0.6"/>
-                  <dgm:constr type="l" for="ch" forName="BalanceSpacing" refType="w" fact="0.82"/>
-                  <dgm:constr type="t" for="ch" forName="BalanceSpacing" refType="h" fact="0"/>
-                  <dgm:constr type="w" for="ch" forName="BalanceSpacing" refType="w" fact="0.18"/>
-                  <dgm:constr type="h" for="ch" forName="BalanceSpacing" refType="h"/>
-                  <dgm:constr type="l" for="ch" forName="BalanceSpacing1" refType="w" fact="0"/>
-                  <dgm:constr type="t" for="ch" forName="BalanceSpacing1" refType="h" fact="0.2"/>
-                  <dgm:constr type="w" for="ch" forName="BalanceSpacing1" refType="w" fact="0.3"/>
-                  <dgm:constr type="h" for="ch" forName="BalanceSpacing1" refType="h" fact="0.6"/>
-                </dgm:constrLst>
-              </dgm:else>
-            </dgm:choose>
+            <dgm:constrLst>
+              <dgm:constr type="w" for="ch" forName="imgShp" refType="w" fact="0.335"/>
+              <dgm:constr type="h" for="ch" forName="imgShp" refType="w" refFor="ch" refForName="imgShp" op="equ"/>
+              <dgm:constr type="h" for="ch" forName="imgShp" refType="h" op="lte"/>
+              <dgm:constr type="ctrY" for="ch" forName="imgShp" refType="h" fact="0.5"/>
+              <dgm:constr type="l" for="ch" forName="imgShp"/>
+              <dgm:constr type="w" for="ch" forName="txShp" refType="w" op="equ" fact="0.665"/>
+              <dgm:constr type="h" for="ch" forName="txShp" refType="h" refFor="ch" refForName="imgShp" op="equ"/>
+              <dgm:constr type="ctrY" for="ch" forName="txShp" refType="h" fact="0.5"/>
+              <dgm:constr type="l" for="ch" forName="txShp" refType="w" refFor="ch" refForName="imgShp" fact="0.5"/>
+              <dgm:constr type="lMarg" for="ch" forName="txShp" refType="w" refFor="ch" refForName="imgShp" fact="1.25"/>
+            </dgm:constrLst>
           </dgm:if>
-          <dgm:else name="Name6">
-            <dgm:choose name="Name7">
-              <dgm:if name="Name8" axis="self" ptType="node" func="posOdd" op="equ" val="1">
-                <dgm:constrLst>
-                  <dgm:constr type="l" for="ch" forName="Accent1" refType="w" fact="0.571"/>
-                  <dgm:constr type="t" for="ch" forName="Accent1" refType="h" fact="0"/>
-                  <dgm:constr type="h" for="ch" forName="Accent1" refType="h"/>
-                  <dgm:constr type="w" for="ch" forName="Accent1" refType="h" fact="0.87"/>
-                  <dgm:constr type="l" for="ch" forName="Accent1Text" refType="w" fact="0.571"/>
-                  <dgm:constr type="t" for="ch" forName="Accent1Text" refType="h" fact="0"/>
-                  <dgm:constr type="h" for="ch" forName="Accent1Text" refType="h"/>
-                  <dgm:constr type="w" for="ch" forName="Accent1Text" refType="h" fact="0.87"/>
-                  <dgm:constr type="l" for="ch" forName="Parent1" refType="w" fact="0.31"/>
-                  <dgm:constr type="t" for="ch" forName="Parent1" refType="h" fact="0"/>
-                  <dgm:constr type="h" for="ch" forName="Parent1" refType="h"/>
-                  <dgm:constr type="w" for="ch" forName="Parent1" refType="h" fact="0.87"/>
-                  <dgm:constr type="l" for="ch" forName="Childtext1" refType="w" fact="0"/>
-                  <dgm:constr type="t" for="ch" forName="Childtext1" refType="h" fact="0.2"/>
-                  <dgm:constr type="w" for="ch" forName="Childtext1" refType="w" fact="0.3"/>
-                  <dgm:constr type="h" for="ch" forName="Childtext1" refType="h" fact="0.6"/>
-                  <dgm:constr type="l" for="ch" forName="BalanceSpacing" refType="w" fact="0.82"/>
-                  <dgm:constr type="t" for="ch" forName="BalanceSpacing" refType="h" fact="0"/>
-                  <dgm:constr type="w" for="ch" forName="BalanceSpacing" refType="w" fact="0.18"/>
-                  <dgm:constr type="h" for="ch" forName="BalanceSpacing" refType="h"/>
-                </dgm:constrLst>
-              </dgm:if>
-              <dgm:else name="Name9">
-                <dgm:constrLst>
-                  <dgm:constr type="l" for="ch" forName="Accent1" refType="w" fact="0.18"/>
-                  <dgm:constr type="t" for="ch" forName="Accent1" refType="h" fact="0"/>
-                  <dgm:constr type="h" for="ch" forName="Accent1" refType="h"/>
-                  <dgm:constr type="w" for="ch" forName="Accent1" refType="h" fact="0.87"/>
-                  <dgm:constr type="l" for="ch" forName="Accent1Text" refType="w" fact="0.18"/>
-                  <dgm:constr type="t" for="ch" forName="Accent1Text" refType="h" fact="0"/>
-                  <dgm:constr type="h" for="ch" forName="Accent1Text" refType="h"/>
-                  <dgm:constr type="w" for="ch" forName="Accent1Text" refType="h" fact="0.87"/>
-                  <dgm:constr type="l" for="ch" forName="Parent1" refType="w" fact="0.441"/>
-                  <dgm:constr type="t" for="ch" forName="Parent1" refType="h" fact="0"/>
-                  <dgm:constr type="h" for="ch" forName="Parent1" refType="h"/>
-                  <dgm:constr type="w" for="ch" forName="Parent1" refType="h" fact="0.87"/>
-                  <dgm:constr type="l" for="ch" forName="Childtext1" refType="w" fact="0.69"/>
-                  <dgm:constr type="t" for="ch" forName="Childtext1" refType="h" fact="0.2"/>
-                  <dgm:constr type="w" for="ch" forName="Childtext1" refType="w" fact="0.31"/>
-                  <dgm:constr type="h" for="ch" forName="Childtext1" refType="h" fact="0.6"/>
-                  <dgm:constr type="l" for="ch" forName="BalanceSpacing" refType="w" fact="0"/>
-                  <dgm:constr type="t" for="ch" forName="BalanceSpacing" refType="h" fact="0"/>
-                  <dgm:constr type="w" for="ch" forName="BalanceSpacing" refType="w" fact="0.18"/>
-                  <dgm:constr type="h" for="ch" forName="BalanceSpacing" refType="h"/>
-                </dgm:constrLst>
-              </dgm:else>
-            </dgm:choose>
+          <dgm:else name="Name3">
+            <dgm:constrLst>
+              <dgm:constr type="w" for="ch" forName="imgShp" refType="w" fact="0.335"/>
+              <dgm:constr type="h" for="ch" forName="imgShp" refType="w" refFor="ch" refForName="imgShp" op="equ"/>
+              <dgm:constr type="h" for="ch" forName="imgShp" refType="h" op="lte"/>
+              <dgm:constr type="ctrY" for="ch" forName="imgShp" refType="h" fact="0.5"/>
+              <dgm:constr type="r" for="ch" forName="imgShp" refType="w"/>
+              <dgm:constr type="w" for="ch" forName="txShp" refType="w" op="equ" fact="0.665"/>
+              <dgm:constr type="h" for="ch" forName="txShp" refType="h" refFor="ch" refForName="imgShp" op="equ"/>
+              <dgm:constr type="ctrY" for="ch" forName="txShp" refType="h" fact="0.5"/>
+              <dgm:constr type="r" for="ch" forName="txShp" refType="ctrX" refFor="ch" refForName="imgShp"/>
+              <dgm:constr type="rMarg" for="ch" forName="txShp" refType="w" refFor="ch" refForName="imgShp" fact="1.25"/>
+            </dgm:constrLst>
           </dgm:else>
         </dgm:choose>
-        <dgm:layoutNode name="Parent1" styleLbl="node1">
+        <dgm:ruleLst/>
+        <dgm:layoutNode name="imgShp" styleLbl="fgImgPlace1">
+          <dgm:alg type="sp"/>
+          <dgm:shape xmlns:r="http://schemas.openxmlformats.org/officeDocument/2006/relationships" type="ellipse" r:blip="" blipPhldr="1">
+            <dgm:adjLst/>
+          </dgm:shape>
+          <dgm:presOf/>
+          <dgm:constrLst/>
+          <dgm:ruleLst/>
+        </dgm:layoutNode>
+        <dgm:layoutNode name="txShp">
           <dgm:varLst>
-            <dgm:chMax val="1"/>
-            <dgm:chPref val="1"/>
             <dgm:bulletEnabled val="1"/>
           </dgm:varLst>
           <dgm:alg type="tx"/>
-          <dgm:shape xmlns:r="http://schemas.openxmlformats.org/officeDocument/2006/relationships" rot="90" type="hexagon" r:blip="">
-            <dgm:adjLst>
-              <dgm:adj idx="1" val="0.25"/>
-              <dgm:adj idx="2" val="1.1547"/>
-            </dgm:adjLst>
-          </dgm:shape>
-          <dgm:presOf axis="self" ptType="node"/>
+          <dgm:choose name="Name4">
+            <dgm:if name="Name5" func="var" arg="dir" op="equ" val="norm">
+              <dgm:shape xmlns:r="http://schemas.openxmlformats.org/officeDocument/2006/relationships" rot="180" type="homePlate" r:blip="" zOrderOff="-1">
+                <dgm:adjLst/>
+              </dgm:shape>
+            </dgm:if>
+            <dgm:else name="Name6">
+              <dgm:shape xmlns:r="http://schemas.openxmlformats.org/officeDocument/2006/relationships" type="homePlate" r:blip="" zOrderOff="-1">
+                <dgm:adjLst/>
+              </dgm:shape>
+            </dgm:else>
+          </dgm:choose>
+          <dgm:presOf axis="desOrSelf" ptType="node"/>
           <dgm:constrLst>
-            <dgm:constr type="lMarg" refType="primFontSz" fact="0.3"/>
-            <dgm:constr type="rMarg" refType="primFontSz" fact="0.3"/>
             <dgm:constr type="tMarg" refType="primFontSz" fact="0.3"/>
             <dgm:constr type="bMarg" refType="primFontSz" fact="0.3"/>
           </dgm:constrLst>
@@ -6646,97 +6730,14 @@
             <dgm:rule type="primFontSz" val="5" fact="NaN" max="NaN"/>
           </dgm:ruleLst>
         </dgm:layoutNode>
-        <dgm:layoutNode name="Childtext1" styleLbl="revTx">
-          <dgm:varLst>
-            <dgm:chMax val="0"/>
-            <dgm:chPref val="0"/>
-            <dgm:bulletEnabled val="1"/>
-          </dgm:varLst>
-          <dgm:choose name="Name10">
-            <dgm:if name="Name11" func="var" arg="dir" op="equ" val="norm">
-              <dgm:choose name="Name12">
-                <dgm:if name="Name13" axis="self" ptType="node" func="posOdd" op="equ" val="1">
-                  <dgm:alg type="tx">
-                    <dgm:param type="parTxLTRAlign" val="l"/>
-                  </dgm:alg>
-                </dgm:if>
-                <dgm:else name="Name14">
-                  <dgm:alg type="tx">
-                    <dgm:param type="parTxLTRAlign" val="r"/>
-                  </dgm:alg>
-                </dgm:else>
-              </dgm:choose>
-            </dgm:if>
-            <dgm:else name="Name15">
-              <dgm:choose name="Name16">
-                <dgm:if name="Name17" axis="self" ptType="node" func="posOdd" op="equ" val="1">
-                  <dgm:alg type="tx">
-                    <dgm:param type="parTxLTRAlign" val="r"/>
-                  </dgm:alg>
-                </dgm:if>
-                <dgm:else name="Name18">
-                  <dgm:alg type="tx">
-                    <dgm:param type="parTxLTRAlign" val="l"/>
-                  </dgm:alg>
-                </dgm:else>
-              </dgm:choose>
-            </dgm:else>
-          </dgm:choose>
-          <dgm:shape xmlns:r="http://schemas.openxmlformats.org/officeDocument/2006/relationships" type="rect" r:blip="">
-            <dgm:adjLst/>
-          </dgm:shape>
-          <dgm:presOf axis="des" ptType="node"/>
-          <dgm:constrLst>
-            <dgm:constr type="lMarg" refType="primFontSz" fact="0.3"/>
-            <dgm:constr type="rMarg" refType="primFontSz" fact="0.3"/>
-            <dgm:constr type="tMarg" refType="primFontSz" fact="0.3"/>
-            <dgm:constr type="bMarg" refType="primFontSz" fact="0.3"/>
-          </dgm:constrLst>
-          <dgm:ruleLst>
-            <dgm:rule type="primFontSz" val="5" fact="NaN" max="NaN"/>
-          </dgm:ruleLst>
-        </dgm:layoutNode>
-        <dgm:layoutNode name="BalanceSpacing">
+      </dgm:layoutNode>
+      <dgm:forEach name="Name7" axis="followSib" ptType="sibTrans" cnt="1">
+        <dgm:layoutNode name="spacing">
           <dgm:alg type="sp"/>
           <dgm:shape xmlns:r="http://schemas.openxmlformats.org/officeDocument/2006/relationships" r:blip="">
             <dgm:adjLst/>
           </dgm:shape>
-        </dgm:layoutNode>
-        <dgm:layoutNode name="BalanceSpacing1">
-          <dgm:alg type="sp"/>
-          <dgm:shape xmlns:r="http://schemas.openxmlformats.org/officeDocument/2006/relationships" r:blip="">
-            <dgm:adjLst/>
-          </dgm:shape>
-        </dgm:layoutNode>
-        <dgm:forEach name="Name19" axis="followSib" ptType="sibTrans" hideLastTrans="0" cnt="1">
-          <dgm:layoutNode name="Accent1Text" styleLbl="node1">
-            <dgm:alg type="tx"/>
-            <dgm:shape xmlns:r="http://schemas.openxmlformats.org/officeDocument/2006/relationships" rot="90" type="hexagon" r:blip="">
-              <dgm:adjLst>
-                <dgm:adj idx="1" val="0.25"/>
-                <dgm:adj idx="2" val="1.1547"/>
-              </dgm:adjLst>
-            </dgm:shape>
-            <dgm:presOf axis="self" ptType="sibTrans"/>
-            <dgm:constrLst>
-              <dgm:constr type="lMarg"/>
-              <dgm:constr type="rMarg"/>
-              <dgm:constr type="tMarg"/>
-              <dgm:constr type="bMarg"/>
-            </dgm:constrLst>
-            <dgm:ruleLst>
-              <dgm:rule type="primFontSz" val="5" fact="NaN" max="NaN"/>
-            </dgm:ruleLst>
-          </dgm:layoutNode>
-        </dgm:forEach>
-      </dgm:layoutNode>
-      <dgm:forEach name="Name20" axis="followSib" ptType="sibTrans" cnt="1">
-        <dgm:layoutNode name="spaceBetweenRectangles">
-          <dgm:alg type="sp"/>
-          <dgm:shape xmlns:r="http://schemas.openxmlformats.org/officeDocument/2006/relationships" r:blip="">
-            <dgm:adjLst/>
-          </dgm:shape>
-          <dgm:presOf/>
+          <dgm:presOf axis="self"/>
           <dgm:constrLst/>
           <dgm:ruleLst/>
         </dgm:layoutNode>
@@ -10167,7 +10168,7 @@
           <a:p>
             <a:fld id="{DFC80658-B08E-4469-B891-674666FD297B}" type="datetimeFigureOut">
               <a:rPr lang="zh-CN" altLang="en-US" smtClean="0"/>
-              <a:t>2016/3/22</a:t>
+              <a:t>2016/3/31</a:t>
             </a:fld>
             <a:endParaRPr lang="zh-CN" altLang="en-US"/>
           </a:p>
@@ -10344,7 +10345,7 @@
           <a:p>
             <a:fld id="{DFC80658-B08E-4469-B891-674666FD297B}" type="datetimeFigureOut">
               <a:rPr lang="zh-CN" altLang="en-US" smtClean="0"/>
-              <a:t>2016/3/22</a:t>
+              <a:t>2016/3/31</a:t>
             </a:fld>
             <a:endParaRPr lang="zh-CN" altLang="en-US"/>
           </a:p>
@@ -10524,7 +10525,7 @@
           <a:p>
             <a:fld id="{DFC80658-B08E-4469-B891-674666FD297B}" type="datetimeFigureOut">
               <a:rPr lang="zh-CN" altLang="en-US" smtClean="0"/>
-              <a:t>2016/3/22</a:t>
+              <a:t>2016/3/31</a:t>
             </a:fld>
             <a:endParaRPr lang="zh-CN" altLang="en-US"/>
           </a:p>
@@ -10704,7 +10705,7 @@
           <a:p>
             <a:fld id="{DFC80658-B08E-4469-B891-674666FD297B}" type="datetimeFigureOut">
               <a:rPr lang="zh-CN" altLang="en-US" smtClean="0"/>
-              <a:t>2016/3/22</a:t>
+              <a:t>2016/3/31</a:t>
             </a:fld>
             <a:endParaRPr lang="zh-CN" altLang="en-US"/>
           </a:p>
@@ -10957,7 +10958,7 @@
           <a:p>
             <a:fld id="{DFC80658-B08E-4469-B891-674666FD297B}" type="datetimeFigureOut">
               <a:rPr lang="zh-CN" altLang="en-US" smtClean="0"/>
-              <a:t>2016/3/22</a:t>
+              <a:t>2016/3/31</a:t>
             </a:fld>
             <a:endParaRPr lang="zh-CN" altLang="en-US"/>
           </a:p>
@@ -11196,7 +11197,7 @@
           <a:p>
             <a:fld id="{DFC80658-B08E-4469-B891-674666FD297B}" type="datetimeFigureOut">
               <a:rPr lang="zh-CN" altLang="en-US" smtClean="0"/>
-              <a:t>2016/3/22</a:t>
+              <a:t>2016/3/31</a:t>
             </a:fld>
             <a:endParaRPr lang="zh-CN" altLang="en-US"/>
           </a:p>
@@ -11570,7 +11571,7 @@
           <a:p>
             <a:fld id="{DFC80658-B08E-4469-B891-674666FD297B}" type="datetimeFigureOut">
               <a:rPr lang="zh-CN" altLang="en-US" smtClean="0"/>
-              <a:t>2016/3/22</a:t>
+              <a:t>2016/3/31</a:t>
             </a:fld>
             <a:endParaRPr lang="zh-CN" altLang="en-US"/>
           </a:p>
@@ -11695,7 +11696,7 @@
           <a:p>
             <a:fld id="{DFC80658-B08E-4469-B891-674666FD297B}" type="datetimeFigureOut">
               <a:rPr lang="zh-CN" altLang="en-US" smtClean="0"/>
-              <a:t>2016/3/22</a:t>
+              <a:t>2016/3/31</a:t>
             </a:fld>
             <a:endParaRPr lang="zh-CN" altLang="en-US"/>
           </a:p>
@@ -11797,7 +11798,7 @@
           <a:p>
             <a:fld id="{DFC80658-B08E-4469-B891-674666FD297B}" type="datetimeFigureOut">
               <a:rPr lang="zh-CN" altLang="en-US" smtClean="0"/>
-              <a:t>2016/3/22</a:t>
+              <a:t>2016/3/31</a:t>
             </a:fld>
             <a:endParaRPr lang="zh-CN" altLang="en-US"/>
           </a:p>
@@ -12074,7 +12075,7 @@
           <a:p>
             <a:fld id="{DFC80658-B08E-4469-B891-674666FD297B}" type="datetimeFigureOut">
               <a:rPr lang="zh-CN" altLang="en-US" smtClean="0"/>
-              <a:t>2016/3/22</a:t>
+              <a:t>2016/3/31</a:t>
             </a:fld>
             <a:endParaRPr lang="zh-CN" altLang="en-US"/>
           </a:p>
@@ -12331,7 +12332,7 @@
           <a:p>
             <a:fld id="{DFC80658-B08E-4469-B891-674666FD297B}" type="datetimeFigureOut">
               <a:rPr lang="zh-CN" altLang="en-US" smtClean="0"/>
-              <a:t>2016/3/22</a:t>
+              <a:t>2016/3/31</a:t>
             </a:fld>
             <a:endParaRPr lang="zh-CN" altLang="en-US"/>
           </a:p>
@@ -12544,7 +12545,7 @@
           <a:p>
             <a:fld id="{DFC80658-B08E-4469-B891-674666FD297B}" type="datetimeFigureOut">
               <a:rPr lang="zh-CN" altLang="en-US" smtClean="0"/>
-              <a:t>2016/3/22</a:t>
+              <a:t>2016/3/31</a:t>
             </a:fld>
             <a:endParaRPr lang="zh-CN" altLang="en-US"/>
           </a:p>
@@ -14632,7 +14633,23 @@
           <a:bodyPr/>
           <a:lstStyle/>
           <a:p>
-            <a:endParaRPr lang="zh-CN" altLang="en-US"/>
+            <a:r>
+              <a:rPr lang="en-US" altLang="zh-CN" dirty="0" err="1"/>
+              <a:t>Apriori</a:t>
+            </a:r>
+            <a:r>
+              <a:rPr lang="zh-CN" altLang="en-US" dirty="0"/>
+              <a:t>算法是一种挖掘关联规则的频繁项集算法，其核心思想是通过候选集生成和情节的向下封闭检测两个阶段来挖掘频繁项集。 </a:t>
+            </a:r>
+            <a:r>
+              <a:rPr lang="en-US" altLang="zh-CN" dirty="0" err="1"/>
+              <a:t>Apriori</a:t>
+            </a:r>
+            <a:r>
+              <a:rPr lang="zh-CN" altLang="en-US" dirty="0"/>
+              <a:t>（先验的，推测的）算法应用广泛，可用于消费市场价格分析，猜测顾客的消费习惯；网络安全领域中的入侵检测技术；可用在用于高校管理中，根据挖掘规则可以有效地辅助学校管理部门有针对性的开展贫困助学工作；也可用在移动通信领域中，指导运营商的业务运营和辅助业务提供商的决策制定。</a:t>
+            </a:r>
+            <a:endParaRPr lang="zh-CN" altLang="en-US" dirty="0"/>
           </a:p>
         </p:txBody>
       </p:sp>
@@ -14681,29 +14698,53 @@
           <a:bodyPr/>
           <a:lstStyle/>
           <a:p>
-            <a:endParaRPr lang="zh-CN" altLang="en-US"/>
+            <a:endParaRPr lang="zh-CN" altLang="en-US" dirty="0"/>
           </a:p>
         </p:txBody>
       </p:sp>
-      <p:sp>
-        <p:nvSpPr>
-          <p:cNvPr id="3" name="内容占位符 2"/>
-          <p:cNvSpPr>
-            <a:spLocks noGrp="1"/>
-          </p:cNvSpPr>
+      <p:pic>
+        <p:nvPicPr>
+          <p:cNvPr id="1026" name="Picture 2" descr="http://img.blog.csdn.net/20130609110737296"/>
+          <p:cNvPicPr>
+            <a:picLocks noGrp="1" noChangeAspect="1" noChangeArrowheads="1"/>
+          </p:cNvPicPr>
           <p:nvPr>
             <p:ph idx="1"/>
           </p:nvPr>
-        </p:nvSpPr>
-        <p:spPr/>
-        <p:txBody>
-          <a:bodyPr/>
-          <a:lstStyle/>
-          <a:p>
-            <a:endParaRPr lang="zh-CN" altLang="en-US"/>
-          </a:p>
-        </p:txBody>
-      </p:sp>
+        </p:nvPicPr>
+        <p:blipFill>
+          <a:blip r:embed="rId2">
+            <a:extLst>
+              <a:ext uri="{28A0092B-C50C-407E-A947-70E740481C1C}">
+                <a14:useLocalDpi xmlns:a14="http://schemas.microsoft.com/office/drawing/2010/main" val="0"/>
+              </a:ext>
+            </a:extLst>
+          </a:blip>
+          <a:srcRect/>
+          <a:stretch>
+            <a:fillRect/>
+          </a:stretch>
+        </p:blipFill>
+        <p:spPr bwMode="auto">
+          <a:xfrm>
+            <a:off x="1571223" y="397946"/>
+            <a:ext cx="7690377" cy="5796479"/>
+          </a:xfrm>
+          <a:prstGeom prst="rect">
+            <a:avLst/>
+          </a:prstGeom>
+          <a:noFill/>
+          <a:extLst>
+            <a:ext uri="{909E8E84-426E-40DD-AFC4-6F175D3DCCD1}">
+              <a14:hiddenFill xmlns:a14="http://schemas.microsoft.com/office/drawing/2010/main">
+                <a:solidFill>
+                  <a:srgbClr val="FFFFFF"/>
+                </a:solidFill>
+              </a14:hiddenFill>
+            </a:ext>
+          </a:extLst>
+        </p:spPr>
+      </p:pic>
     </p:spTree>
     <p:extLst>
       <p:ext uri="{BB962C8B-B14F-4D97-AF65-F5344CB8AC3E}">
@@ -14714,6 +14755,13 @@
   <p:clrMapOvr>
     <a:masterClrMapping/>
   </p:clrMapOvr>
+  <p:timing>
+    <p:tnLst>
+      <p:par>
+        <p:cTn id="1" dur="indefinite" restart="never" nodeType="tmRoot"/>
+      </p:par>
+    </p:tnLst>
+  </p:timing>
 </p:sld>
 </file>
 
@@ -14749,7 +14797,11 @@
           <a:bodyPr/>
           <a:lstStyle/>
           <a:p>
-            <a:endParaRPr lang="zh-CN" altLang="en-US"/>
+            <a:r>
+              <a:rPr lang="zh-CN" altLang="en-US" dirty="0" smtClean="0"/>
+              <a:t>算法思想</a:t>
+            </a:r>
+            <a:endParaRPr lang="zh-CN" altLang="en-US" dirty="0"/>
           </a:p>
         </p:txBody>
       </p:sp>
@@ -14768,7 +14820,99 @@
           <a:bodyPr/>
           <a:lstStyle/>
           <a:p>
-            <a:endParaRPr lang="zh-CN" altLang="en-US"/>
+            <a:r>
+              <a:rPr lang="zh-CN" altLang="en-US" dirty="0"/>
+              <a:t>算法需要对数据集进行多步处理。第一步，简单统计所有含一个元素项目集出现的</a:t>
+            </a:r>
+            <a:r>
+              <a:rPr lang="zh-CN" altLang="en-US" dirty="0">
+                <a:solidFill>
+                  <a:srgbClr val="FF0000"/>
+                </a:solidFill>
+              </a:rPr>
+              <a:t>频数</a:t>
+            </a:r>
+            <a:r>
+              <a:rPr lang="zh-CN" altLang="en-US" dirty="0"/>
+              <a:t>，并找出那些不小于</a:t>
+            </a:r>
+            <a:r>
+              <a:rPr lang="zh-CN" altLang="en-US" dirty="0">
+                <a:solidFill>
+                  <a:srgbClr val="FF0000"/>
+                </a:solidFill>
+              </a:rPr>
+              <a:t>最小支持度</a:t>
+            </a:r>
+            <a:r>
+              <a:rPr lang="zh-CN" altLang="en-US" dirty="0"/>
+              <a:t>的项目集，即一维最大</a:t>
+            </a:r>
+            <a:r>
+              <a:rPr lang="zh-CN" altLang="en-US" dirty="0">
+                <a:solidFill>
+                  <a:srgbClr val="FF0000"/>
+                </a:solidFill>
+              </a:rPr>
+              <a:t>项目集</a:t>
+            </a:r>
+            <a:r>
+              <a:rPr lang="zh-CN" altLang="en-US" dirty="0"/>
+              <a:t>。从第二步开始循环处理直到再没有最大项目集生成。循环过程是：第</a:t>
+            </a:r>
+            <a:r>
+              <a:rPr lang="en-US" altLang="zh-CN" dirty="0"/>
+              <a:t>k</a:t>
+            </a:r>
+            <a:r>
+              <a:rPr lang="zh-CN" altLang="en-US" dirty="0"/>
+              <a:t>步中，根据第</a:t>
+            </a:r>
+            <a:r>
+              <a:rPr lang="en-US" altLang="zh-CN" dirty="0"/>
+              <a:t>k-1</a:t>
+            </a:r>
+            <a:r>
+              <a:rPr lang="zh-CN" altLang="en-US" dirty="0"/>
+              <a:t>步生成的</a:t>
+            </a:r>
+            <a:r>
+              <a:rPr lang="en-US" altLang="zh-CN" dirty="0"/>
+              <a:t>(k-1)</a:t>
+            </a:r>
+            <a:r>
+              <a:rPr lang="zh-CN" altLang="en-US" dirty="0"/>
+              <a:t>维最大项目集产生</a:t>
+            </a:r>
+            <a:r>
+              <a:rPr lang="en-US" altLang="zh-CN" dirty="0">
+                <a:solidFill>
+                  <a:srgbClr val="FF0000"/>
+                </a:solidFill>
+              </a:rPr>
+              <a:t>k</a:t>
+            </a:r>
+            <a:r>
+              <a:rPr lang="zh-CN" altLang="en-US" dirty="0">
+                <a:solidFill>
+                  <a:srgbClr val="FF0000"/>
+                </a:solidFill>
+              </a:rPr>
+              <a:t>维侯选项目集</a:t>
+            </a:r>
+            <a:r>
+              <a:rPr lang="zh-CN" altLang="en-US" dirty="0"/>
+              <a:t>，然后对数据库进行搜索，得到侯选项目集的项集支持度，与最小支持度进行比较，从而找到</a:t>
+            </a:r>
+            <a:r>
+              <a:rPr lang="en-US" altLang="zh-CN" dirty="0"/>
+              <a:t>k</a:t>
+            </a:r>
+            <a:r>
+              <a:rPr lang="zh-CN" altLang="en-US" dirty="0"/>
+              <a:t>维最大项目集。</a:t>
+            </a:r>
+            <a:endParaRPr lang="zh-CN" altLang="en-US" dirty="0"/>
           </a:p>
         </p:txBody>
       </p:sp>
@@ -14782,6 +14926,13 @@
   <p:clrMapOvr>
     <a:masterClrMapping/>
   </p:clrMapOvr>
+  <p:timing>
+    <p:tnLst>
+      <p:par>
+        <p:cTn id="1" dur="indefinite" restart="never" nodeType="tmRoot"/>
+      </p:par>
+    </p:tnLst>
+  </p:timing>
 </p:sld>
 </file>
 
@@ -14817,7 +14968,15 @@
           <a:bodyPr/>
           <a:lstStyle/>
           <a:p>
-            <a:endParaRPr lang="zh-CN" altLang="en-US"/>
+            <a:r>
+              <a:rPr lang="en-US" altLang="zh-CN" dirty="0" err="1"/>
+              <a:t>Apriori</a:t>
+            </a:r>
+            <a:r>
+              <a:rPr lang="zh-CN" altLang="en-US" dirty="0"/>
+              <a:t>算法的缺点</a:t>
+            </a:r>
+            <a:endParaRPr lang="zh-CN" altLang="en-US" dirty="0"/>
           </a:p>
         </p:txBody>
       </p:sp>
@@ -14833,10 +14992,169 @@
         </p:nvSpPr>
         <p:spPr/>
         <p:txBody>
-          <a:bodyPr/>
+          <a:bodyPr>
+            <a:normAutofit fontScale="92500" lnSpcReduction="10000"/>
+          </a:bodyPr>
           <a:lstStyle/>
           <a:p>
-            <a:endParaRPr lang="zh-CN" altLang="en-US"/>
+            <a:pPr marL="0" indent="0">
+              <a:buNone/>
+            </a:pPr>
+            <a:r>
+              <a:rPr lang="zh-CN" altLang="en-US" dirty="0"/>
+              <a:t>从以上的算法执行过程可以看到</a:t>
+            </a:r>
+            <a:r>
+              <a:rPr lang="en-US" altLang="zh-CN" dirty="0" err="1"/>
+              <a:t>Apriori</a:t>
+            </a:r>
+            <a:r>
+              <a:rPr lang="zh-CN" altLang="en-US" dirty="0"/>
+              <a:t>算法的缺点</a:t>
+            </a:r>
+            <a:r>
+              <a:rPr lang="en-US" altLang="zh-CN" dirty="0"/>
+              <a:t>:</a:t>
+            </a:r>
+          </a:p>
+          <a:p>
+            <a:pPr marL="0" indent="0" algn="just">
+              <a:buNone/>
+            </a:pPr>
+            <a:r>
+              <a:rPr lang="zh-CN" altLang="en-US" dirty="0"/>
+              <a:t>第一</a:t>
+            </a:r>
+            <a:r>
+              <a:rPr lang="en-US" altLang="zh-CN" dirty="0"/>
+              <a:t>:</a:t>
+            </a:r>
+            <a:r>
+              <a:rPr lang="zh-CN" altLang="en-US" dirty="0"/>
+              <a:t>在每一步产生侯选项目集时循环产生的组合过多，      </a:t>
+            </a:r>
+            <a:endParaRPr lang="en-US" altLang="zh-CN" dirty="0"/>
+          </a:p>
+          <a:p>
+            <a:pPr marL="0" indent="0" algn="just">
+              <a:buNone/>
+            </a:pPr>
+            <a:r>
+              <a:rPr lang="en-US" altLang="zh-CN" dirty="0"/>
+              <a:t>        </a:t>
+            </a:r>
+            <a:r>
+              <a:rPr lang="zh-CN" altLang="en-US" dirty="0"/>
+              <a:t>没有排除不应该参与组合的元素</a:t>
+            </a:r>
+            <a:r>
+              <a:rPr lang="en-US" altLang="zh-CN" dirty="0"/>
+              <a:t>;</a:t>
+            </a:r>
+          </a:p>
+          <a:p>
+            <a:pPr marL="0" indent="0" algn="just">
+              <a:buNone/>
+            </a:pPr>
+            <a:r>
+              <a:rPr lang="zh-CN" altLang="en-US" dirty="0"/>
+              <a:t>第二</a:t>
+            </a:r>
+            <a:r>
+              <a:rPr lang="en-US" altLang="zh-CN" dirty="0"/>
+              <a:t>:</a:t>
+            </a:r>
+            <a:r>
+              <a:rPr lang="zh-CN" altLang="en-US" dirty="0"/>
+              <a:t>每次计算项集的支持度时，都对数据库</a:t>
+            </a:r>
+            <a:r>
+              <a:rPr lang="en-US" altLang="zh-CN" dirty="0"/>
+              <a:t>D</a:t>
+            </a:r>
+            <a:r>
+              <a:rPr lang="zh-CN" altLang="en-US" dirty="0"/>
+              <a:t>中的全部</a:t>
+            </a:r>
+            <a:endParaRPr lang="en-US" altLang="zh-CN" dirty="0"/>
+          </a:p>
+          <a:p>
+            <a:pPr marL="0" indent="0" algn="just">
+              <a:buNone/>
+            </a:pPr>
+            <a:r>
+              <a:rPr lang="en-US" altLang="zh-CN" dirty="0"/>
+              <a:t>        </a:t>
+            </a:r>
+            <a:r>
+              <a:rPr lang="zh-CN" altLang="en-US" dirty="0"/>
+              <a:t>记录进行了一遍扫描比较，如果是一个大型的数据      </a:t>
+            </a:r>
+            <a:endParaRPr lang="en-US" altLang="zh-CN" dirty="0"/>
+          </a:p>
+          <a:p>
+            <a:pPr marL="0" indent="0" algn="just">
+              <a:buNone/>
+            </a:pPr>
+            <a:r>
+              <a:rPr lang="en-US" altLang="zh-CN" dirty="0"/>
+              <a:t>        </a:t>
+            </a:r>
+            <a:r>
+              <a:rPr lang="zh-CN" altLang="en-US" dirty="0"/>
+              <a:t>库的话，这种扫描比较会大大增加计算机系统的</a:t>
+            </a:r>
+            <a:endParaRPr lang="en-US" altLang="zh-CN" dirty="0"/>
+          </a:p>
+          <a:p>
+            <a:pPr marL="0" indent="0" algn="just">
+              <a:buNone/>
+            </a:pPr>
+            <a:r>
+              <a:rPr lang="en-US" altLang="zh-CN" dirty="0"/>
+              <a:t>        I/O</a:t>
+            </a:r>
+            <a:r>
+              <a:rPr lang="zh-CN" altLang="en-US" dirty="0"/>
+              <a:t>开销。而这种代价是随着数据库的记录的增加</a:t>
+            </a:r>
+            <a:endParaRPr lang="en-US" altLang="zh-CN" dirty="0"/>
+          </a:p>
+          <a:p>
+            <a:pPr marL="0" indent="0" algn="just">
+              <a:buNone/>
+            </a:pPr>
+            <a:r>
+              <a:rPr lang="en-US" altLang="zh-CN" dirty="0"/>
+              <a:t>        </a:t>
+            </a:r>
+            <a:r>
+              <a:rPr lang="zh-CN" altLang="en-US" dirty="0"/>
+              <a:t>呈现出几何级数的增加。</a:t>
+            </a:r>
+            <a:endParaRPr lang="en-US" altLang="zh-CN" dirty="0"/>
+          </a:p>
+          <a:p>
+            <a:pPr marL="0" indent="0">
+              <a:buNone/>
+            </a:pPr>
+            <a:endParaRPr lang="en-US" altLang="zh-CN" dirty="0"/>
+          </a:p>
+          <a:p>
+            <a:pPr marL="0" indent="0">
+              <a:buNone/>
+            </a:pPr>
+            <a:r>
+              <a:rPr lang="en-US" altLang="zh-CN"/>
+              <a:t>      </a:t>
+            </a:r>
+            <a:endParaRPr lang="zh-CN" altLang="en-US" dirty="0"/>
+          </a:p>
+          <a:p>
+            <a:pPr marL="0" indent="0">
+              <a:buNone/>
+            </a:pPr>
+            <a:endParaRPr lang="zh-CN" altLang="en-US" dirty="0"/>
           </a:p>
         </p:txBody>
       </p:sp>
@@ -15218,7 +15536,6 @@
               <a:rPr lang="zh-CN" altLang="en-US" dirty="0"/>
               <a:t>）的信息的过程。</a:t>
             </a:r>
-            <a:endParaRPr lang="zh-CN" altLang="en-US" dirty="0"/>
           </a:p>
         </p:txBody>
       </p:sp>
@@ -15285,7 +15602,7 @@
             <p:ph idx="1"/>
             <p:extLst>
               <p:ext uri="{D42A27DB-BD31-4B8C-83A1-F6EECF244321}">
-                <p14:modId xmlns:p14="http://schemas.microsoft.com/office/powerpoint/2010/main" val="3624685212"/>
+                <p14:modId xmlns:p14="http://schemas.microsoft.com/office/powerpoint/2010/main" val="1801065555"/>
               </p:ext>
             </p:extLst>
           </p:nvPr>
@@ -15381,12 +15698,28 @@
               </a:lnSpc>
             </a:pPr>
             <a:r>
+              <a:rPr lang="zh-CN" altLang="en-US" sz="1800" b="1" dirty="0" smtClean="0">
+                <a:solidFill>
+                  <a:srgbClr val="FF0000"/>
+                </a:solidFill>
+              </a:rPr>
+              <a:t>分类</a:t>
+            </a:r>
+            <a:r>
+              <a:rPr lang="zh-CN" altLang="en-US" sz="1800" b="1" dirty="0">
+                <a:solidFill>
+                  <a:srgbClr val="FF0000"/>
+                </a:solidFill>
+              </a:rPr>
+              <a:t>：</a:t>
+            </a:r>
+            <a:r>
               <a:rPr lang="zh-CN" altLang="en-US" sz="1800" dirty="0" smtClean="0"/>
               <a:t>分类</a:t>
             </a:r>
             <a:r>
               <a:rPr lang="zh-CN" altLang="en-US" sz="1800" dirty="0"/>
-              <a:t>。分类是找出数据库中一组数据对象的共同特点并按照分类模式将其划分为不同的类，其目的是通过分类模型，将数据库中的数据项映射到某个给定的类别。它可以应用到客户的分类、客户的属性和特征分析、客户满意度分析、客户的购买趋势预测等，如一个汽车零售商将客户按照对汽车的喜好划分成不同的类，这样营销人员就可以将新型汽车的广告手册直接邮寄到有这种喜好的客户手中，从而大大增加了商业机会</a:t>
+              <a:t>是找出数据库中一组数据对象的共同特点并按照分类模式将其划分为不同的类，其目的是通过分类模型，将数据库中的数据项映射到某个给定的类别。它可以应用到客户的分类、客户的属性和特征分析、客户满意度分析、客户的购买趋势预测等，如一个汽车零售商将客户按照对汽车的喜好划分成不同的类，这样营销人员就可以将新型汽车的广告手册直接邮寄到有这种喜好的客户手中，从而大大增加了商业机会</a:t>
             </a:r>
             <a:r>
               <a:rPr lang="zh-CN" altLang="en-US" sz="1800" dirty="0" smtClean="0"/>
@@ -15401,12 +15734,28 @@
               </a:lnSpc>
             </a:pPr>
             <a:r>
+              <a:rPr lang="zh-CN" altLang="en-US" sz="1800" b="1" dirty="0" smtClean="0">
+                <a:solidFill>
+                  <a:srgbClr val="FF0000"/>
+                </a:solidFill>
+              </a:rPr>
+              <a:t>回归分析</a:t>
+            </a:r>
+            <a:r>
+              <a:rPr lang="zh-CN" altLang="en-US" sz="1800" b="1" dirty="0">
+                <a:solidFill>
+                  <a:srgbClr val="FF0000"/>
+                </a:solidFill>
+              </a:rPr>
+              <a:t>：</a:t>
+            </a:r>
+            <a:r>
               <a:rPr lang="zh-CN" altLang="en-US" sz="1800" dirty="0" smtClean="0"/>
               <a:t>回归分析</a:t>
             </a:r>
             <a:r>
               <a:rPr lang="zh-CN" altLang="en-US" sz="1800" dirty="0"/>
-              <a:t>。回归分析方法反映的是事务数据库中属性值在时间上的特征，产生一个将数据项映射到一个实值预测变量的函数，发现变量或属性间的依赖关系，其主要研究问题包括数据序列的趋势特征、数据序列的预测以及数据间的相关关系等。它可以应用到市场营销的各个方面，如客户寻求、保持和预防客户流失活动、产品生命周期分析、销售趋势预测及有针对性的促销活动等</a:t>
+              <a:t>方法反映的是事务数据库中属性值在时间上的特征，产生一个将数据项映射到一个实值预测变量的函数，发现变量或属性间的依赖关系，其主要研究问题包括数据序列的趋势特征、数据序列的预测以及数据间的相关关系等。它可以应用到市场营销的各个方面，如客户寻求、保持和预防客户流失活动、产品生命周期分析、销售趋势预测及有针对性的促销活动等</a:t>
             </a:r>
             <a:r>
               <a:rPr lang="zh-CN" altLang="en-US" sz="1800" dirty="0" smtClean="0"/>
@@ -15421,12 +15770,28 @@
               </a:lnSpc>
             </a:pPr>
             <a:r>
+              <a:rPr lang="zh-CN" altLang="en-US" sz="1800" b="1" dirty="0" smtClean="0">
+                <a:solidFill>
+                  <a:srgbClr val="FF0000"/>
+                </a:solidFill>
+              </a:rPr>
+              <a:t>聚类</a:t>
+            </a:r>
+            <a:r>
+              <a:rPr lang="zh-CN" altLang="en-US" sz="1800" b="1" dirty="0">
+                <a:solidFill>
+                  <a:srgbClr val="FF0000"/>
+                </a:solidFill>
+              </a:rPr>
+              <a:t>：</a:t>
+            </a:r>
+            <a:r>
               <a:rPr lang="zh-CN" altLang="en-US" sz="1800" dirty="0" smtClean="0"/>
-              <a:t>聚类</a:t>
+              <a:t>聚类分析</a:t>
             </a:r>
             <a:r>
               <a:rPr lang="zh-CN" altLang="en-US" sz="1800" dirty="0"/>
-              <a:t>。聚类分析是把一组数据按照相似性和差异性分为几个类别，其目的是使得属于同一类别的数据间的相似性尽可能大，不同类别中的数据间的相似性尽可能小。它可以应用到客户群体的分类、客户背景分析、客户购买趋势预测、市场的细分等</a:t>
+              <a:t>是把一组数据按照相似性和差异性分为几个类别，其目的是使得属于同一类别的数据间的相似性尽可能大，不同类别中的数据间的相似性尽可能小。它可以应用到客户群体的分类、客户背景分析、客户购买趋势预测、市场的细分等</a:t>
             </a:r>
             <a:r>
               <a:rPr lang="zh-CN" altLang="en-US" sz="1800" dirty="0" smtClean="0"/>
@@ -15521,12 +15886,28 @@
               </a:lnSpc>
             </a:pPr>
             <a:r>
+              <a:rPr lang="zh-CN" altLang="en-US" sz="1600" b="1" dirty="0" smtClean="0">
+                <a:solidFill>
+                  <a:srgbClr val="FF0000"/>
+                </a:solidFill>
+              </a:rPr>
+              <a:t>关联</a:t>
+            </a:r>
+            <a:r>
+              <a:rPr lang="zh-CN" altLang="en-US" sz="1600" b="1" dirty="0" smtClean="0">
+                <a:solidFill>
+                  <a:srgbClr val="FF0000"/>
+                </a:solidFill>
+              </a:rPr>
+              <a:t>规则：</a:t>
+            </a:r>
+            <a:r>
               <a:rPr lang="zh-CN" altLang="en-US" sz="1600" dirty="0" smtClean="0"/>
               <a:t>关联</a:t>
             </a:r>
             <a:r>
               <a:rPr lang="zh-CN" altLang="en-US" sz="1600" dirty="0"/>
-              <a:t>规则。关联规则是描述数据库中数据项之间所存在的关系的规则，即根据一个事务中某些项的出现可导出另一些项在同一事务中也出现，即隐藏在数据间的关联或相互关系。在客户关系管理中，通过对企业的客户数据库里的大量数据进行挖掘，可以从大量的记录中发现有趣的关联关系，找出影响市场营销效果的关键因素，为产品定位、定价与定制客户群，客户寻求、细分与保持，市场营销与推销，营销风险评估和诈骗预测等决策支持提供参考依据</a:t>
+              <a:t>规则是描述数据库中数据项之间所存在的关系的规则，即根据一个事务中某些项的出现可导出另一些项在同一事务中也出现，即隐藏在数据间的关联或相互关系。在客户关系管理中，通过对企业的客户数据库里的大量数据进行挖掘，可以从大量的记录中发现有趣的关联关系，找出影响市场营销效果的关键因素，为产品定位、定价与定制客户群，客户寻求、细分与保持，市场营销与推销，营销风险评估和诈骗预测等决策支持提供参考依据</a:t>
             </a:r>
             <a:r>
               <a:rPr lang="zh-CN" altLang="en-US" sz="1600" dirty="0" smtClean="0"/>
@@ -15541,12 +15922,28 @@
               </a:lnSpc>
             </a:pPr>
             <a:r>
+              <a:rPr lang="zh-CN" altLang="en-US" sz="1600" b="1" dirty="0" smtClean="0">
+                <a:solidFill>
+                  <a:srgbClr val="FF0000"/>
+                </a:solidFill>
+              </a:rPr>
+              <a:t>特征</a:t>
+            </a:r>
+            <a:r>
+              <a:rPr lang="zh-CN" altLang="en-US" sz="1600" b="1" dirty="0">
+                <a:solidFill>
+                  <a:srgbClr val="FF0000"/>
+                </a:solidFill>
+              </a:rPr>
+              <a:t>：</a:t>
+            </a:r>
+            <a:r>
               <a:rPr lang="zh-CN" altLang="en-US" sz="1600" dirty="0" smtClean="0"/>
               <a:t>特征</a:t>
             </a:r>
             <a:r>
               <a:rPr lang="zh-CN" altLang="en-US" sz="1600" dirty="0"/>
-              <a:t>。特征分析是从数据库中的一组数据中提取出关于这些数据的特征式，这些特征式表达了该数据集的总体特征。如营销人员通过对客户流失因素的特征提取，可以得到导致客户流失的一系列原因和主要特征，利用这些特征可以有效地预防客户的流失</a:t>
+              <a:t>分析是从数据库中的一组数据中提取出关于这些数据的特征式，这些特征式表达了该数据集的总体特征。如营销人员通过对客户流失因素的特征提取，可以得到导致客户流失的一系列原因和主要特征，利用这些特征可以有效地预防客户的流失</a:t>
             </a:r>
             <a:r>
               <a:rPr lang="zh-CN" altLang="en-US" sz="1600" dirty="0" smtClean="0"/>
@@ -15561,12 +15958,36 @@
               </a:lnSpc>
             </a:pPr>
             <a:r>
+              <a:rPr lang="zh-CN" altLang="en-US" sz="1600" b="1" dirty="0" smtClean="0">
+                <a:solidFill>
+                  <a:srgbClr val="FF0000"/>
+                </a:solidFill>
+              </a:rPr>
+              <a:t>变化</a:t>
+            </a:r>
+            <a:r>
+              <a:rPr lang="zh-CN" altLang="en-US" sz="1600" b="1" dirty="0">
+                <a:solidFill>
+                  <a:srgbClr val="FF0000"/>
+                </a:solidFill>
+              </a:rPr>
+              <a:t>和偏差</a:t>
+            </a:r>
+            <a:r>
+              <a:rPr lang="zh-CN" altLang="en-US" sz="1600" b="1" dirty="0" smtClean="0">
+                <a:solidFill>
+                  <a:srgbClr val="FF0000"/>
+                </a:solidFill>
+              </a:rPr>
+              <a:t>分析：</a:t>
+            </a:r>
+            <a:r>
               <a:rPr lang="zh-CN" altLang="en-US" sz="1600" dirty="0" smtClean="0"/>
-              <a:t>变化</a:t>
+              <a:t>偏差</a:t>
             </a:r>
             <a:r>
               <a:rPr lang="zh-CN" altLang="en-US" sz="1600" dirty="0"/>
-              <a:t>和偏差分析。偏差包括很大一类潜在有趣的知识，如分类中的反常实例，模式的例外，观察结果对期望的偏差等，其目的是寻找观察结果与参照量之间有意义的差别。在企业危机管理及其预警中，管理者更感兴趣的是那些意外规则。意外规则的挖掘可以应用到各种异常信息的发现、分析、识别、评价和预警等方面</a:t>
+              <a:t>包括很大一类潜在有趣的知识，如分类中的反常实例，模式的例外，观察结果对期望的偏差等，其目的是寻找观察结果与参照量之间有意义的差别。在企业危机管理及其预警中，管理者更感兴趣的是那些意外规则。意外规则的挖掘可以应用到各种异常信息的发现、分析、识别、评价和预警等方面</a:t>
             </a:r>
             <a:r>
               <a:rPr lang="zh-CN" altLang="en-US" sz="1600" dirty="0" smtClean="0"/>
@@ -15581,12 +16002,32 @@
               </a:lnSpc>
             </a:pPr>
             <a:r>
-              <a:rPr lang="en-US" altLang="zh-CN" sz="1600" dirty="0" smtClean="0"/>
+              <a:rPr lang="en-US" altLang="zh-CN" sz="1600" b="1" dirty="0" smtClean="0">
+                <a:solidFill>
+                  <a:srgbClr val="FF0000"/>
+                </a:solidFill>
+              </a:rPr>
               <a:t>Web</a:t>
             </a:r>
             <a:r>
-              <a:rPr lang="zh-CN" altLang="en-US" sz="1600" dirty="0"/>
-              <a:t>页挖掘。随着</a:t>
+              <a:rPr lang="zh-CN" altLang="en-US" sz="1600" b="1" dirty="0">
+                <a:solidFill>
+                  <a:srgbClr val="FF0000"/>
+                </a:solidFill>
+              </a:rPr>
+              <a:t>页</a:t>
+            </a:r>
+            <a:r>
+              <a:rPr lang="zh-CN" altLang="en-US" sz="1600" b="1" dirty="0" smtClean="0">
+                <a:solidFill>
+                  <a:srgbClr val="FF0000"/>
+                </a:solidFill>
+              </a:rPr>
+              <a:t>挖掘：</a:t>
+            </a:r>
+            <a:r>
+              <a:rPr lang="zh-CN" altLang="en-US" sz="1600" dirty="0" smtClean="0"/>
+              <a:t>随着</a:t>
             </a:r>
             <a:r>
               <a:rPr lang="en-US" altLang="zh-CN" sz="1600" dirty="0"/>
@@ -15864,7 +16305,6 @@
               <a:rPr lang="zh-CN" altLang="en-US" dirty="0"/>
               <a:t>产品放在一起，增进销量。</a:t>
             </a:r>
-            <a:endParaRPr lang="zh-CN" altLang="en-US" dirty="0"/>
           </a:p>
         </p:txBody>
       </p:sp>

--- a/Task/2016-01-27-购物篮关联分析/PPT/超市信息部-关联分析培训.pptx
+++ b/Task/2016-01-27-购物篮关联分析/PPT/超市信息部-关联分析培训.pptx
@@ -122,7 +122,7 @@
   </p:defaultTextStyle>
   <p:extLst>
     <p:ext uri="{EFAFB233-063F-42B5-8137-9DF3F51BA10A}">
-      <p15:sldGuideLst xmlns:p15="http://schemas.microsoft.com/office/powerpoint/2012/main"/>
+      <p15:sldGuideLst xmlns="" xmlns:p15="http://schemas.microsoft.com/office/powerpoint/2012/main"/>
     </p:ext>
   </p:extLst>
 </p:presentation>
@@ -2373,7 +2373,7 @@
 <dgm:dataModel xmlns:dgm="http://schemas.openxmlformats.org/drawingml/2006/diagram" xmlns:a="http://schemas.openxmlformats.org/drawingml/2006/main">
   <dgm:ptLst>
     <dgm:pt modelId="{BC86C83E-58A1-4044-8832-A7FC9C768DEC}" type="doc">
-      <dgm:prSet loTypeId="urn:microsoft.com/office/officeart/2005/8/layout/vList3" loCatId="list" qsTypeId="urn:microsoft.com/office/officeart/2005/8/quickstyle/simple1" qsCatId="simple" csTypeId="urn:microsoft.com/office/officeart/2005/8/colors/accent1_2" csCatId="accent1" phldr="1"/>
+      <dgm:prSet loTypeId="urn:microsoft.com/office/officeart/2005/8/layout/vList3#1" loCatId="list" qsTypeId="urn:microsoft.com/office/officeart/2005/8/quickstyle/simple1" qsCatId="simple" csTypeId="urn:microsoft.com/office/officeart/2005/8/colors/accent1_2" csCatId="accent1" phldr="1"/>
       <dgm:spPr/>
     </dgm:pt>
     <dgm:pt modelId="{91962F0F-C6DB-4A8A-8E03-3B92CF509E52}">
@@ -2385,7 +2385,7 @@
         <a:p>
           <a:r>
             <a:rPr lang="zh-CN" altLang="en-US" dirty="0" smtClean="0"/>
-            <a:t>介绍</a:t>
+            <a:t>数据挖掘介绍</a:t>
           </a:r>
           <a:endParaRPr lang="zh-CN" altLang="en-US" dirty="0"/>
         </a:p>
@@ -2408,7 +2408,7 @@
         <a:p>
           <a:r>
             <a:rPr lang="zh-CN" altLang="en-US" dirty="0" smtClean="0"/>
-            <a:t>原理</a:t>
+            <a:t>关联规则介绍</a:t>
           </a:r>
           <a:endParaRPr lang="zh-CN" altLang="en-US" dirty="0"/>
         </a:p>
@@ -2419,25 +2419,6 @@
       <dgm:spPr/>
     </dgm:pt>
     <dgm:pt modelId="{5AF8D25A-02B6-42EB-918E-E44D3AEE7A76}" type="sibTrans" cxnId="{82C60EDF-F89C-40BF-9186-48575CC7C204}">
-      <dgm:prSet/>
-      <dgm:spPr/>
-    </dgm:pt>
-    <dgm:pt modelId="{8DDD2B1A-F67B-4610-AE3D-249BDDE49B36}">
-      <dgm:prSet phldrT="[文本]" phldr="1"/>
-      <dgm:spPr/>
-      <dgm:t>
-        <a:bodyPr/>
-        <a:lstStyle/>
-        <a:p>
-          <a:endParaRPr lang="zh-CN" altLang="en-US" dirty="0"/>
-        </a:p>
-      </dgm:t>
-    </dgm:pt>
-    <dgm:pt modelId="{60BACBD0-8284-41A6-9886-79BAA47DE9B7}" type="parTrans" cxnId="{F45805F2-4F71-4DF4-8E12-7682DE90B3CA}">
-      <dgm:prSet/>
-      <dgm:spPr/>
-    </dgm:pt>
-    <dgm:pt modelId="{AF1B8B43-AA64-4D69-BA34-7CFC294FAB3E}" type="sibTrans" cxnId="{F45805F2-4F71-4DF4-8E12-7682DE90B3CA}">
       <dgm:prSet/>
       <dgm:spPr/>
     </dgm:pt>
@@ -2455,11 +2436,11 @@
       <dgm:spPr/>
     </dgm:pt>
     <dgm:pt modelId="{C94C5988-CA1C-420A-BC58-8ADE546A08F3}" type="pres">
-      <dgm:prSet presAssocID="{91962F0F-C6DB-4A8A-8E03-3B92CF509E52}" presName="imgShp" presStyleLbl="fgImgPlace1" presStyleIdx="0" presStyleCnt="3"/>
+      <dgm:prSet presAssocID="{91962F0F-C6DB-4A8A-8E03-3B92CF509E52}" presName="imgShp" presStyleLbl="fgImgPlace1" presStyleIdx="0" presStyleCnt="2"/>
       <dgm:spPr/>
     </dgm:pt>
     <dgm:pt modelId="{C6BD6B71-C512-4E60-B6C8-3F6F82FB63D4}" type="pres">
-      <dgm:prSet presAssocID="{91962F0F-C6DB-4A8A-8E03-3B92CF509E52}" presName="txShp" presStyleLbl="node1" presStyleIdx="0" presStyleCnt="3">
+      <dgm:prSet presAssocID="{91962F0F-C6DB-4A8A-8E03-3B92CF509E52}" presName="txShp" presStyleLbl="node1" presStyleIdx="0" presStyleCnt="2">
         <dgm:presLayoutVars>
           <dgm:bulletEnabled val="1"/>
         </dgm:presLayoutVars>
@@ -2482,38 +2463,11 @@
       <dgm:spPr/>
     </dgm:pt>
     <dgm:pt modelId="{DD54E1DB-E6C9-48A7-BABA-C464200988EE}" type="pres">
-      <dgm:prSet presAssocID="{B90ADD0A-2522-43E6-966A-9B817AEA9CF7}" presName="imgShp" presStyleLbl="fgImgPlace1" presStyleIdx="1" presStyleCnt="3"/>
+      <dgm:prSet presAssocID="{B90ADD0A-2522-43E6-966A-9B817AEA9CF7}" presName="imgShp" presStyleLbl="fgImgPlace1" presStyleIdx="1" presStyleCnt="2"/>
       <dgm:spPr/>
     </dgm:pt>
     <dgm:pt modelId="{4ED84873-D1DA-4F93-90BC-EF9EFAF7E0FB}" type="pres">
-      <dgm:prSet presAssocID="{B90ADD0A-2522-43E6-966A-9B817AEA9CF7}" presName="txShp" presStyleLbl="node1" presStyleIdx="1" presStyleCnt="3">
-        <dgm:presLayoutVars>
-          <dgm:bulletEnabled val="1"/>
-        </dgm:presLayoutVars>
-      </dgm:prSet>
-      <dgm:spPr/>
-      <dgm:t>
-        <a:bodyPr/>
-        <a:lstStyle/>
-        <a:p>
-          <a:endParaRPr lang="zh-CN" altLang="en-US"/>
-        </a:p>
-      </dgm:t>
-    </dgm:pt>
-    <dgm:pt modelId="{324625A1-79AB-4C82-B960-27D2EF3FAD0B}" type="pres">
-      <dgm:prSet presAssocID="{5AF8D25A-02B6-42EB-918E-E44D3AEE7A76}" presName="spacing" presStyleCnt="0"/>
-      <dgm:spPr/>
-    </dgm:pt>
-    <dgm:pt modelId="{86017E06-1DD9-4AAC-8F5B-D06C76B4E54E}" type="pres">
-      <dgm:prSet presAssocID="{8DDD2B1A-F67B-4610-AE3D-249BDDE49B36}" presName="composite" presStyleCnt="0"/>
-      <dgm:spPr/>
-    </dgm:pt>
-    <dgm:pt modelId="{A124ED62-4D4D-4BD4-AD0B-1B671977D515}" type="pres">
-      <dgm:prSet presAssocID="{8DDD2B1A-F67B-4610-AE3D-249BDDE49B36}" presName="imgShp" presStyleLbl="fgImgPlace1" presStyleIdx="2" presStyleCnt="3"/>
-      <dgm:spPr/>
-    </dgm:pt>
-    <dgm:pt modelId="{57561170-48F8-4AC7-9E02-21AED382ADC9}" type="pres">
-      <dgm:prSet presAssocID="{8DDD2B1A-F67B-4610-AE3D-249BDDE49B36}" presName="txShp" presStyleLbl="node1" presStyleIdx="2" presStyleCnt="3">
+      <dgm:prSet presAssocID="{B90ADD0A-2522-43E6-966A-9B817AEA9CF7}" presName="txShp" presStyleLbl="node1" presStyleIdx="1" presStyleCnt="2">
         <dgm:presLayoutVars>
           <dgm:bulletEnabled val="1"/>
         </dgm:presLayoutVars>
@@ -2529,30 +2483,24 @@
     </dgm:pt>
   </dgm:ptLst>
   <dgm:cxnLst>
-    <dgm:cxn modelId="{9F2D3958-617A-4E09-B120-B9FAF1F37BBC}" type="presOf" srcId="{91962F0F-C6DB-4A8A-8E03-3B92CF509E52}" destId="{C6BD6B71-C512-4E60-B6C8-3F6F82FB63D4}" srcOrd="0" destOrd="0" presId="urn:microsoft.com/office/officeart/2005/8/layout/vList3"/>
-    <dgm:cxn modelId="{469868D0-4CBF-44D9-806B-F8F99E1D266F}" type="presOf" srcId="{B90ADD0A-2522-43E6-966A-9B817AEA9CF7}" destId="{4ED84873-D1DA-4F93-90BC-EF9EFAF7E0FB}" srcOrd="0" destOrd="0" presId="urn:microsoft.com/office/officeart/2005/8/layout/vList3"/>
-    <dgm:cxn modelId="{F45805F2-4F71-4DF4-8E12-7682DE90B3CA}" srcId="{BC86C83E-58A1-4044-8832-A7FC9C768DEC}" destId="{8DDD2B1A-F67B-4610-AE3D-249BDDE49B36}" srcOrd="2" destOrd="0" parTransId="{60BACBD0-8284-41A6-9886-79BAA47DE9B7}" sibTransId="{AF1B8B43-AA64-4D69-BA34-7CFC294FAB3E}"/>
-    <dgm:cxn modelId="{075A672B-001A-4484-A3AA-3A36DADFDD29}" type="presOf" srcId="{8DDD2B1A-F67B-4610-AE3D-249BDDE49B36}" destId="{57561170-48F8-4AC7-9E02-21AED382ADC9}" srcOrd="0" destOrd="0" presId="urn:microsoft.com/office/officeart/2005/8/layout/vList3"/>
+    <dgm:cxn modelId="{469868D0-4CBF-44D9-806B-F8F99E1D266F}" type="presOf" srcId="{B90ADD0A-2522-43E6-966A-9B817AEA9CF7}" destId="{4ED84873-D1DA-4F93-90BC-EF9EFAF7E0FB}" srcOrd="0" destOrd="0" presId="urn:microsoft.com/office/officeart/2005/8/layout/vList3#1"/>
+    <dgm:cxn modelId="{9F2D3958-617A-4E09-B120-B9FAF1F37BBC}" type="presOf" srcId="{91962F0F-C6DB-4A8A-8E03-3B92CF509E52}" destId="{C6BD6B71-C512-4E60-B6C8-3F6F82FB63D4}" srcOrd="0" destOrd="0" presId="urn:microsoft.com/office/officeart/2005/8/layout/vList3#1"/>
+    <dgm:cxn modelId="{82C60EDF-F89C-40BF-9186-48575CC7C204}" srcId="{BC86C83E-58A1-4044-8832-A7FC9C768DEC}" destId="{B90ADD0A-2522-43E6-966A-9B817AEA9CF7}" srcOrd="1" destOrd="0" parTransId="{BC28B0E6-FC4B-42D8-B0F9-91B3CEA4CEC7}" sibTransId="{5AF8D25A-02B6-42EB-918E-E44D3AEE7A76}"/>
+    <dgm:cxn modelId="{5CE88ED6-B2C0-4C87-8572-5923C5F8119F}" type="presOf" srcId="{BC86C83E-58A1-4044-8832-A7FC9C768DEC}" destId="{7496433C-9036-43B2-A9D9-03923ED5C679}" srcOrd="0" destOrd="0" presId="urn:microsoft.com/office/officeart/2005/8/layout/vList3#1"/>
     <dgm:cxn modelId="{125A159C-CCC3-43BC-9C7E-6E89D297FADB}" srcId="{BC86C83E-58A1-4044-8832-A7FC9C768DEC}" destId="{91962F0F-C6DB-4A8A-8E03-3B92CF509E52}" srcOrd="0" destOrd="0" parTransId="{A444C504-52BD-44CD-85F8-270EE65F1D7D}" sibTransId="{BC0D9F4B-857F-4D2E-AF4E-8C571FC83C01}"/>
-    <dgm:cxn modelId="{82C60EDF-F89C-40BF-9186-48575CC7C204}" srcId="{BC86C83E-58A1-4044-8832-A7FC9C768DEC}" destId="{B90ADD0A-2522-43E6-966A-9B817AEA9CF7}" srcOrd="1" destOrd="0" parTransId="{BC28B0E6-FC4B-42D8-B0F9-91B3CEA4CEC7}" sibTransId="{5AF8D25A-02B6-42EB-918E-E44D3AEE7A76}"/>
-    <dgm:cxn modelId="{5CE88ED6-B2C0-4C87-8572-5923C5F8119F}" type="presOf" srcId="{BC86C83E-58A1-4044-8832-A7FC9C768DEC}" destId="{7496433C-9036-43B2-A9D9-03923ED5C679}" srcOrd="0" destOrd="0" presId="urn:microsoft.com/office/officeart/2005/8/layout/vList3"/>
-    <dgm:cxn modelId="{6D18753E-8B7C-40BB-93E5-D65B4056D176}" type="presParOf" srcId="{7496433C-9036-43B2-A9D9-03923ED5C679}" destId="{CE606539-1552-485A-9E0E-9A12808CF0C8}" srcOrd="0" destOrd="0" presId="urn:microsoft.com/office/officeart/2005/8/layout/vList3"/>
-    <dgm:cxn modelId="{6E5D14C7-64E8-40FC-81DF-3415445588EA}" type="presParOf" srcId="{CE606539-1552-485A-9E0E-9A12808CF0C8}" destId="{C94C5988-CA1C-420A-BC58-8ADE546A08F3}" srcOrd="0" destOrd="0" presId="urn:microsoft.com/office/officeart/2005/8/layout/vList3"/>
-    <dgm:cxn modelId="{B775CE1F-ABB6-4B11-82EE-231F8329B335}" type="presParOf" srcId="{CE606539-1552-485A-9E0E-9A12808CF0C8}" destId="{C6BD6B71-C512-4E60-B6C8-3F6F82FB63D4}" srcOrd="1" destOrd="0" presId="urn:microsoft.com/office/officeart/2005/8/layout/vList3"/>
-    <dgm:cxn modelId="{5B0BF7FE-00A9-4524-8574-DAB5ED71C936}" type="presParOf" srcId="{7496433C-9036-43B2-A9D9-03923ED5C679}" destId="{F7E61737-ACC5-4FA2-81C9-0E79566BE4A4}" srcOrd="1" destOrd="0" presId="urn:microsoft.com/office/officeart/2005/8/layout/vList3"/>
-    <dgm:cxn modelId="{348B2426-C6E2-49B2-AC2D-E651EC269DC2}" type="presParOf" srcId="{7496433C-9036-43B2-A9D9-03923ED5C679}" destId="{BDB1706B-034F-48DC-86E2-F632DC520A71}" srcOrd="2" destOrd="0" presId="urn:microsoft.com/office/officeart/2005/8/layout/vList3"/>
-    <dgm:cxn modelId="{D74FE6F4-1EDB-4A18-BB75-5369B432B2CC}" type="presParOf" srcId="{BDB1706B-034F-48DC-86E2-F632DC520A71}" destId="{DD54E1DB-E6C9-48A7-BABA-C464200988EE}" srcOrd="0" destOrd="0" presId="urn:microsoft.com/office/officeart/2005/8/layout/vList3"/>
-    <dgm:cxn modelId="{1C31968D-C96E-4744-9005-0E4C9457FAB1}" type="presParOf" srcId="{BDB1706B-034F-48DC-86E2-F632DC520A71}" destId="{4ED84873-D1DA-4F93-90BC-EF9EFAF7E0FB}" srcOrd="1" destOrd="0" presId="urn:microsoft.com/office/officeart/2005/8/layout/vList3"/>
-    <dgm:cxn modelId="{902E9871-098F-4058-9EC1-FF0CFA3FB44B}" type="presParOf" srcId="{7496433C-9036-43B2-A9D9-03923ED5C679}" destId="{324625A1-79AB-4C82-B960-27D2EF3FAD0B}" srcOrd="3" destOrd="0" presId="urn:microsoft.com/office/officeart/2005/8/layout/vList3"/>
-    <dgm:cxn modelId="{EC82F938-5037-4760-A5BC-EF70D2A3FB91}" type="presParOf" srcId="{7496433C-9036-43B2-A9D9-03923ED5C679}" destId="{86017E06-1DD9-4AAC-8F5B-D06C76B4E54E}" srcOrd="4" destOrd="0" presId="urn:microsoft.com/office/officeart/2005/8/layout/vList3"/>
-    <dgm:cxn modelId="{8C2535A0-D9E1-467E-8584-3766338D3E56}" type="presParOf" srcId="{86017E06-1DD9-4AAC-8F5B-D06C76B4E54E}" destId="{A124ED62-4D4D-4BD4-AD0B-1B671977D515}" srcOrd="0" destOrd="0" presId="urn:microsoft.com/office/officeart/2005/8/layout/vList3"/>
-    <dgm:cxn modelId="{FBD9A564-CF61-435A-B2C2-01E90CA464C0}" type="presParOf" srcId="{86017E06-1DD9-4AAC-8F5B-D06C76B4E54E}" destId="{57561170-48F8-4AC7-9E02-21AED382ADC9}" srcOrd="1" destOrd="0" presId="urn:microsoft.com/office/officeart/2005/8/layout/vList3"/>
+    <dgm:cxn modelId="{6D18753E-8B7C-40BB-93E5-D65B4056D176}" type="presParOf" srcId="{7496433C-9036-43B2-A9D9-03923ED5C679}" destId="{CE606539-1552-485A-9E0E-9A12808CF0C8}" srcOrd="0" destOrd="0" presId="urn:microsoft.com/office/officeart/2005/8/layout/vList3#1"/>
+    <dgm:cxn modelId="{6E5D14C7-64E8-40FC-81DF-3415445588EA}" type="presParOf" srcId="{CE606539-1552-485A-9E0E-9A12808CF0C8}" destId="{C94C5988-CA1C-420A-BC58-8ADE546A08F3}" srcOrd="0" destOrd="0" presId="urn:microsoft.com/office/officeart/2005/8/layout/vList3#1"/>
+    <dgm:cxn modelId="{B775CE1F-ABB6-4B11-82EE-231F8329B335}" type="presParOf" srcId="{CE606539-1552-485A-9E0E-9A12808CF0C8}" destId="{C6BD6B71-C512-4E60-B6C8-3F6F82FB63D4}" srcOrd="1" destOrd="0" presId="urn:microsoft.com/office/officeart/2005/8/layout/vList3#1"/>
+    <dgm:cxn modelId="{5B0BF7FE-00A9-4524-8574-DAB5ED71C936}" type="presParOf" srcId="{7496433C-9036-43B2-A9D9-03923ED5C679}" destId="{F7E61737-ACC5-4FA2-81C9-0E79566BE4A4}" srcOrd="1" destOrd="0" presId="urn:microsoft.com/office/officeart/2005/8/layout/vList3#1"/>
+    <dgm:cxn modelId="{348B2426-C6E2-49B2-AC2D-E651EC269DC2}" type="presParOf" srcId="{7496433C-9036-43B2-A9D9-03923ED5C679}" destId="{BDB1706B-034F-48DC-86E2-F632DC520A71}" srcOrd="2" destOrd="0" presId="urn:microsoft.com/office/officeart/2005/8/layout/vList3#1"/>
+    <dgm:cxn modelId="{D74FE6F4-1EDB-4A18-BB75-5369B432B2CC}" type="presParOf" srcId="{BDB1706B-034F-48DC-86E2-F632DC520A71}" destId="{DD54E1DB-E6C9-48A7-BABA-C464200988EE}" srcOrd="0" destOrd="0" presId="urn:microsoft.com/office/officeart/2005/8/layout/vList3#1"/>
+    <dgm:cxn modelId="{1C31968D-C96E-4744-9005-0E4C9457FAB1}" type="presParOf" srcId="{BDB1706B-034F-48DC-86E2-F632DC520A71}" destId="{4ED84873-D1DA-4F93-90BC-EF9EFAF7E0FB}" srcOrd="1" destOrd="0" presId="urn:microsoft.com/office/officeart/2005/8/layout/vList3#1"/>
   </dgm:cxnLst>
   <dgm:bg/>
   <dgm:whole/>
   <dgm:extLst>
     <a:ext uri="http://schemas.microsoft.com/office/drawing/2008/diagram">
-      <dsp:dataModelExt xmlns:dsp="http://schemas.microsoft.com/office/drawing/2008/diagram" relId="rId6" minVer="http://schemas.openxmlformats.org/drawingml/2006/diagram"/>
+      <dsp:dataModelExt xmlns:dsp="http://schemas.microsoft.com/office/drawing/2008/diagram" xmlns="" relId="rId6" minVer="http://schemas.openxmlformats.org/drawingml/2006/diagram"/>
     </a:ext>
   </dgm:extLst>
 </dgm:dataModel>
@@ -2562,7 +2510,7 @@
 <dgm:dataModel xmlns:dgm="http://schemas.openxmlformats.org/drawingml/2006/diagram" xmlns:a="http://schemas.openxmlformats.org/drawingml/2006/main">
   <dgm:ptLst>
     <dgm:pt modelId="{7B3F8B0E-DEC9-4C28-90BB-BE591D9A3D99}" type="doc">
-      <dgm:prSet loTypeId="urn:microsoft.com/office/officeart/2005/8/layout/vList3" loCatId="list" qsTypeId="urn:microsoft.com/office/officeart/2005/8/quickstyle/simple5" qsCatId="simple" csTypeId="urn:microsoft.com/office/officeart/2005/8/colors/accent1_2" csCatId="accent1" phldr="1"/>
+      <dgm:prSet loTypeId="urn:microsoft.com/office/officeart/2005/8/layout/vList3#2" loCatId="list" qsTypeId="urn:microsoft.com/office/officeart/2005/8/quickstyle/simple5" qsCatId="simple" csTypeId="urn:microsoft.com/office/officeart/2005/8/colors/accent1_2" csCatId="accent1" phldr="1"/>
       <dgm:spPr/>
       <dgm:t>
         <a:bodyPr/>
@@ -3038,54 +2986,54 @@
     </dgm:pt>
   </dgm:ptLst>
   <dgm:cxnLst>
-    <dgm:cxn modelId="{0B1E7715-7C3B-47A9-99B8-569CA0B85013}" type="presOf" srcId="{42166383-DFA9-43AB-980C-CEE06159C9B6}" destId="{A7083900-4CA5-4147-86B8-76197CFD194B}" srcOrd="0" destOrd="0" presId="urn:microsoft.com/office/officeart/2005/8/layout/vList3"/>
+    <dgm:cxn modelId="{0B1E7715-7C3B-47A9-99B8-569CA0B85013}" type="presOf" srcId="{42166383-DFA9-43AB-980C-CEE06159C9B6}" destId="{A7083900-4CA5-4147-86B8-76197CFD194B}" srcOrd="0" destOrd="0" presId="urn:microsoft.com/office/officeart/2005/8/layout/vList3#2"/>
+    <dgm:cxn modelId="{961D4483-E249-441C-AE4C-CEB964F3E982}" srcId="{7B3F8B0E-DEC9-4C28-90BB-BE591D9A3D99}" destId="{2EE43C16-3DDA-47D3-B696-1488BEB28BD5}" srcOrd="5" destOrd="0" parTransId="{AE8BFE71-E9A5-4A97-AB30-5A1F057F02DF}" sibTransId="{84DE1BCF-1A25-4F8B-99D7-AAF4A4583A46}"/>
+    <dgm:cxn modelId="{515A52CB-CED9-441F-AE04-EF6CD9659A98}" type="presOf" srcId="{A47FBAD4-2501-4CE8-B7CD-6EFF54AC2B30}" destId="{A60FDCC3-954A-4FD3-97A9-F55AB9BBC217}" srcOrd="0" destOrd="0" presId="urn:microsoft.com/office/officeart/2005/8/layout/vList3#2"/>
+    <dgm:cxn modelId="{655A8576-AF9A-4131-A3BA-9C5DC22FD4B0}" srcId="{7B3F8B0E-DEC9-4C28-90BB-BE591D9A3D99}" destId="{6E879D9C-CFCF-4A2F-A09D-C44721718BA3}" srcOrd="2" destOrd="0" parTransId="{AF551550-FE92-4BB9-948C-5533011A0931}" sibTransId="{5F585E74-4518-46E5-BC49-384679FFA63F}"/>
+    <dgm:cxn modelId="{B80FD151-0D0A-4456-A2DF-51B1C2CF5094}" type="presOf" srcId="{7B3F8B0E-DEC9-4C28-90BB-BE591D9A3D99}" destId="{18CEBCC8-CD51-43A7-ABD8-31C1586196D5}" srcOrd="0" destOrd="0" presId="urn:microsoft.com/office/officeart/2005/8/layout/vList3#2"/>
+    <dgm:cxn modelId="{513B96AF-7217-4702-ADA5-3C28F0C9C4D9}" type="presOf" srcId="{6E879D9C-CFCF-4A2F-A09D-C44721718BA3}" destId="{2E5EEBE0-BDD6-4568-9F4B-25481A8A3338}" srcOrd="0" destOrd="0" presId="urn:microsoft.com/office/officeart/2005/8/layout/vList3#2"/>
     <dgm:cxn modelId="{BCFE8EC9-BAEC-4CDD-AE3C-CFB338D8EFDB}" srcId="{7B3F8B0E-DEC9-4C28-90BB-BE591D9A3D99}" destId="{9BBDA8A1-7896-45B0-B57D-B2F8FECB6039}" srcOrd="4" destOrd="0" parTransId="{B6CE309C-1599-4C1A-9CCE-3678DA34AF3B}" sibTransId="{685D0EF2-0363-4E49-9D1C-D4ACBBC2FEE2}"/>
-    <dgm:cxn modelId="{16A4262A-5745-4E5B-9F83-0C6CC97CDC2F}" type="presOf" srcId="{9CD96507-1896-4AEA-8244-78EE8B80EA8C}" destId="{382C0D97-9059-42B2-8840-6EBB6475D4D5}" srcOrd="0" destOrd="0" presId="urn:microsoft.com/office/officeart/2005/8/layout/vList3"/>
-    <dgm:cxn modelId="{515A52CB-CED9-441F-AE04-EF6CD9659A98}" type="presOf" srcId="{A47FBAD4-2501-4CE8-B7CD-6EFF54AC2B30}" destId="{A60FDCC3-954A-4FD3-97A9-F55AB9BBC217}" srcOrd="0" destOrd="0" presId="urn:microsoft.com/office/officeart/2005/8/layout/vList3"/>
+    <dgm:cxn modelId="{3663CA43-FBB6-4D12-A473-6E3F77B3E3C6}" type="presOf" srcId="{2EE43C16-3DDA-47D3-B696-1488BEB28BD5}" destId="{12747435-B749-43F0-A248-710F5BB1C285}" srcOrd="0" destOrd="0" presId="urn:microsoft.com/office/officeart/2005/8/layout/vList3#2"/>
+    <dgm:cxn modelId="{BD1F197B-F0C0-4362-A608-E6A5B7FE6A9B}" srcId="{7B3F8B0E-DEC9-4C28-90BB-BE591D9A3D99}" destId="{7A305C61-19A7-48CA-8C9D-209157175225}" srcOrd="3" destOrd="0" parTransId="{B32A5AC4-31DE-4DBD-95C7-14FF1D86FEBA}" sibTransId="{2902C7F7-3F20-4DE3-926F-61BD06FB840A}"/>
+    <dgm:cxn modelId="{E1673A0D-B687-4824-A7D5-30702FEB0F83}" srcId="{7B3F8B0E-DEC9-4C28-90BB-BE591D9A3D99}" destId="{9CD96507-1896-4AEA-8244-78EE8B80EA8C}" srcOrd="6" destOrd="0" parTransId="{8405D866-B4C7-48A4-A4F2-757AF79B118B}" sibTransId="{A593E061-28F0-4F80-B17B-CD76E97A9655}"/>
+    <dgm:cxn modelId="{76A62F87-4C77-4CCF-B64E-BE557AA92609}" type="presOf" srcId="{9BBDA8A1-7896-45B0-B57D-B2F8FECB6039}" destId="{240FC1F2-4CF5-4DDD-B89A-928D4F02B752}" srcOrd="0" destOrd="0" presId="urn:microsoft.com/office/officeart/2005/8/layout/vList3#2"/>
     <dgm:cxn modelId="{EB6ABB77-662D-44FB-994F-8038762FD015}" srcId="{7B3F8B0E-DEC9-4C28-90BB-BE591D9A3D99}" destId="{42166383-DFA9-43AB-980C-CEE06159C9B6}" srcOrd="0" destOrd="0" parTransId="{5A25247E-A81C-43FE-98E1-CDC2DDDC59EC}" sibTransId="{AC6D6F3F-1595-4797-A1E4-FEC9930BE76C}"/>
-    <dgm:cxn modelId="{B80FD151-0D0A-4456-A2DF-51B1C2CF5094}" type="presOf" srcId="{7B3F8B0E-DEC9-4C28-90BB-BE591D9A3D99}" destId="{18CEBCC8-CD51-43A7-ABD8-31C1586196D5}" srcOrd="0" destOrd="0" presId="urn:microsoft.com/office/officeart/2005/8/layout/vList3"/>
-    <dgm:cxn modelId="{3663CA43-FBB6-4D12-A473-6E3F77B3E3C6}" type="presOf" srcId="{2EE43C16-3DDA-47D3-B696-1488BEB28BD5}" destId="{12747435-B749-43F0-A248-710F5BB1C285}" srcOrd="0" destOrd="0" presId="urn:microsoft.com/office/officeart/2005/8/layout/vList3"/>
-    <dgm:cxn modelId="{C5E43FB9-19D8-464E-A2AA-781146ED4FE2}" type="presOf" srcId="{7A305C61-19A7-48CA-8C9D-209157175225}" destId="{A2E48A93-6BA7-45CF-A673-5DF7DED50C86}" srcOrd="0" destOrd="0" presId="urn:microsoft.com/office/officeart/2005/8/layout/vList3"/>
-    <dgm:cxn modelId="{513B96AF-7217-4702-ADA5-3C28F0C9C4D9}" type="presOf" srcId="{6E879D9C-CFCF-4A2F-A09D-C44721718BA3}" destId="{2E5EEBE0-BDD6-4568-9F4B-25481A8A3338}" srcOrd="0" destOrd="0" presId="urn:microsoft.com/office/officeart/2005/8/layout/vList3"/>
-    <dgm:cxn modelId="{76A62F87-4C77-4CCF-B64E-BE557AA92609}" type="presOf" srcId="{9BBDA8A1-7896-45B0-B57D-B2F8FECB6039}" destId="{240FC1F2-4CF5-4DDD-B89A-928D4F02B752}" srcOrd="0" destOrd="0" presId="urn:microsoft.com/office/officeart/2005/8/layout/vList3"/>
-    <dgm:cxn modelId="{BD1F197B-F0C0-4362-A608-E6A5B7FE6A9B}" srcId="{7B3F8B0E-DEC9-4C28-90BB-BE591D9A3D99}" destId="{7A305C61-19A7-48CA-8C9D-209157175225}" srcOrd="3" destOrd="0" parTransId="{B32A5AC4-31DE-4DBD-95C7-14FF1D86FEBA}" sibTransId="{2902C7F7-3F20-4DE3-926F-61BD06FB840A}"/>
-    <dgm:cxn modelId="{655A8576-AF9A-4131-A3BA-9C5DC22FD4B0}" srcId="{7B3F8B0E-DEC9-4C28-90BB-BE591D9A3D99}" destId="{6E879D9C-CFCF-4A2F-A09D-C44721718BA3}" srcOrd="2" destOrd="0" parTransId="{AF551550-FE92-4BB9-948C-5533011A0931}" sibTransId="{5F585E74-4518-46E5-BC49-384679FFA63F}"/>
-    <dgm:cxn modelId="{E1673A0D-B687-4824-A7D5-30702FEB0F83}" srcId="{7B3F8B0E-DEC9-4C28-90BB-BE591D9A3D99}" destId="{9CD96507-1896-4AEA-8244-78EE8B80EA8C}" srcOrd="6" destOrd="0" parTransId="{8405D866-B4C7-48A4-A4F2-757AF79B118B}" sibTransId="{A593E061-28F0-4F80-B17B-CD76E97A9655}"/>
-    <dgm:cxn modelId="{961D4483-E249-441C-AE4C-CEB964F3E982}" srcId="{7B3F8B0E-DEC9-4C28-90BB-BE591D9A3D99}" destId="{2EE43C16-3DDA-47D3-B696-1488BEB28BD5}" srcOrd="5" destOrd="0" parTransId="{AE8BFE71-E9A5-4A97-AB30-5A1F057F02DF}" sibTransId="{84DE1BCF-1A25-4F8B-99D7-AAF4A4583A46}"/>
+    <dgm:cxn modelId="{C5E43FB9-19D8-464E-A2AA-781146ED4FE2}" type="presOf" srcId="{7A305C61-19A7-48CA-8C9D-209157175225}" destId="{A2E48A93-6BA7-45CF-A673-5DF7DED50C86}" srcOrd="0" destOrd="0" presId="urn:microsoft.com/office/officeart/2005/8/layout/vList3#2"/>
+    <dgm:cxn modelId="{16A4262A-5745-4E5B-9F83-0C6CC97CDC2F}" type="presOf" srcId="{9CD96507-1896-4AEA-8244-78EE8B80EA8C}" destId="{382C0D97-9059-42B2-8840-6EBB6475D4D5}" srcOrd="0" destOrd="0" presId="urn:microsoft.com/office/officeart/2005/8/layout/vList3#2"/>
     <dgm:cxn modelId="{2D99D08C-4037-4AF0-A960-77312FD3B7F3}" srcId="{7B3F8B0E-DEC9-4C28-90BB-BE591D9A3D99}" destId="{A47FBAD4-2501-4CE8-B7CD-6EFF54AC2B30}" srcOrd="1" destOrd="0" parTransId="{B1658BAF-2756-4623-A4B1-985475D30A36}" sibTransId="{ABBBCB39-6729-418C-8DC1-A17ADA4601E3}"/>
-    <dgm:cxn modelId="{99895CC4-0DE0-451C-B87B-15F027D13D05}" type="presParOf" srcId="{18CEBCC8-CD51-43A7-ABD8-31C1586196D5}" destId="{921C094D-D4E7-48A6-845C-7ACE5504F532}" srcOrd="0" destOrd="0" presId="urn:microsoft.com/office/officeart/2005/8/layout/vList3"/>
-    <dgm:cxn modelId="{F8436181-D673-430D-AC75-F6C8B8482DE6}" type="presParOf" srcId="{921C094D-D4E7-48A6-845C-7ACE5504F532}" destId="{E293ADF7-C1B6-4A46-878A-C229193FEDD0}" srcOrd="0" destOrd="0" presId="urn:microsoft.com/office/officeart/2005/8/layout/vList3"/>
-    <dgm:cxn modelId="{0C9E342D-365B-4E13-A52A-A5325FF830F0}" type="presParOf" srcId="{921C094D-D4E7-48A6-845C-7ACE5504F532}" destId="{A7083900-4CA5-4147-86B8-76197CFD194B}" srcOrd="1" destOrd="0" presId="urn:microsoft.com/office/officeart/2005/8/layout/vList3"/>
-    <dgm:cxn modelId="{902CBE91-1CA4-4529-ACB6-F0787E1F4397}" type="presParOf" srcId="{18CEBCC8-CD51-43A7-ABD8-31C1586196D5}" destId="{C248D8E9-1A8A-4D63-8427-EFC8D95CF894}" srcOrd="1" destOrd="0" presId="urn:microsoft.com/office/officeart/2005/8/layout/vList3"/>
-    <dgm:cxn modelId="{AD274A1E-FFB5-4BF6-B53A-37B86A8811B9}" type="presParOf" srcId="{18CEBCC8-CD51-43A7-ABD8-31C1586196D5}" destId="{6CE274AF-12E7-41B0-83E5-208B49121899}" srcOrd="2" destOrd="0" presId="urn:microsoft.com/office/officeart/2005/8/layout/vList3"/>
-    <dgm:cxn modelId="{84D52FF9-A38B-4E97-85D1-082DDFCF7FBD}" type="presParOf" srcId="{6CE274AF-12E7-41B0-83E5-208B49121899}" destId="{69714AC5-0155-4FD8-A64B-E1FAA533D252}" srcOrd="0" destOrd="0" presId="urn:microsoft.com/office/officeart/2005/8/layout/vList3"/>
-    <dgm:cxn modelId="{1F76BCD4-973C-4634-AF39-E7FECABE6012}" type="presParOf" srcId="{6CE274AF-12E7-41B0-83E5-208B49121899}" destId="{A60FDCC3-954A-4FD3-97A9-F55AB9BBC217}" srcOrd="1" destOrd="0" presId="urn:microsoft.com/office/officeart/2005/8/layout/vList3"/>
-    <dgm:cxn modelId="{83F75581-48C1-4970-8543-465D6E82F7FB}" type="presParOf" srcId="{18CEBCC8-CD51-43A7-ABD8-31C1586196D5}" destId="{3FB7B59F-500A-402D-8018-115AACAB89F3}" srcOrd="3" destOrd="0" presId="urn:microsoft.com/office/officeart/2005/8/layout/vList3"/>
-    <dgm:cxn modelId="{CC3398AD-A7EE-4A01-B866-358B57A86EBB}" type="presParOf" srcId="{18CEBCC8-CD51-43A7-ABD8-31C1586196D5}" destId="{7CD38BC9-79B6-411C-9B89-FDA3B6B80C0A}" srcOrd="4" destOrd="0" presId="urn:microsoft.com/office/officeart/2005/8/layout/vList3"/>
-    <dgm:cxn modelId="{DD9E3C54-26A8-4FCB-B223-36C2A91035AA}" type="presParOf" srcId="{7CD38BC9-79B6-411C-9B89-FDA3B6B80C0A}" destId="{D5DE8AF9-1931-49FF-A124-0F2C6C4EAD79}" srcOrd="0" destOrd="0" presId="urn:microsoft.com/office/officeart/2005/8/layout/vList3"/>
-    <dgm:cxn modelId="{3425E3FE-D2CF-421E-8CFF-FFC39D6CE2C8}" type="presParOf" srcId="{7CD38BC9-79B6-411C-9B89-FDA3B6B80C0A}" destId="{2E5EEBE0-BDD6-4568-9F4B-25481A8A3338}" srcOrd="1" destOrd="0" presId="urn:microsoft.com/office/officeart/2005/8/layout/vList3"/>
-    <dgm:cxn modelId="{61A49781-FCC4-4A42-8335-D98D6C31E026}" type="presParOf" srcId="{18CEBCC8-CD51-43A7-ABD8-31C1586196D5}" destId="{CF4B28FC-F563-4796-970E-52A7DC010FBB}" srcOrd="5" destOrd="0" presId="urn:microsoft.com/office/officeart/2005/8/layout/vList3"/>
-    <dgm:cxn modelId="{F2B5F086-17F3-41C0-A374-FDF0B5893CB6}" type="presParOf" srcId="{18CEBCC8-CD51-43A7-ABD8-31C1586196D5}" destId="{82AA308B-58D0-480C-8913-EF4B00880994}" srcOrd="6" destOrd="0" presId="urn:microsoft.com/office/officeart/2005/8/layout/vList3"/>
-    <dgm:cxn modelId="{4B01D405-8D22-4F32-99E7-C411D3A40FB0}" type="presParOf" srcId="{82AA308B-58D0-480C-8913-EF4B00880994}" destId="{49636EE6-A761-430B-A083-823E22E765D9}" srcOrd="0" destOrd="0" presId="urn:microsoft.com/office/officeart/2005/8/layout/vList3"/>
-    <dgm:cxn modelId="{A3C7CA24-BDF7-4E68-B736-0B70E8D89AA5}" type="presParOf" srcId="{82AA308B-58D0-480C-8913-EF4B00880994}" destId="{A2E48A93-6BA7-45CF-A673-5DF7DED50C86}" srcOrd="1" destOrd="0" presId="urn:microsoft.com/office/officeart/2005/8/layout/vList3"/>
-    <dgm:cxn modelId="{39173404-5CC6-4E42-B32D-2AA0480E66FC}" type="presParOf" srcId="{18CEBCC8-CD51-43A7-ABD8-31C1586196D5}" destId="{13E3B62D-CB04-4F79-BDF8-CA4EE07C46DA}" srcOrd="7" destOrd="0" presId="urn:microsoft.com/office/officeart/2005/8/layout/vList3"/>
-    <dgm:cxn modelId="{F5044782-A225-45C0-9934-05EE00839F3A}" type="presParOf" srcId="{18CEBCC8-CD51-43A7-ABD8-31C1586196D5}" destId="{430CB41E-5D40-409C-9F6A-604DA42E5673}" srcOrd="8" destOrd="0" presId="urn:microsoft.com/office/officeart/2005/8/layout/vList3"/>
-    <dgm:cxn modelId="{519E64DA-13FC-4D14-96D3-8E904B0BA254}" type="presParOf" srcId="{430CB41E-5D40-409C-9F6A-604DA42E5673}" destId="{593F98E4-E252-4026-BB2D-B47555E4D046}" srcOrd="0" destOrd="0" presId="urn:microsoft.com/office/officeart/2005/8/layout/vList3"/>
-    <dgm:cxn modelId="{1E06B6ED-F43C-469E-94D3-6E19C8324823}" type="presParOf" srcId="{430CB41E-5D40-409C-9F6A-604DA42E5673}" destId="{240FC1F2-4CF5-4DDD-B89A-928D4F02B752}" srcOrd="1" destOrd="0" presId="urn:microsoft.com/office/officeart/2005/8/layout/vList3"/>
-    <dgm:cxn modelId="{8349F54A-A028-4041-86D8-98EAF47D3C18}" type="presParOf" srcId="{18CEBCC8-CD51-43A7-ABD8-31C1586196D5}" destId="{BCAAAC35-A36A-475F-BD75-D7D3B99707D0}" srcOrd="9" destOrd="0" presId="urn:microsoft.com/office/officeart/2005/8/layout/vList3"/>
-    <dgm:cxn modelId="{DCCDDE64-839B-401F-8842-4CB6190E9716}" type="presParOf" srcId="{18CEBCC8-CD51-43A7-ABD8-31C1586196D5}" destId="{769525F7-9134-4D8B-9578-EF087376F457}" srcOrd="10" destOrd="0" presId="urn:microsoft.com/office/officeart/2005/8/layout/vList3"/>
-    <dgm:cxn modelId="{AD043E6E-82A6-4E0D-8D27-D0FAEE5C886A}" type="presParOf" srcId="{769525F7-9134-4D8B-9578-EF087376F457}" destId="{3C9540C2-74C7-4022-A5A0-7AFC1862C49B}" srcOrd="0" destOrd="0" presId="urn:microsoft.com/office/officeart/2005/8/layout/vList3"/>
-    <dgm:cxn modelId="{6C6E7BA5-E7E0-4286-80F0-594F57FD7F00}" type="presParOf" srcId="{769525F7-9134-4D8B-9578-EF087376F457}" destId="{12747435-B749-43F0-A248-710F5BB1C285}" srcOrd="1" destOrd="0" presId="urn:microsoft.com/office/officeart/2005/8/layout/vList3"/>
-    <dgm:cxn modelId="{5B9A3247-D9A2-4981-BB3C-137A47475774}" type="presParOf" srcId="{18CEBCC8-CD51-43A7-ABD8-31C1586196D5}" destId="{257BFAF3-2D2D-46A0-91A5-A27C2654E3FB}" srcOrd="11" destOrd="0" presId="urn:microsoft.com/office/officeart/2005/8/layout/vList3"/>
-    <dgm:cxn modelId="{78FFBCDE-0527-448A-B520-71831BBDBB20}" type="presParOf" srcId="{18CEBCC8-CD51-43A7-ABD8-31C1586196D5}" destId="{B84EF0FC-22AC-44C9-976B-1865578DF534}" srcOrd="12" destOrd="0" presId="urn:microsoft.com/office/officeart/2005/8/layout/vList3"/>
-    <dgm:cxn modelId="{2C1ECFB0-F86C-492F-BCBC-F7128756AC48}" type="presParOf" srcId="{B84EF0FC-22AC-44C9-976B-1865578DF534}" destId="{41E4B9AC-24F1-464A-959E-298D7F3715FF}" srcOrd="0" destOrd="0" presId="urn:microsoft.com/office/officeart/2005/8/layout/vList3"/>
-    <dgm:cxn modelId="{48A2E32E-BFC4-48EC-9183-DA99509619E4}" type="presParOf" srcId="{B84EF0FC-22AC-44C9-976B-1865578DF534}" destId="{382C0D97-9059-42B2-8840-6EBB6475D4D5}" srcOrd="1" destOrd="0" presId="urn:microsoft.com/office/officeart/2005/8/layout/vList3"/>
+    <dgm:cxn modelId="{99895CC4-0DE0-451C-B87B-15F027D13D05}" type="presParOf" srcId="{18CEBCC8-CD51-43A7-ABD8-31C1586196D5}" destId="{921C094D-D4E7-48A6-845C-7ACE5504F532}" srcOrd="0" destOrd="0" presId="urn:microsoft.com/office/officeart/2005/8/layout/vList3#2"/>
+    <dgm:cxn modelId="{F8436181-D673-430D-AC75-F6C8B8482DE6}" type="presParOf" srcId="{921C094D-D4E7-48A6-845C-7ACE5504F532}" destId="{E293ADF7-C1B6-4A46-878A-C229193FEDD0}" srcOrd="0" destOrd="0" presId="urn:microsoft.com/office/officeart/2005/8/layout/vList3#2"/>
+    <dgm:cxn modelId="{0C9E342D-365B-4E13-A52A-A5325FF830F0}" type="presParOf" srcId="{921C094D-D4E7-48A6-845C-7ACE5504F532}" destId="{A7083900-4CA5-4147-86B8-76197CFD194B}" srcOrd="1" destOrd="0" presId="urn:microsoft.com/office/officeart/2005/8/layout/vList3#2"/>
+    <dgm:cxn modelId="{902CBE91-1CA4-4529-ACB6-F0787E1F4397}" type="presParOf" srcId="{18CEBCC8-CD51-43A7-ABD8-31C1586196D5}" destId="{C248D8E9-1A8A-4D63-8427-EFC8D95CF894}" srcOrd="1" destOrd="0" presId="urn:microsoft.com/office/officeart/2005/8/layout/vList3#2"/>
+    <dgm:cxn modelId="{AD274A1E-FFB5-4BF6-B53A-37B86A8811B9}" type="presParOf" srcId="{18CEBCC8-CD51-43A7-ABD8-31C1586196D5}" destId="{6CE274AF-12E7-41B0-83E5-208B49121899}" srcOrd="2" destOrd="0" presId="urn:microsoft.com/office/officeart/2005/8/layout/vList3#2"/>
+    <dgm:cxn modelId="{84D52FF9-A38B-4E97-85D1-082DDFCF7FBD}" type="presParOf" srcId="{6CE274AF-12E7-41B0-83E5-208B49121899}" destId="{69714AC5-0155-4FD8-A64B-E1FAA533D252}" srcOrd="0" destOrd="0" presId="urn:microsoft.com/office/officeart/2005/8/layout/vList3#2"/>
+    <dgm:cxn modelId="{1F76BCD4-973C-4634-AF39-E7FECABE6012}" type="presParOf" srcId="{6CE274AF-12E7-41B0-83E5-208B49121899}" destId="{A60FDCC3-954A-4FD3-97A9-F55AB9BBC217}" srcOrd="1" destOrd="0" presId="urn:microsoft.com/office/officeart/2005/8/layout/vList3#2"/>
+    <dgm:cxn modelId="{83F75581-48C1-4970-8543-465D6E82F7FB}" type="presParOf" srcId="{18CEBCC8-CD51-43A7-ABD8-31C1586196D5}" destId="{3FB7B59F-500A-402D-8018-115AACAB89F3}" srcOrd="3" destOrd="0" presId="urn:microsoft.com/office/officeart/2005/8/layout/vList3#2"/>
+    <dgm:cxn modelId="{CC3398AD-A7EE-4A01-B866-358B57A86EBB}" type="presParOf" srcId="{18CEBCC8-CD51-43A7-ABD8-31C1586196D5}" destId="{7CD38BC9-79B6-411C-9B89-FDA3B6B80C0A}" srcOrd="4" destOrd="0" presId="urn:microsoft.com/office/officeart/2005/8/layout/vList3#2"/>
+    <dgm:cxn modelId="{DD9E3C54-26A8-4FCB-B223-36C2A91035AA}" type="presParOf" srcId="{7CD38BC9-79B6-411C-9B89-FDA3B6B80C0A}" destId="{D5DE8AF9-1931-49FF-A124-0F2C6C4EAD79}" srcOrd="0" destOrd="0" presId="urn:microsoft.com/office/officeart/2005/8/layout/vList3#2"/>
+    <dgm:cxn modelId="{3425E3FE-D2CF-421E-8CFF-FFC39D6CE2C8}" type="presParOf" srcId="{7CD38BC9-79B6-411C-9B89-FDA3B6B80C0A}" destId="{2E5EEBE0-BDD6-4568-9F4B-25481A8A3338}" srcOrd="1" destOrd="0" presId="urn:microsoft.com/office/officeart/2005/8/layout/vList3#2"/>
+    <dgm:cxn modelId="{61A49781-FCC4-4A42-8335-D98D6C31E026}" type="presParOf" srcId="{18CEBCC8-CD51-43A7-ABD8-31C1586196D5}" destId="{CF4B28FC-F563-4796-970E-52A7DC010FBB}" srcOrd="5" destOrd="0" presId="urn:microsoft.com/office/officeart/2005/8/layout/vList3#2"/>
+    <dgm:cxn modelId="{F2B5F086-17F3-41C0-A374-FDF0B5893CB6}" type="presParOf" srcId="{18CEBCC8-CD51-43A7-ABD8-31C1586196D5}" destId="{82AA308B-58D0-480C-8913-EF4B00880994}" srcOrd="6" destOrd="0" presId="urn:microsoft.com/office/officeart/2005/8/layout/vList3#2"/>
+    <dgm:cxn modelId="{4B01D405-8D22-4F32-99E7-C411D3A40FB0}" type="presParOf" srcId="{82AA308B-58D0-480C-8913-EF4B00880994}" destId="{49636EE6-A761-430B-A083-823E22E765D9}" srcOrd="0" destOrd="0" presId="urn:microsoft.com/office/officeart/2005/8/layout/vList3#2"/>
+    <dgm:cxn modelId="{A3C7CA24-BDF7-4E68-B736-0B70E8D89AA5}" type="presParOf" srcId="{82AA308B-58D0-480C-8913-EF4B00880994}" destId="{A2E48A93-6BA7-45CF-A673-5DF7DED50C86}" srcOrd="1" destOrd="0" presId="urn:microsoft.com/office/officeart/2005/8/layout/vList3#2"/>
+    <dgm:cxn modelId="{39173404-5CC6-4E42-B32D-2AA0480E66FC}" type="presParOf" srcId="{18CEBCC8-CD51-43A7-ABD8-31C1586196D5}" destId="{13E3B62D-CB04-4F79-BDF8-CA4EE07C46DA}" srcOrd="7" destOrd="0" presId="urn:microsoft.com/office/officeart/2005/8/layout/vList3#2"/>
+    <dgm:cxn modelId="{F5044782-A225-45C0-9934-05EE00839F3A}" type="presParOf" srcId="{18CEBCC8-CD51-43A7-ABD8-31C1586196D5}" destId="{430CB41E-5D40-409C-9F6A-604DA42E5673}" srcOrd="8" destOrd="0" presId="urn:microsoft.com/office/officeart/2005/8/layout/vList3#2"/>
+    <dgm:cxn modelId="{519E64DA-13FC-4D14-96D3-8E904B0BA254}" type="presParOf" srcId="{430CB41E-5D40-409C-9F6A-604DA42E5673}" destId="{593F98E4-E252-4026-BB2D-B47555E4D046}" srcOrd="0" destOrd="0" presId="urn:microsoft.com/office/officeart/2005/8/layout/vList3#2"/>
+    <dgm:cxn modelId="{1E06B6ED-F43C-469E-94D3-6E19C8324823}" type="presParOf" srcId="{430CB41E-5D40-409C-9F6A-604DA42E5673}" destId="{240FC1F2-4CF5-4DDD-B89A-928D4F02B752}" srcOrd="1" destOrd="0" presId="urn:microsoft.com/office/officeart/2005/8/layout/vList3#2"/>
+    <dgm:cxn modelId="{8349F54A-A028-4041-86D8-98EAF47D3C18}" type="presParOf" srcId="{18CEBCC8-CD51-43A7-ABD8-31C1586196D5}" destId="{BCAAAC35-A36A-475F-BD75-D7D3B99707D0}" srcOrd="9" destOrd="0" presId="urn:microsoft.com/office/officeart/2005/8/layout/vList3#2"/>
+    <dgm:cxn modelId="{DCCDDE64-839B-401F-8842-4CB6190E9716}" type="presParOf" srcId="{18CEBCC8-CD51-43A7-ABD8-31C1586196D5}" destId="{769525F7-9134-4D8B-9578-EF087376F457}" srcOrd="10" destOrd="0" presId="urn:microsoft.com/office/officeart/2005/8/layout/vList3#2"/>
+    <dgm:cxn modelId="{AD043E6E-82A6-4E0D-8D27-D0FAEE5C886A}" type="presParOf" srcId="{769525F7-9134-4D8B-9578-EF087376F457}" destId="{3C9540C2-74C7-4022-A5A0-7AFC1862C49B}" srcOrd="0" destOrd="0" presId="urn:microsoft.com/office/officeart/2005/8/layout/vList3#2"/>
+    <dgm:cxn modelId="{6C6E7BA5-E7E0-4286-80F0-594F57FD7F00}" type="presParOf" srcId="{769525F7-9134-4D8B-9578-EF087376F457}" destId="{12747435-B749-43F0-A248-710F5BB1C285}" srcOrd="1" destOrd="0" presId="urn:microsoft.com/office/officeart/2005/8/layout/vList3#2"/>
+    <dgm:cxn modelId="{5B9A3247-D9A2-4981-BB3C-137A47475774}" type="presParOf" srcId="{18CEBCC8-CD51-43A7-ABD8-31C1586196D5}" destId="{257BFAF3-2D2D-46A0-91A5-A27C2654E3FB}" srcOrd="11" destOrd="0" presId="urn:microsoft.com/office/officeart/2005/8/layout/vList3#2"/>
+    <dgm:cxn modelId="{78FFBCDE-0527-448A-B520-71831BBDBB20}" type="presParOf" srcId="{18CEBCC8-CD51-43A7-ABD8-31C1586196D5}" destId="{B84EF0FC-22AC-44C9-976B-1865578DF534}" srcOrd="12" destOrd="0" presId="urn:microsoft.com/office/officeart/2005/8/layout/vList3#2"/>
+    <dgm:cxn modelId="{2C1ECFB0-F86C-492F-BCBC-F7128756AC48}" type="presParOf" srcId="{B84EF0FC-22AC-44C9-976B-1865578DF534}" destId="{41E4B9AC-24F1-464A-959E-298D7F3715FF}" srcOrd="0" destOrd="0" presId="urn:microsoft.com/office/officeart/2005/8/layout/vList3#2"/>
+    <dgm:cxn modelId="{48A2E32E-BFC4-48EC-9183-DA99509619E4}" type="presParOf" srcId="{B84EF0FC-22AC-44C9-976B-1865578DF534}" destId="{382C0D97-9059-42B2-8840-6EBB6475D4D5}" srcOrd="1" destOrd="0" presId="urn:microsoft.com/office/officeart/2005/8/layout/vList3#2"/>
   </dgm:cxnLst>
   <dgm:bg/>
   <dgm:whole/>
   <dgm:extLst>
     <a:ext uri="http://schemas.microsoft.com/office/drawing/2008/diagram">
-      <dsp:dataModelExt xmlns:dsp="http://schemas.microsoft.com/office/drawing/2008/diagram" relId="rId6" minVer="http://schemas.openxmlformats.org/drawingml/2006/diagram"/>
+      <dsp:dataModelExt xmlns:dsp="http://schemas.microsoft.com/office/drawing/2008/diagram" xmlns="" relId="rId6" minVer="http://schemas.openxmlformats.org/drawingml/2006/diagram"/>
     </a:ext>
   </dgm:extLst>
 </dgm:dataModel>
@@ -3693,37 +3641,37 @@
     </dgm:pt>
   </dgm:ptLst>
   <dgm:cxnLst>
+    <dgm:cxn modelId="{B9FCB7A2-F734-405A-8D1E-F7EAC0F26ADA}" type="presOf" srcId="{6F212F7B-666B-4E59-A463-816241051DAF}" destId="{8367E489-A08A-45F9-95CD-FBED81273717}" srcOrd="0" destOrd="0" presId="urn:microsoft.com/office/officeart/2005/8/layout/bProcess3"/>
+    <dgm:cxn modelId="{D73CFE5D-4762-4E50-9CFB-7422B7F1D6AE}" srcId="{873ED7BB-A894-4706-BAAC-0FAA777A56DE}" destId="{661FA550-8DFE-4212-B342-FD52E646875D}" srcOrd="6" destOrd="0" parTransId="{117426E5-C17A-4EAC-B1E9-749333DD4042}" sibTransId="{7972EFEF-5085-484D-9FCB-F67C6454C032}"/>
+    <dgm:cxn modelId="{710A922A-3E4C-4CC1-A550-A0F341DD8C4F}" srcId="{873ED7BB-A894-4706-BAAC-0FAA777A56DE}" destId="{6F212F7B-666B-4E59-A463-816241051DAF}" srcOrd="0" destOrd="0" parTransId="{89925078-4F26-4704-A097-244C20DEC220}" sibTransId="{6877023A-3DFE-4892-9247-57DCEF329818}"/>
+    <dgm:cxn modelId="{60F911BD-C3DC-42C4-B42E-1CCDB848D2CF}" type="presOf" srcId="{DD92D346-BFB5-4C3D-832C-6EAA48244959}" destId="{284C1D4D-C19E-464E-89EF-AD5854BDFBD9}" srcOrd="0" destOrd="0" presId="urn:microsoft.com/office/officeart/2005/8/layout/bProcess3"/>
+    <dgm:cxn modelId="{39AB6268-6EE8-455D-856E-6B1A8A5E8ADD}" type="presOf" srcId="{661FA550-8DFE-4212-B342-FD52E646875D}" destId="{3B7E9114-5AF4-4DA6-9CA4-AF34B085DF20}" srcOrd="0" destOrd="0" presId="urn:microsoft.com/office/officeart/2005/8/layout/bProcess3"/>
+    <dgm:cxn modelId="{BFC87ADA-9B47-42DD-905E-F41068C5D246}" type="presOf" srcId="{687177AA-03EA-41CE-8751-BEA6250416E7}" destId="{08A0390F-DBFD-44B6-AAF9-F0A154E45178}" srcOrd="1" destOrd="0" presId="urn:microsoft.com/office/officeart/2005/8/layout/bProcess3"/>
+    <dgm:cxn modelId="{E40908FF-6343-44DE-AF19-BD7ECBE0DA17}" srcId="{873ED7BB-A894-4706-BAAC-0FAA777A56DE}" destId="{026F3D0F-350C-4340-A4BF-D4E7EE8E8EB4}" srcOrd="1" destOrd="0" parTransId="{92537BF4-BCDD-44E6-9AB2-5CD29974AF3D}" sibTransId="{687177AA-03EA-41CE-8751-BEA6250416E7}"/>
+    <dgm:cxn modelId="{46A1E5DA-3F25-490C-8A28-C1A360A276F1}" type="presOf" srcId="{C268F855-0C19-49AF-A02E-A6A3F863343A}" destId="{BB95B41A-9993-4D10-AFA5-282F9FBE30FE}" srcOrd="0" destOrd="0" presId="urn:microsoft.com/office/officeart/2005/8/layout/bProcess3"/>
+    <dgm:cxn modelId="{C80EFD03-A8BE-44EE-8655-F29AE6FB1151}" type="presOf" srcId="{011542E9-0DF3-4DC2-A6E6-CC64E253DC63}" destId="{A49BEC73-0260-4D2F-9BF3-A3807F3055F2}" srcOrd="1" destOrd="0" presId="urn:microsoft.com/office/officeart/2005/8/layout/bProcess3"/>
+    <dgm:cxn modelId="{08002790-9347-4948-AC05-13D135F5BC19}" type="presOf" srcId="{7972EFEF-5085-484D-9FCB-F67C6454C032}" destId="{EAA866B9-5DAC-49A1-9C47-7B35A615A913}" srcOrd="0" destOrd="0" presId="urn:microsoft.com/office/officeart/2005/8/layout/bProcess3"/>
+    <dgm:cxn modelId="{86D96046-F249-4D24-BAF2-5B56F05518A7}" type="presOf" srcId="{B03C07ED-D710-47B5-8AD4-064B7F5F3199}" destId="{D641BEE6-70ED-4F4B-BCDB-73FB598F556B}" srcOrd="0" destOrd="0" presId="urn:microsoft.com/office/officeart/2005/8/layout/bProcess3"/>
+    <dgm:cxn modelId="{15BE7C69-75CC-4BF6-BC2B-81E6850E0A5E}" type="presOf" srcId="{026F3D0F-350C-4340-A4BF-D4E7EE8E8EB4}" destId="{0C87BA39-4866-40B4-8F60-5366D535D21B}" srcOrd="0" destOrd="0" presId="urn:microsoft.com/office/officeart/2005/8/layout/bProcess3"/>
+    <dgm:cxn modelId="{FCB4C1BB-4EC4-4DCD-A99B-9D2F8F9C2A23}" srcId="{873ED7BB-A894-4706-BAAC-0FAA777A56DE}" destId="{E37DFCF4-C5E6-49B3-B490-45435CBB929B}" srcOrd="7" destOrd="0" parTransId="{6BC96B63-D38E-4CC6-A060-591D04E07D29}" sibTransId="{5E90FEB0-0D33-47AC-817E-54F2FC5A17F5}"/>
+    <dgm:cxn modelId="{4F34109A-F383-4063-95E3-9FC37DA6C08F}" srcId="{873ED7BB-A894-4706-BAAC-0FAA777A56DE}" destId="{DD92D346-BFB5-4C3D-832C-6EAA48244959}" srcOrd="2" destOrd="0" parTransId="{59DB4AFF-3A3C-4D81-828A-176F241166FC}" sibTransId="{29986DAC-81CD-4710-92DE-C0EB8D27EEB5}"/>
+    <dgm:cxn modelId="{CDEB13BB-2B18-44E3-AD5A-8D2C1A7F935B}" srcId="{873ED7BB-A894-4706-BAAC-0FAA777A56DE}" destId="{D75A67CD-7499-49DD-B478-3447232967B5}" srcOrd="5" destOrd="0" parTransId="{37CD75E9-EC8C-466F-8CB0-54A3E260FB73}" sibTransId="{C7B0990A-D677-481B-A510-F2E1CC0A6AEE}"/>
+    <dgm:cxn modelId="{F26C93E5-763D-424E-9DBB-A35E68A63069}" type="presOf" srcId="{C7B0990A-D677-481B-A510-F2E1CC0A6AEE}" destId="{15CD63BA-8DF7-439C-AED6-D90BDD7D20BE}" srcOrd="1" destOrd="0" presId="urn:microsoft.com/office/officeart/2005/8/layout/bProcess3"/>
+    <dgm:cxn modelId="{F8022372-E492-46E3-893E-FE0DEFB8401F}" srcId="{873ED7BB-A894-4706-BAAC-0FAA777A56DE}" destId="{C268F855-0C19-49AF-A02E-A6A3F863343A}" srcOrd="3" destOrd="0" parTransId="{54129B51-397F-4DE8-ABDA-B062DD63B0E5}" sibTransId="{011542E9-0DF3-4DC2-A6E6-CC64E253DC63}"/>
+    <dgm:cxn modelId="{7C3CC8C5-66E7-4F63-9CF7-3066FC600337}" type="presOf" srcId="{C7B0990A-D677-481B-A510-F2E1CC0A6AEE}" destId="{D71BE198-65FD-4959-83F3-4909594528FD}" srcOrd="0" destOrd="0" presId="urn:microsoft.com/office/officeart/2005/8/layout/bProcess3"/>
+    <dgm:cxn modelId="{6094E04C-C114-4F1D-8FE5-C3BFDD30463C}" type="presOf" srcId="{873ED7BB-A894-4706-BAAC-0FAA777A56DE}" destId="{3C584F81-5CFD-48B7-B1E6-2A11BC47D463}" srcOrd="0" destOrd="0" presId="urn:microsoft.com/office/officeart/2005/8/layout/bProcess3"/>
+    <dgm:cxn modelId="{E79F8DA4-3983-4BC6-977D-7F676BD824C7}" type="presOf" srcId="{AC90006E-6EF5-4D3A-937D-D891CA13400F}" destId="{C9E73578-6E91-4DB3-9E50-BB7A1AB915A4}" srcOrd="1" destOrd="0" presId="urn:microsoft.com/office/officeart/2005/8/layout/bProcess3"/>
+    <dgm:cxn modelId="{9AE6C332-3A80-4F66-AE1C-E9D472EC6807}" type="presOf" srcId="{D75A67CD-7499-49DD-B478-3447232967B5}" destId="{7DD4DCE2-FAA2-4CA2-BBAE-4A02AB315CEF}" srcOrd="0" destOrd="0" presId="urn:microsoft.com/office/officeart/2005/8/layout/bProcess3"/>
+    <dgm:cxn modelId="{3315B38C-3508-4AAF-99D0-3D77C464666C}" srcId="{873ED7BB-A894-4706-BAAC-0FAA777A56DE}" destId="{B03C07ED-D710-47B5-8AD4-064B7F5F3199}" srcOrd="4" destOrd="0" parTransId="{0BD5985B-0183-46DC-A531-6BF7DE7B2761}" sibTransId="{AC90006E-6EF5-4D3A-937D-D891CA13400F}"/>
+    <dgm:cxn modelId="{5F41D133-A73E-48F5-8EA4-8C7096156890}" type="presOf" srcId="{7972EFEF-5085-484D-9FCB-F67C6454C032}" destId="{AA58490D-06EA-43F3-9D16-11E7D9E57EAC}" srcOrd="1" destOrd="0" presId="urn:microsoft.com/office/officeart/2005/8/layout/bProcess3"/>
     <dgm:cxn modelId="{C5DD3BD8-1B59-4995-8AC7-318F03C238AD}" type="presOf" srcId="{6877023A-3DFE-4892-9247-57DCEF329818}" destId="{69E341EB-8FB1-4347-841E-D38195D8BDCC}" srcOrd="0" destOrd="0" presId="urn:microsoft.com/office/officeart/2005/8/layout/bProcess3"/>
-    <dgm:cxn modelId="{E40908FF-6343-44DE-AF19-BD7ECBE0DA17}" srcId="{873ED7BB-A894-4706-BAAC-0FAA777A56DE}" destId="{026F3D0F-350C-4340-A4BF-D4E7EE8E8EB4}" srcOrd="1" destOrd="0" parTransId="{92537BF4-BCDD-44E6-9AB2-5CD29974AF3D}" sibTransId="{687177AA-03EA-41CE-8751-BEA6250416E7}"/>
-    <dgm:cxn modelId="{E79F8DA4-3983-4BC6-977D-7F676BD824C7}" type="presOf" srcId="{AC90006E-6EF5-4D3A-937D-D891CA13400F}" destId="{C9E73578-6E91-4DB3-9E50-BB7A1AB915A4}" srcOrd="1" destOrd="0" presId="urn:microsoft.com/office/officeart/2005/8/layout/bProcess3"/>
-    <dgm:cxn modelId="{08002790-9347-4948-AC05-13D135F5BC19}" type="presOf" srcId="{7972EFEF-5085-484D-9FCB-F67C6454C032}" destId="{EAA866B9-5DAC-49A1-9C47-7B35A615A913}" srcOrd="0" destOrd="0" presId="urn:microsoft.com/office/officeart/2005/8/layout/bProcess3"/>
-    <dgm:cxn modelId="{C80EFD03-A8BE-44EE-8655-F29AE6FB1151}" type="presOf" srcId="{011542E9-0DF3-4DC2-A6E6-CC64E253DC63}" destId="{A49BEC73-0260-4D2F-9BF3-A3807F3055F2}" srcOrd="1" destOrd="0" presId="urn:microsoft.com/office/officeart/2005/8/layout/bProcess3"/>
+    <dgm:cxn modelId="{EBA287C7-42B0-487D-AE46-E122F9C072FD}" type="presOf" srcId="{6877023A-3DFE-4892-9247-57DCEF329818}" destId="{66BE724D-7868-44E2-AEFC-6C72D991F34B}" srcOrd="1" destOrd="0" presId="urn:microsoft.com/office/officeart/2005/8/layout/bProcess3"/>
+    <dgm:cxn modelId="{44BCA02A-C876-49D2-98E1-FDCE9D2C97F4}" type="presOf" srcId="{687177AA-03EA-41CE-8751-BEA6250416E7}" destId="{F64B7147-372A-459A-AC66-CB0969C8B0C6}" srcOrd="0" destOrd="0" presId="urn:microsoft.com/office/officeart/2005/8/layout/bProcess3"/>
+    <dgm:cxn modelId="{928C6EE1-69CB-41C4-9787-60E897D96CBE}" type="presOf" srcId="{E37DFCF4-C5E6-49B3-B490-45435CBB929B}" destId="{B913887B-61A9-41C8-B42B-3F8E784D5762}" srcOrd="0" destOrd="0" presId="urn:microsoft.com/office/officeart/2005/8/layout/bProcess3"/>
+    <dgm:cxn modelId="{5CBB28B0-A927-4999-AC3D-161930054E19}" type="presOf" srcId="{29986DAC-81CD-4710-92DE-C0EB8D27EEB5}" destId="{6786F504-CE42-4C2F-81A3-9BFAB8B67D9F}" srcOrd="0" destOrd="0" presId="urn:microsoft.com/office/officeart/2005/8/layout/bProcess3"/>
     <dgm:cxn modelId="{0B95FB43-14E6-4506-9577-95B8CA687275}" type="presOf" srcId="{AC90006E-6EF5-4D3A-937D-D891CA13400F}" destId="{A465C163-28CB-4006-BCB8-14CABA49693B}" srcOrd="0" destOrd="0" presId="urn:microsoft.com/office/officeart/2005/8/layout/bProcess3"/>
+    <dgm:cxn modelId="{6C6A644F-C997-48FA-B03B-D0AC9D6BBF03}" type="presOf" srcId="{29986DAC-81CD-4710-92DE-C0EB8D27EEB5}" destId="{A6AE89BD-D95F-44F7-A2A8-E3DFA083A303}" srcOrd="1" destOrd="0" presId="urn:microsoft.com/office/officeart/2005/8/layout/bProcess3"/>
     <dgm:cxn modelId="{3A36BA8E-5629-4E9D-9492-71F6A69F97CB}" type="presOf" srcId="{011542E9-0DF3-4DC2-A6E6-CC64E253DC63}" destId="{026D849B-DA1F-4CF4-B2F1-50B3B0DBC4B7}" srcOrd="0" destOrd="0" presId="urn:microsoft.com/office/officeart/2005/8/layout/bProcess3"/>
-    <dgm:cxn modelId="{D73CFE5D-4762-4E50-9CFB-7422B7F1D6AE}" srcId="{873ED7BB-A894-4706-BAAC-0FAA777A56DE}" destId="{661FA550-8DFE-4212-B342-FD52E646875D}" srcOrd="6" destOrd="0" parTransId="{117426E5-C17A-4EAC-B1E9-749333DD4042}" sibTransId="{7972EFEF-5085-484D-9FCB-F67C6454C032}"/>
-    <dgm:cxn modelId="{9AE6C332-3A80-4F66-AE1C-E9D472EC6807}" type="presOf" srcId="{D75A67CD-7499-49DD-B478-3447232967B5}" destId="{7DD4DCE2-FAA2-4CA2-BBAE-4A02AB315CEF}" srcOrd="0" destOrd="0" presId="urn:microsoft.com/office/officeart/2005/8/layout/bProcess3"/>
-    <dgm:cxn modelId="{EBA287C7-42B0-487D-AE46-E122F9C072FD}" type="presOf" srcId="{6877023A-3DFE-4892-9247-57DCEF329818}" destId="{66BE724D-7868-44E2-AEFC-6C72D991F34B}" srcOrd="1" destOrd="0" presId="urn:microsoft.com/office/officeart/2005/8/layout/bProcess3"/>
-    <dgm:cxn modelId="{6C6A644F-C997-48FA-B03B-D0AC9D6BBF03}" type="presOf" srcId="{29986DAC-81CD-4710-92DE-C0EB8D27EEB5}" destId="{A6AE89BD-D95F-44F7-A2A8-E3DFA083A303}" srcOrd="1" destOrd="0" presId="urn:microsoft.com/office/officeart/2005/8/layout/bProcess3"/>
-    <dgm:cxn modelId="{6094E04C-C114-4F1D-8FE5-C3BFDD30463C}" type="presOf" srcId="{873ED7BB-A894-4706-BAAC-0FAA777A56DE}" destId="{3C584F81-5CFD-48B7-B1E6-2A11BC47D463}" srcOrd="0" destOrd="0" presId="urn:microsoft.com/office/officeart/2005/8/layout/bProcess3"/>
-    <dgm:cxn modelId="{BFC87ADA-9B47-42DD-905E-F41068C5D246}" type="presOf" srcId="{687177AA-03EA-41CE-8751-BEA6250416E7}" destId="{08A0390F-DBFD-44B6-AAF9-F0A154E45178}" srcOrd="1" destOrd="0" presId="urn:microsoft.com/office/officeart/2005/8/layout/bProcess3"/>
-    <dgm:cxn modelId="{F8022372-E492-46E3-893E-FE0DEFB8401F}" srcId="{873ED7BB-A894-4706-BAAC-0FAA777A56DE}" destId="{C268F855-0C19-49AF-A02E-A6A3F863343A}" srcOrd="3" destOrd="0" parTransId="{54129B51-397F-4DE8-ABDA-B062DD63B0E5}" sibTransId="{011542E9-0DF3-4DC2-A6E6-CC64E253DC63}"/>
-    <dgm:cxn modelId="{F26C93E5-763D-424E-9DBB-A35E68A63069}" type="presOf" srcId="{C7B0990A-D677-481B-A510-F2E1CC0A6AEE}" destId="{15CD63BA-8DF7-439C-AED6-D90BDD7D20BE}" srcOrd="1" destOrd="0" presId="urn:microsoft.com/office/officeart/2005/8/layout/bProcess3"/>
-    <dgm:cxn modelId="{CDEB13BB-2B18-44E3-AD5A-8D2C1A7F935B}" srcId="{873ED7BB-A894-4706-BAAC-0FAA777A56DE}" destId="{D75A67CD-7499-49DD-B478-3447232967B5}" srcOrd="5" destOrd="0" parTransId="{37CD75E9-EC8C-466F-8CB0-54A3E260FB73}" sibTransId="{C7B0990A-D677-481B-A510-F2E1CC0A6AEE}"/>
-    <dgm:cxn modelId="{4F34109A-F383-4063-95E3-9FC37DA6C08F}" srcId="{873ED7BB-A894-4706-BAAC-0FAA777A56DE}" destId="{DD92D346-BFB5-4C3D-832C-6EAA48244959}" srcOrd="2" destOrd="0" parTransId="{59DB4AFF-3A3C-4D81-828A-176F241166FC}" sibTransId="{29986DAC-81CD-4710-92DE-C0EB8D27EEB5}"/>
-    <dgm:cxn modelId="{39AB6268-6EE8-455D-856E-6B1A8A5E8ADD}" type="presOf" srcId="{661FA550-8DFE-4212-B342-FD52E646875D}" destId="{3B7E9114-5AF4-4DA6-9CA4-AF34B085DF20}" srcOrd="0" destOrd="0" presId="urn:microsoft.com/office/officeart/2005/8/layout/bProcess3"/>
-    <dgm:cxn modelId="{5F41D133-A73E-48F5-8EA4-8C7096156890}" type="presOf" srcId="{7972EFEF-5085-484D-9FCB-F67C6454C032}" destId="{AA58490D-06EA-43F3-9D16-11E7D9E57EAC}" srcOrd="1" destOrd="0" presId="urn:microsoft.com/office/officeart/2005/8/layout/bProcess3"/>
-    <dgm:cxn modelId="{7C3CC8C5-66E7-4F63-9CF7-3066FC600337}" type="presOf" srcId="{C7B0990A-D677-481B-A510-F2E1CC0A6AEE}" destId="{D71BE198-65FD-4959-83F3-4909594528FD}" srcOrd="0" destOrd="0" presId="urn:microsoft.com/office/officeart/2005/8/layout/bProcess3"/>
-    <dgm:cxn modelId="{710A922A-3E4C-4CC1-A550-A0F341DD8C4F}" srcId="{873ED7BB-A894-4706-BAAC-0FAA777A56DE}" destId="{6F212F7B-666B-4E59-A463-816241051DAF}" srcOrd="0" destOrd="0" parTransId="{89925078-4F26-4704-A097-244C20DEC220}" sibTransId="{6877023A-3DFE-4892-9247-57DCEF329818}"/>
-    <dgm:cxn modelId="{46A1E5DA-3F25-490C-8A28-C1A360A276F1}" type="presOf" srcId="{C268F855-0C19-49AF-A02E-A6A3F863343A}" destId="{BB95B41A-9993-4D10-AFA5-282F9FBE30FE}" srcOrd="0" destOrd="0" presId="urn:microsoft.com/office/officeart/2005/8/layout/bProcess3"/>
-    <dgm:cxn modelId="{86D96046-F249-4D24-BAF2-5B56F05518A7}" type="presOf" srcId="{B03C07ED-D710-47B5-8AD4-064B7F5F3199}" destId="{D641BEE6-70ED-4F4B-BCDB-73FB598F556B}" srcOrd="0" destOrd="0" presId="urn:microsoft.com/office/officeart/2005/8/layout/bProcess3"/>
-    <dgm:cxn modelId="{5CBB28B0-A927-4999-AC3D-161930054E19}" type="presOf" srcId="{29986DAC-81CD-4710-92DE-C0EB8D27EEB5}" destId="{6786F504-CE42-4C2F-81A3-9BFAB8B67D9F}" srcOrd="0" destOrd="0" presId="urn:microsoft.com/office/officeart/2005/8/layout/bProcess3"/>
-    <dgm:cxn modelId="{15BE7C69-75CC-4BF6-BC2B-81E6850E0A5E}" type="presOf" srcId="{026F3D0F-350C-4340-A4BF-D4E7EE8E8EB4}" destId="{0C87BA39-4866-40B4-8F60-5366D535D21B}" srcOrd="0" destOrd="0" presId="urn:microsoft.com/office/officeart/2005/8/layout/bProcess3"/>
-    <dgm:cxn modelId="{B9FCB7A2-F734-405A-8D1E-F7EAC0F26ADA}" type="presOf" srcId="{6F212F7B-666B-4E59-A463-816241051DAF}" destId="{8367E489-A08A-45F9-95CD-FBED81273717}" srcOrd="0" destOrd="0" presId="urn:microsoft.com/office/officeart/2005/8/layout/bProcess3"/>
-    <dgm:cxn modelId="{60F911BD-C3DC-42C4-B42E-1CCDB848D2CF}" type="presOf" srcId="{DD92D346-BFB5-4C3D-832C-6EAA48244959}" destId="{284C1D4D-C19E-464E-89EF-AD5854BDFBD9}" srcOrd="0" destOrd="0" presId="urn:microsoft.com/office/officeart/2005/8/layout/bProcess3"/>
-    <dgm:cxn modelId="{3315B38C-3508-4AAF-99D0-3D77C464666C}" srcId="{873ED7BB-A894-4706-BAAC-0FAA777A56DE}" destId="{B03C07ED-D710-47B5-8AD4-064B7F5F3199}" srcOrd="4" destOrd="0" parTransId="{0BD5985B-0183-46DC-A531-6BF7DE7B2761}" sibTransId="{AC90006E-6EF5-4D3A-937D-D891CA13400F}"/>
-    <dgm:cxn modelId="{928C6EE1-69CB-41C4-9787-60E897D96CBE}" type="presOf" srcId="{E37DFCF4-C5E6-49B3-B490-45435CBB929B}" destId="{B913887B-61A9-41C8-B42B-3F8E784D5762}" srcOrd="0" destOrd="0" presId="urn:microsoft.com/office/officeart/2005/8/layout/bProcess3"/>
-    <dgm:cxn modelId="{FCB4C1BB-4EC4-4DCD-A99B-9D2F8F9C2A23}" srcId="{873ED7BB-A894-4706-BAAC-0FAA777A56DE}" destId="{E37DFCF4-C5E6-49B3-B490-45435CBB929B}" srcOrd="7" destOrd="0" parTransId="{6BC96B63-D38E-4CC6-A060-591D04E07D29}" sibTransId="{5E90FEB0-0D33-47AC-817E-54F2FC5A17F5}"/>
-    <dgm:cxn modelId="{44BCA02A-C876-49D2-98E1-FDCE9D2C97F4}" type="presOf" srcId="{687177AA-03EA-41CE-8751-BEA6250416E7}" destId="{F64B7147-372A-459A-AC66-CB0969C8B0C6}" srcOrd="0" destOrd="0" presId="urn:microsoft.com/office/officeart/2005/8/layout/bProcess3"/>
     <dgm:cxn modelId="{2A9A0924-EC46-4B58-AECD-49B9E2C9EF3D}" type="presParOf" srcId="{3C584F81-5CFD-48B7-B1E6-2A11BC47D463}" destId="{8367E489-A08A-45F9-95CD-FBED81273717}" srcOrd="0" destOrd="0" presId="urn:microsoft.com/office/officeart/2005/8/layout/bProcess3"/>
     <dgm:cxn modelId="{5AC8459E-B83D-4EB6-92FE-329A3004FB3F}" type="presParOf" srcId="{3C584F81-5CFD-48B7-B1E6-2A11BC47D463}" destId="{69E341EB-8FB1-4347-841E-D38195D8BDCC}" srcOrd="1" destOrd="0" presId="urn:microsoft.com/office/officeart/2005/8/layout/bProcess3"/>
     <dgm:cxn modelId="{57C5D5AB-2F88-4C6D-851D-C0EB3C926B6E}" type="presParOf" srcId="{69E341EB-8FB1-4347-841E-D38195D8BDCC}" destId="{66BE724D-7868-44E2-AEFC-6C72D991F34B}" srcOrd="0" destOrd="0" presId="urn:microsoft.com/office/officeart/2005/8/layout/bProcess3"/>
@@ -3751,14 +3699,14 @@
   <dgm:whole/>
   <dgm:extLst>
     <a:ext uri="http://schemas.microsoft.com/office/drawing/2008/diagram">
-      <dsp:dataModelExt xmlns:dsp="http://schemas.microsoft.com/office/drawing/2008/diagram" relId="rId6" minVer="http://schemas.openxmlformats.org/drawingml/2006/diagram"/>
+      <dsp:dataModelExt xmlns:dsp="http://schemas.microsoft.com/office/drawing/2008/diagram" xmlns="" relId="rId6" minVer="http://schemas.openxmlformats.org/drawingml/2006/diagram"/>
     </a:ext>
   </dgm:extLst>
 </dgm:dataModel>
 </file>
 
 <file path=ppt/diagrams/drawing1.xml><?xml version="1.0" encoding="utf-8"?>
-<dsp:drawing xmlns:dgm="http://schemas.openxmlformats.org/drawingml/2006/diagram" xmlns:dsp="http://schemas.microsoft.com/office/drawing/2008/diagram" xmlns:a="http://schemas.openxmlformats.org/drawingml/2006/main">
+<dsp:drawing xmlns:dgm="http://schemas.openxmlformats.org/drawingml/2006/diagram" xmlns:a="http://schemas.openxmlformats.org/drawingml/2006/main" xmlns:dsp="http://schemas.microsoft.com/office/drawing/2008/diagram">
   <dsp:spTree>
     <dsp:nvGrpSpPr>
       <dsp:cNvPr id="0" name=""/>
@@ -3772,8 +3720,8 @@
       </dsp:nvSpPr>
       <dsp:spPr>
         <a:xfrm rot="10800000">
-          <a:off x="2092908" y="863"/>
-          <a:ext cx="6992874" cy="1326182"/>
+          <a:off x="2279967" y="1980"/>
+          <a:ext cx="6992874" cy="2074417"/>
         </a:xfrm>
         <a:prstGeom prst="homePlate">
           <a:avLst/>
@@ -3815,12 +3763,12 @@
         </a:fontRef>
       </dsp:style>
       <dsp:txBody>
-        <a:bodyPr spcFirstLastPara="0" vert="horz" wrap="square" lIns="584810" tIns="220980" rIns="412496" bIns="220980" numCol="1" spcCol="1270" anchor="ctr" anchorCtr="0">
+        <a:bodyPr spcFirstLastPara="0" vert="horz" wrap="square" lIns="914761" tIns="247650" rIns="462280" bIns="247650" numCol="1" spcCol="1270" anchor="ctr" anchorCtr="0">
           <a:noAutofit/>
         </a:bodyPr>
         <a:lstStyle/>
         <a:p>
-          <a:pPr lvl="0" algn="ctr" defTabSz="2578100">
+          <a:pPr lvl="0" algn="ctr" defTabSz="2889250">
             <a:lnSpc>
               <a:spcPct val="90000"/>
             </a:lnSpc>
@@ -3832,15 +3780,15 @@
             </a:spcAft>
           </a:pPr>
           <a:r>
-            <a:rPr lang="zh-CN" altLang="en-US" sz="5800" kern="1200" dirty="0" smtClean="0"/>
-            <a:t>介绍</a:t>
+            <a:rPr lang="zh-CN" altLang="en-US" sz="6500" kern="1200" dirty="0" smtClean="0"/>
+            <a:t>数据挖掘介绍</a:t>
           </a:r>
-          <a:endParaRPr lang="zh-CN" altLang="en-US" sz="5800" kern="1200" dirty="0"/>
+          <a:endParaRPr lang="zh-CN" altLang="en-US" sz="6500" kern="1200" dirty="0"/>
         </a:p>
       </dsp:txBody>
       <dsp:txXfrm rot="10800000">
-        <a:off x="2424453" y="863"/>
-        <a:ext cx="6661329" cy="1326182"/>
+        <a:off x="2279967" y="1980"/>
+        <a:ext cx="6992874" cy="2074417"/>
       </dsp:txXfrm>
     </dsp:sp>
     <dsp:sp modelId="{C94C5988-CA1C-420A-BC58-8ADE546A08F3}">
@@ -3850,8 +3798,8 @@
       </dsp:nvSpPr>
       <dsp:spPr>
         <a:xfrm>
-          <a:off x="1429817" y="863"/>
-          <a:ext cx="1326182" cy="1326182"/>
+          <a:off x="1242758" y="1980"/>
+          <a:ext cx="2074417" cy="2074417"/>
         </a:xfrm>
         <a:prstGeom prst="ellipse">
           <a:avLst/>
@@ -3899,8 +3847,8 @@
       </dsp:nvSpPr>
       <dsp:spPr>
         <a:xfrm rot="10800000">
-          <a:off x="2092908" y="1722921"/>
-          <a:ext cx="6992874" cy="1326182"/>
+          <a:off x="2279967" y="2695627"/>
+          <a:ext cx="6992874" cy="2074417"/>
         </a:xfrm>
         <a:prstGeom prst="homePlate">
           <a:avLst/>
@@ -3942,12 +3890,12 @@
         </a:fontRef>
       </dsp:style>
       <dsp:txBody>
-        <a:bodyPr spcFirstLastPara="0" vert="horz" wrap="square" lIns="584810" tIns="220980" rIns="412496" bIns="220980" numCol="1" spcCol="1270" anchor="ctr" anchorCtr="0">
+        <a:bodyPr spcFirstLastPara="0" vert="horz" wrap="square" lIns="914761" tIns="247650" rIns="462280" bIns="247650" numCol="1" spcCol="1270" anchor="ctr" anchorCtr="0">
           <a:noAutofit/>
         </a:bodyPr>
         <a:lstStyle/>
         <a:p>
-          <a:pPr lvl="0" algn="ctr" defTabSz="2578100">
+          <a:pPr lvl="0" algn="ctr" defTabSz="2889250">
             <a:lnSpc>
               <a:spcPct val="90000"/>
             </a:lnSpc>
@@ -3959,15 +3907,15 @@
             </a:spcAft>
           </a:pPr>
           <a:r>
-            <a:rPr lang="zh-CN" altLang="en-US" sz="5800" kern="1200" dirty="0" smtClean="0"/>
-            <a:t>原理</a:t>
+            <a:rPr lang="zh-CN" altLang="en-US" sz="6500" kern="1200" dirty="0" smtClean="0"/>
+            <a:t>关联规则介绍</a:t>
           </a:r>
-          <a:endParaRPr lang="zh-CN" altLang="en-US" sz="5800" kern="1200" dirty="0"/>
+          <a:endParaRPr lang="zh-CN" altLang="en-US" sz="6500" kern="1200" dirty="0"/>
         </a:p>
       </dsp:txBody>
       <dsp:txXfrm rot="10800000">
-        <a:off x="2424453" y="1722921"/>
-        <a:ext cx="6661329" cy="1326182"/>
+        <a:off x="2279967" y="2695627"/>
+        <a:ext cx="6992874" cy="2074417"/>
       </dsp:txXfrm>
     </dsp:sp>
     <dsp:sp modelId="{DD54E1DB-E6C9-48A7-BABA-C464200988EE}">
@@ -3977,131 +3925,8 @@
       </dsp:nvSpPr>
       <dsp:spPr>
         <a:xfrm>
-          <a:off x="1429817" y="1722921"/>
-          <a:ext cx="1326182" cy="1326182"/>
-        </a:xfrm>
-        <a:prstGeom prst="ellipse">
-          <a:avLst/>
-        </a:prstGeom>
-        <a:solidFill>
-          <a:schemeClr val="accent1">
-            <a:tint val="50000"/>
-            <a:hueOff val="0"/>
-            <a:satOff val="0"/>
-            <a:lumOff val="0"/>
-            <a:alphaOff val="0"/>
-          </a:schemeClr>
-        </a:solidFill>
-        <a:ln w="12700" cap="flat" cmpd="sng" algn="ctr">
-          <a:solidFill>
-            <a:schemeClr val="lt1">
-              <a:hueOff val="0"/>
-              <a:satOff val="0"/>
-              <a:lumOff val="0"/>
-              <a:alphaOff val="0"/>
-            </a:schemeClr>
-          </a:solidFill>
-          <a:prstDash val="solid"/>
-          <a:miter lim="800000"/>
-        </a:ln>
-        <a:effectLst/>
-      </dsp:spPr>
-      <dsp:style>
-        <a:lnRef idx="2">
-          <a:scrgbClr r="0" g="0" b="0"/>
-        </a:lnRef>
-        <a:fillRef idx="1">
-          <a:scrgbClr r="0" g="0" b="0"/>
-        </a:fillRef>
-        <a:effectRef idx="0">
-          <a:scrgbClr r="0" g="0" b="0"/>
-        </a:effectRef>
-        <a:fontRef idx="minor"/>
-      </dsp:style>
-    </dsp:sp>
-    <dsp:sp modelId="{57561170-48F8-4AC7-9E02-21AED382ADC9}">
-      <dsp:nvSpPr>
-        <dsp:cNvPr id="0" name=""/>
-        <dsp:cNvSpPr/>
-      </dsp:nvSpPr>
-      <dsp:spPr>
-        <a:xfrm rot="10800000">
-          <a:off x="2092908" y="3444979"/>
-          <a:ext cx="6992874" cy="1326182"/>
-        </a:xfrm>
-        <a:prstGeom prst="homePlate">
-          <a:avLst/>
-        </a:prstGeom>
-        <a:solidFill>
-          <a:schemeClr val="accent1">
-            <a:hueOff val="0"/>
-            <a:satOff val="0"/>
-            <a:lumOff val="0"/>
-            <a:alphaOff val="0"/>
-          </a:schemeClr>
-        </a:solidFill>
-        <a:ln w="12700" cap="flat" cmpd="sng" algn="ctr">
-          <a:solidFill>
-            <a:schemeClr val="lt1">
-              <a:hueOff val="0"/>
-              <a:satOff val="0"/>
-              <a:lumOff val="0"/>
-              <a:alphaOff val="0"/>
-            </a:schemeClr>
-          </a:solidFill>
-          <a:prstDash val="solid"/>
-          <a:miter lim="800000"/>
-        </a:ln>
-        <a:effectLst/>
-      </dsp:spPr>
-      <dsp:style>
-        <a:lnRef idx="2">
-          <a:scrgbClr r="0" g="0" b="0"/>
-        </a:lnRef>
-        <a:fillRef idx="1">
-          <a:scrgbClr r="0" g="0" b="0"/>
-        </a:fillRef>
-        <a:effectRef idx="0">
-          <a:scrgbClr r="0" g="0" b="0"/>
-        </a:effectRef>
-        <a:fontRef idx="minor">
-          <a:schemeClr val="lt1"/>
-        </a:fontRef>
-      </dsp:style>
-      <dsp:txBody>
-        <a:bodyPr spcFirstLastPara="0" vert="horz" wrap="square" lIns="584810" tIns="220980" rIns="412496" bIns="220980" numCol="1" spcCol="1270" anchor="ctr" anchorCtr="0">
-          <a:noAutofit/>
-        </a:bodyPr>
-        <a:lstStyle/>
-        <a:p>
-          <a:pPr lvl="0" algn="ctr" defTabSz="2578100">
-            <a:lnSpc>
-              <a:spcPct val="90000"/>
-            </a:lnSpc>
-            <a:spcBef>
-              <a:spcPct val="0"/>
-            </a:spcBef>
-            <a:spcAft>
-              <a:spcPct val="35000"/>
-            </a:spcAft>
-          </a:pPr>
-          <a:endParaRPr lang="zh-CN" altLang="en-US" sz="5800" kern="1200" dirty="0"/>
-        </a:p>
-      </dsp:txBody>
-      <dsp:txXfrm rot="10800000">
-        <a:off x="2424453" y="3444979"/>
-        <a:ext cx="6661329" cy="1326182"/>
-      </dsp:txXfrm>
-    </dsp:sp>
-    <dsp:sp modelId="{A124ED62-4D4D-4BD4-AD0B-1B671977D515}">
-      <dsp:nvSpPr>
-        <dsp:cNvPr id="0" name=""/>
-        <dsp:cNvSpPr/>
-      </dsp:nvSpPr>
-      <dsp:spPr>
-        <a:xfrm>
-          <a:off x="1429817" y="3444979"/>
-          <a:ext cx="1326182" cy="1326182"/>
+          <a:off x="1242758" y="2695627"/>
+          <a:ext cx="2074417" cy="2074417"/>
         </a:xfrm>
         <a:prstGeom prst="ellipse">
           <a:avLst/>
@@ -4147,7 +3972,7 @@
 </file>
 
 <file path=ppt/diagrams/drawing2.xml><?xml version="1.0" encoding="utf-8"?>
-<dsp:drawing xmlns:dgm="http://schemas.openxmlformats.org/drawingml/2006/diagram" xmlns:dsp="http://schemas.microsoft.com/office/drawing/2008/diagram" xmlns:a="http://schemas.openxmlformats.org/drawingml/2006/main">
+<dsp:drawing xmlns:dgm="http://schemas.openxmlformats.org/drawingml/2006/diagram" xmlns:a="http://schemas.openxmlformats.org/drawingml/2006/main" xmlns:dsp="http://schemas.microsoft.com/office/drawing/2008/diagram">
   <dsp:spTree>
     <dsp:nvGrpSpPr>
       <dsp:cNvPr id="0" name=""/>
@@ -4255,8 +4080,8 @@
         </a:p>
       </dsp:txBody>
       <dsp:txXfrm rot="10800000">
-        <a:off x="2032705" y="625"/>
-        <a:ext cx="6857203" cy="542685"/>
+        <a:off x="1897034" y="625"/>
+        <a:ext cx="6992874" cy="542685"/>
       </dsp:txXfrm>
     </dsp:sp>
     <dsp:sp modelId="{E293ADF7-C1B6-4A46-878A-C229193FEDD0}">
@@ -4406,8 +4231,8 @@
         </a:p>
       </dsp:txBody>
       <dsp:txXfrm rot="10800000">
-        <a:off x="2032705" y="705307"/>
-        <a:ext cx="6857203" cy="542685"/>
+        <a:off x="1897034" y="705307"/>
+        <a:ext cx="6992874" cy="542685"/>
       </dsp:txXfrm>
     </dsp:sp>
     <dsp:sp modelId="{69714AC5-0155-4FD8-A64B-E1FAA533D252}">
@@ -4557,8 +4382,8 @@
         </a:p>
       </dsp:txBody>
       <dsp:txXfrm rot="10800000">
-        <a:off x="2032705" y="1409988"/>
-        <a:ext cx="6857203" cy="542685"/>
+        <a:off x="1897034" y="1409988"/>
+        <a:ext cx="6992874" cy="542685"/>
       </dsp:txXfrm>
     </dsp:sp>
     <dsp:sp modelId="{D5DE8AF9-1931-49FF-A124-0F2C6C4EAD79}">
@@ -4708,8 +4533,8 @@
         </a:p>
       </dsp:txBody>
       <dsp:txXfrm rot="10800000">
-        <a:off x="2032705" y="2114669"/>
-        <a:ext cx="6857203" cy="542685"/>
+        <a:off x="1897034" y="2114669"/>
+        <a:ext cx="6992874" cy="542685"/>
       </dsp:txXfrm>
     </dsp:sp>
     <dsp:sp modelId="{49636EE6-A761-430B-A083-823E22E765D9}">
@@ -4859,8 +4684,8 @@
         </a:p>
       </dsp:txBody>
       <dsp:txXfrm rot="10800000">
-        <a:off x="2032705" y="2819350"/>
-        <a:ext cx="6857203" cy="542685"/>
+        <a:off x="1897034" y="2819350"/>
+        <a:ext cx="6992874" cy="542685"/>
       </dsp:txXfrm>
     </dsp:sp>
     <dsp:sp modelId="{593F98E4-E252-4026-BB2D-B47555E4D046}">
@@ -5010,8 +4835,8 @@
         </a:p>
       </dsp:txBody>
       <dsp:txXfrm rot="10800000">
-        <a:off x="2032705" y="3524032"/>
-        <a:ext cx="6857203" cy="542685"/>
+        <a:off x="1897034" y="3524032"/>
+        <a:ext cx="6992874" cy="542685"/>
       </dsp:txXfrm>
     </dsp:sp>
     <dsp:sp modelId="{3C9540C2-74C7-4022-A5A0-7AFC1862C49B}">
@@ -5165,8 +4990,8 @@
         </a:p>
       </dsp:txBody>
       <dsp:txXfrm rot="10800000">
-        <a:off x="2032705" y="4228713"/>
-        <a:ext cx="6857203" cy="542685"/>
+        <a:off x="1897034" y="4228713"/>
+        <a:ext cx="6992874" cy="542685"/>
       </dsp:txXfrm>
     </dsp:sp>
     <dsp:sp modelId="{41E4B9AC-24F1-464A-959E-298D7F3715FF}">
@@ -5220,7 +5045,7 @@
 </file>
 
 <file path=ppt/diagrams/drawing3.xml><?xml version="1.0" encoding="utf-8"?>
-<dsp:drawing xmlns:dgm="http://schemas.openxmlformats.org/drawingml/2006/diagram" xmlns:dsp="http://schemas.microsoft.com/office/drawing/2008/diagram" xmlns:a="http://schemas.openxmlformats.org/drawingml/2006/main">
+<dsp:drawing xmlns:dgm="http://schemas.openxmlformats.org/drawingml/2006/diagram" xmlns:a="http://schemas.openxmlformats.org/drawingml/2006/main" xmlns:dsp="http://schemas.microsoft.com/office/drawing/2008/diagram">
   <dsp:spTree>
     <dsp:nvGrpSpPr>
       <dsp:cNvPr id="0" name=""/>
@@ -6422,7 +6247,7 @@
 </file>
 
 <file path=ppt/diagrams/layout1.xml><?xml version="1.0" encoding="utf-8"?>
-<dgm:layoutDef xmlns:dgm="http://schemas.openxmlformats.org/drawingml/2006/diagram" xmlns:a="http://schemas.openxmlformats.org/drawingml/2006/main" uniqueId="urn:microsoft.com/office/officeart/2005/8/layout/vList3">
+<dgm:layoutDef xmlns:dgm="http://schemas.openxmlformats.org/drawingml/2006/diagram" xmlns:a="http://schemas.openxmlformats.org/drawingml/2006/main" uniqueId="urn:microsoft.com/office/officeart/2005/8/layout/vList3#1">
   <dgm:title val=""/>
   <dgm:desc val=""/>
   <dgm:catLst>
@@ -6585,7 +6410,7 @@
 </file>
 
 <file path=ppt/diagrams/layout2.xml><?xml version="1.0" encoding="utf-8"?>
-<dgm:layoutDef xmlns:dgm="http://schemas.openxmlformats.org/drawingml/2006/diagram" xmlns:a="http://schemas.openxmlformats.org/drawingml/2006/main" uniqueId="urn:microsoft.com/office/officeart/2005/8/layout/vList3">
+<dgm:layoutDef xmlns:dgm="http://schemas.openxmlformats.org/drawingml/2006/diagram" xmlns:a="http://schemas.openxmlformats.org/drawingml/2006/main" uniqueId="urn:microsoft.com/office/officeart/2005/8/layout/vList3#2">
   <dgm:title val=""/>
   <dgm:desc val=""/>
   <dgm:catLst>
@@ -10168,7 +9993,8 @@
           <a:p>
             <a:fld id="{DFC80658-B08E-4469-B891-674666FD297B}" type="datetimeFigureOut">
               <a:rPr lang="zh-CN" altLang="en-US" smtClean="0"/>
-              <a:t>2016/3/31</a:t>
+              <a:pPr/>
+              <a:t>2016/4/7</a:t>
             </a:fld>
             <a:endParaRPr lang="zh-CN" altLang="en-US"/>
           </a:p>
@@ -10210,6 +10036,7 @@
           <a:p>
             <a:fld id="{DE5644BA-F85D-459D-ACAB-ADFB52AFC325}" type="slidenum">
               <a:rPr lang="zh-CN" altLang="en-US" smtClean="0"/>
+              <a:pPr/>
               <a:t>‹#›</a:t>
             </a:fld>
             <a:endParaRPr lang="zh-CN" altLang="en-US"/>
@@ -10219,7 +10046,7 @@
     </p:spTree>
     <p:extLst>
       <p:ext uri="{BB962C8B-B14F-4D97-AF65-F5344CB8AC3E}">
-        <p14:creationId xmlns:p14="http://schemas.microsoft.com/office/powerpoint/2010/main" val="3098311106"/>
+        <p14:creationId xmlns="" xmlns:p14="http://schemas.microsoft.com/office/powerpoint/2010/main" val="3098311106"/>
       </p:ext>
     </p:extLst>
   </p:cSld>
@@ -10345,7 +10172,8 @@
           <a:p>
             <a:fld id="{DFC80658-B08E-4469-B891-674666FD297B}" type="datetimeFigureOut">
               <a:rPr lang="zh-CN" altLang="en-US" smtClean="0"/>
-              <a:t>2016/3/31</a:t>
+              <a:pPr/>
+              <a:t>2016/4/7</a:t>
             </a:fld>
             <a:endParaRPr lang="zh-CN" altLang="en-US"/>
           </a:p>
@@ -10387,6 +10215,7 @@
           <a:p>
             <a:fld id="{DE5644BA-F85D-459D-ACAB-ADFB52AFC325}" type="slidenum">
               <a:rPr lang="zh-CN" altLang="en-US" smtClean="0"/>
+              <a:pPr/>
               <a:t>‹#›</a:t>
             </a:fld>
             <a:endParaRPr lang="zh-CN" altLang="en-US"/>
@@ -10396,7 +10225,7 @@
     </p:spTree>
     <p:extLst>
       <p:ext uri="{BB962C8B-B14F-4D97-AF65-F5344CB8AC3E}">
-        <p14:creationId xmlns:p14="http://schemas.microsoft.com/office/powerpoint/2010/main" val="31627105"/>
+        <p14:creationId xmlns="" xmlns:p14="http://schemas.microsoft.com/office/powerpoint/2010/main" val="31627105"/>
       </p:ext>
     </p:extLst>
   </p:cSld>
@@ -10525,7 +10354,8 @@
           <a:p>
             <a:fld id="{DFC80658-B08E-4469-B891-674666FD297B}" type="datetimeFigureOut">
               <a:rPr lang="zh-CN" altLang="en-US" smtClean="0"/>
-              <a:t>2016/3/31</a:t>
+              <a:pPr/>
+              <a:t>2016/4/7</a:t>
             </a:fld>
             <a:endParaRPr lang="zh-CN" altLang="en-US"/>
           </a:p>
@@ -10567,6 +10397,7 @@
           <a:p>
             <a:fld id="{DE5644BA-F85D-459D-ACAB-ADFB52AFC325}" type="slidenum">
               <a:rPr lang="zh-CN" altLang="en-US" smtClean="0"/>
+              <a:pPr/>
               <a:t>‹#›</a:t>
             </a:fld>
             <a:endParaRPr lang="zh-CN" altLang="en-US"/>
@@ -10576,7 +10407,7 @@
     </p:spTree>
     <p:extLst>
       <p:ext uri="{BB962C8B-B14F-4D97-AF65-F5344CB8AC3E}">
-        <p14:creationId xmlns:p14="http://schemas.microsoft.com/office/powerpoint/2010/main" val="2503447904"/>
+        <p14:creationId xmlns="" xmlns:p14="http://schemas.microsoft.com/office/powerpoint/2010/main" val="2503447904"/>
       </p:ext>
     </p:extLst>
   </p:cSld>
@@ -10705,7 +10536,8 @@
           <a:p>
             <a:fld id="{DFC80658-B08E-4469-B891-674666FD297B}" type="datetimeFigureOut">
               <a:rPr lang="zh-CN" altLang="en-US" smtClean="0"/>
-              <a:t>2016/3/31</a:t>
+              <a:pPr/>
+              <a:t>2016/4/7</a:t>
             </a:fld>
             <a:endParaRPr lang="zh-CN" altLang="en-US"/>
           </a:p>
@@ -10747,6 +10579,7 @@
           <a:p>
             <a:fld id="{DE5644BA-F85D-459D-ACAB-ADFB52AFC325}" type="slidenum">
               <a:rPr lang="zh-CN" altLang="en-US" smtClean="0"/>
+              <a:pPr/>
               <a:t>‹#›</a:t>
             </a:fld>
             <a:endParaRPr lang="zh-CN" altLang="en-US"/>
@@ -10756,7 +10589,7 @@
     </p:spTree>
     <p:extLst>
       <p:ext uri="{BB962C8B-B14F-4D97-AF65-F5344CB8AC3E}">
-        <p14:creationId xmlns:p14="http://schemas.microsoft.com/office/powerpoint/2010/main" val="1819547982"/>
+        <p14:creationId xmlns="" xmlns:p14="http://schemas.microsoft.com/office/powerpoint/2010/main" val="1819547982"/>
       </p:ext>
     </p:extLst>
   </p:cSld>
@@ -10958,7 +10791,8 @@
           <a:p>
             <a:fld id="{DFC80658-B08E-4469-B891-674666FD297B}" type="datetimeFigureOut">
               <a:rPr lang="zh-CN" altLang="en-US" smtClean="0"/>
-              <a:t>2016/3/31</a:t>
+              <a:pPr/>
+              <a:t>2016/4/7</a:t>
             </a:fld>
             <a:endParaRPr lang="zh-CN" altLang="en-US"/>
           </a:p>
@@ -11000,6 +10834,7 @@
           <a:p>
             <a:fld id="{DE5644BA-F85D-459D-ACAB-ADFB52AFC325}" type="slidenum">
               <a:rPr lang="zh-CN" altLang="en-US" smtClean="0"/>
+              <a:pPr/>
               <a:t>‹#›</a:t>
             </a:fld>
             <a:endParaRPr lang="zh-CN" altLang="en-US"/>
@@ -11009,7 +10844,7 @@
     </p:spTree>
     <p:extLst>
       <p:ext uri="{BB962C8B-B14F-4D97-AF65-F5344CB8AC3E}">
-        <p14:creationId xmlns:p14="http://schemas.microsoft.com/office/powerpoint/2010/main" val="4108660081"/>
+        <p14:creationId xmlns="" xmlns:p14="http://schemas.microsoft.com/office/powerpoint/2010/main" val="4108660081"/>
       </p:ext>
     </p:extLst>
   </p:cSld>
@@ -11197,7 +11032,8 @@
           <a:p>
             <a:fld id="{DFC80658-B08E-4469-B891-674666FD297B}" type="datetimeFigureOut">
               <a:rPr lang="zh-CN" altLang="en-US" smtClean="0"/>
-              <a:t>2016/3/31</a:t>
+              <a:pPr/>
+              <a:t>2016/4/7</a:t>
             </a:fld>
             <a:endParaRPr lang="zh-CN" altLang="en-US"/>
           </a:p>
@@ -11239,6 +11075,7 @@
           <a:p>
             <a:fld id="{DE5644BA-F85D-459D-ACAB-ADFB52AFC325}" type="slidenum">
               <a:rPr lang="zh-CN" altLang="en-US" smtClean="0"/>
+              <a:pPr/>
               <a:t>‹#›</a:t>
             </a:fld>
             <a:endParaRPr lang="zh-CN" altLang="en-US"/>
@@ -11248,7 +11085,7 @@
     </p:spTree>
     <p:extLst>
       <p:ext uri="{BB962C8B-B14F-4D97-AF65-F5344CB8AC3E}">
-        <p14:creationId xmlns:p14="http://schemas.microsoft.com/office/powerpoint/2010/main" val="1868809364"/>
+        <p14:creationId xmlns="" xmlns:p14="http://schemas.microsoft.com/office/powerpoint/2010/main" val="1868809364"/>
       </p:ext>
     </p:extLst>
   </p:cSld>
@@ -11571,7 +11408,8 @@
           <a:p>
             <a:fld id="{DFC80658-B08E-4469-B891-674666FD297B}" type="datetimeFigureOut">
               <a:rPr lang="zh-CN" altLang="en-US" smtClean="0"/>
-              <a:t>2016/3/31</a:t>
+              <a:pPr/>
+              <a:t>2016/4/7</a:t>
             </a:fld>
             <a:endParaRPr lang="zh-CN" altLang="en-US"/>
           </a:p>
@@ -11613,6 +11451,7 @@
           <a:p>
             <a:fld id="{DE5644BA-F85D-459D-ACAB-ADFB52AFC325}" type="slidenum">
               <a:rPr lang="zh-CN" altLang="en-US" smtClean="0"/>
+              <a:pPr/>
               <a:t>‹#›</a:t>
             </a:fld>
             <a:endParaRPr lang="zh-CN" altLang="en-US"/>
@@ -11622,7 +11461,7 @@
     </p:spTree>
     <p:extLst>
       <p:ext uri="{BB962C8B-B14F-4D97-AF65-F5344CB8AC3E}">
-        <p14:creationId xmlns:p14="http://schemas.microsoft.com/office/powerpoint/2010/main" val="3787161840"/>
+        <p14:creationId xmlns="" xmlns:p14="http://schemas.microsoft.com/office/powerpoint/2010/main" val="3787161840"/>
       </p:ext>
     </p:extLst>
   </p:cSld>
@@ -11696,7 +11535,8 @@
           <a:p>
             <a:fld id="{DFC80658-B08E-4469-B891-674666FD297B}" type="datetimeFigureOut">
               <a:rPr lang="zh-CN" altLang="en-US" smtClean="0"/>
-              <a:t>2016/3/31</a:t>
+              <a:pPr/>
+              <a:t>2016/4/7</a:t>
             </a:fld>
             <a:endParaRPr lang="zh-CN" altLang="en-US"/>
           </a:p>
@@ -11738,6 +11578,7 @@
           <a:p>
             <a:fld id="{DE5644BA-F85D-459D-ACAB-ADFB52AFC325}" type="slidenum">
               <a:rPr lang="zh-CN" altLang="en-US" smtClean="0"/>
+              <a:pPr/>
               <a:t>‹#›</a:t>
             </a:fld>
             <a:endParaRPr lang="zh-CN" altLang="en-US"/>
@@ -11747,7 +11588,7 @@
     </p:spTree>
     <p:extLst>
       <p:ext uri="{BB962C8B-B14F-4D97-AF65-F5344CB8AC3E}">
-        <p14:creationId xmlns:p14="http://schemas.microsoft.com/office/powerpoint/2010/main" val="841651915"/>
+        <p14:creationId xmlns="" xmlns:p14="http://schemas.microsoft.com/office/powerpoint/2010/main" val="841651915"/>
       </p:ext>
     </p:extLst>
   </p:cSld>
@@ -11798,7 +11639,8 @@
           <a:p>
             <a:fld id="{DFC80658-B08E-4469-B891-674666FD297B}" type="datetimeFigureOut">
               <a:rPr lang="zh-CN" altLang="en-US" smtClean="0"/>
-              <a:t>2016/3/31</a:t>
+              <a:pPr/>
+              <a:t>2016/4/7</a:t>
             </a:fld>
             <a:endParaRPr lang="zh-CN" altLang="en-US"/>
           </a:p>
@@ -11840,6 +11682,7 @@
           <a:p>
             <a:fld id="{DE5644BA-F85D-459D-ACAB-ADFB52AFC325}" type="slidenum">
               <a:rPr lang="zh-CN" altLang="en-US" smtClean="0"/>
+              <a:pPr/>
               <a:t>‹#›</a:t>
             </a:fld>
             <a:endParaRPr lang="zh-CN" altLang="en-US"/>
@@ -11849,7 +11692,7 @@
     </p:spTree>
     <p:extLst>
       <p:ext uri="{BB962C8B-B14F-4D97-AF65-F5344CB8AC3E}">
-        <p14:creationId xmlns:p14="http://schemas.microsoft.com/office/powerpoint/2010/main" val="917426871"/>
+        <p14:creationId xmlns="" xmlns:p14="http://schemas.microsoft.com/office/powerpoint/2010/main" val="917426871"/>
       </p:ext>
     </p:extLst>
   </p:cSld>
@@ -12075,7 +11918,8 @@
           <a:p>
             <a:fld id="{DFC80658-B08E-4469-B891-674666FD297B}" type="datetimeFigureOut">
               <a:rPr lang="zh-CN" altLang="en-US" smtClean="0"/>
-              <a:t>2016/3/31</a:t>
+              <a:pPr/>
+              <a:t>2016/4/7</a:t>
             </a:fld>
             <a:endParaRPr lang="zh-CN" altLang="en-US"/>
           </a:p>
@@ -12117,6 +11961,7 @@
           <a:p>
             <a:fld id="{DE5644BA-F85D-459D-ACAB-ADFB52AFC325}" type="slidenum">
               <a:rPr lang="zh-CN" altLang="en-US" smtClean="0"/>
+              <a:pPr/>
               <a:t>‹#›</a:t>
             </a:fld>
             <a:endParaRPr lang="zh-CN" altLang="en-US"/>
@@ -12126,7 +11971,7 @@
     </p:spTree>
     <p:extLst>
       <p:ext uri="{BB962C8B-B14F-4D97-AF65-F5344CB8AC3E}">
-        <p14:creationId xmlns:p14="http://schemas.microsoft.com/office/powerpoint/2010/main" val="2747785116"/>
+        <p14:creationId xmlns="" xmlns:p14="http://schemas.microsoft.com/office/powerpoint/2010/main" val="2747785116"/>
       </p:ext>
     </p:extLst>
   </p:cSld>
@@ -12332,7 +12177,8 @@
           <a:p>
             <a:fld id="{DFC80658-B08E-4469-B891-674666FD297B}" type="datetimeFigureOut">
               <a:rPr lang="zh-CN" altLang="en-US" smtClean="0"/>
-              <a:t>2016/3/31</a:t>
+              <a:pPr/>
+              <a:t>2016/4/7</a:t>
             </a:fld>
             <a:endParaRPr lang="zh-CN" altLang="en-US"/>
           </a:p>
@@ -12374,6 +12220,7 @@
           <a:p>
             <a:fld id="{DE5644BA-F85D-459D-ACAB-ADFB52AFC325}" type="slidenum">
               <a:rPr lang="zh-CN" altLang="en-US" smtClean="0"/>
+              <a:pPr/>
               <a:t>‹#›</a:t>
             </a:fld>
             <a:endParaRPr lang="zh-CN" altLang="en-US"/>
@@ -12383,7 +12230,7 @@
     </p:spTree>
     <p:extLst>
       <p:ext uri="{BB962C8B-B14F-4D97-AF65-F5344CB8AC3E}">
-        <p14:creationId xmlns:p14="http://schemas.microsoft.com/office/powerpoint/2010/main" val="1290912645"/>
+        <p14:creationId xmlns="" xmlns:p14="http://schemas.microsoft.com/office/powerpoint/2010/main" val="1290912645"/>
       </p:ext>
     </p:extLst>
   </p:cSld>
@@ -12545,7 +12392,8 @@
           <a:p>
             <a:fld id="{DFC80658-B08E-4469-B891-674666FD297B}" type="datetimeFigureOut">
               <a:rPr lang="zh-CN" altLang="en-US" smtClean="0"/>
-              <a:t>2016/3/31</a:t>
+              <a:pPr/>
+              <a:t>2016/4/7</a:t>
             </a:fld>
             <a:endParaRPr lang="zh-CN" altLang="en-US"/>
           </a:p>
@@ -12623,6 +12471,7 @@
           <a:p>
             <a:fld id="{DE5644BA-F85D-459D-ACAB-ADFB52AFC325}" type="slidenum">
               <a:rPr lang="zh-CN" altLang="en-US" smtClean="0"/>
+              <a:pPr/>
               <a:t>‹#›</a:t>
             </a:fld>
             <a:endParaRPr lang="zh-CN" altLang="en-US"/>
@@ -12712,10 +12561,10 @@
           <p:nvPr/>
         </p:nvPicPr>
         <p:blipFill>
-          <a:blip r:embed="rId13">
+          <a:blip r:embed="rId13" cstate="print">
             <a:extLst>
               <a:ext uri="{28A0092B-C50C-407E-A947-70E740481C1C}">
-                <a14:useLocalDpi xmlns:a14="http://schemas.microsoft.com/office/drawing/2010/main" val="0"/>
+                <a14:useLocalDpi xmlns="" xmlns:a14="http://schemas.microsoft.com/office/drawing/2010/main" val="0"/>
               </a:ext>
             </a:extLst>
           </a:blip>
@@ -12814,7 +12663,7 @@
     </p:spTree>
     <p:extLst>
       <p:ext uri="{BB962C8B-B14F-4D97-AF65-F5344CB8AC3E}">
-        <p14:creationId xmlns:p14="http://schemas.microsoft.com/office/powerpoint/2010/main" val="2800617241"/>
+        <p14:creationId xmlns="" xmlns:p14="http://schemas.microsoft.com/office/powerpoint/2010/main" val="2800617241"/>
       </p:ext>
     </p:extLst>
   </p:cSld>
@@ -13188,7 +13037,7 @@
     </p:spTree>
     <p:extLst>
       <p:ext uri="{BB962C8B-B14F-4D97-AF65-F5344CB8AC3E}">
-        <p14:creationId xmlns:p14="http://schemas.microsoft.com/office/powerpoint/2010/main" val="1010921406"/>
+        <p14:creationId xmlns="" xmlns:p14="http://schemas.microsoft.com/office/powerpoint/2010/main" val="1010921406"/>
       </p:ext>
     </p:extLst>
   </p:cSld>
@@ -13238,8 +13087,8 @@
           </a:p>
         </p:txBody>
       </p:sp>
-      <mc:AlternateContent xmlns:mc="http://schemas.openxmlformats.org/markup-compatibility/2006" xmlns:a14="http://schemas.microsoft.com/office/drawing/2010/main">
-        <mc:Choice Requires="a14">
+      <mc:AlternateContent xmlns:mc="http://schemas.openxmlformats.org/markup-compatibility/2006">
+        <mc:Choice xmlns="" xmlns:a14="http://schemas.microsoft.com/office/drawing/2010/main" Requires="a14">
           <p:sp>
             <p:nvSpPr>
               <p:cNvPr id="4" name="内容占位符 3"/>
@@ -14420,7 +14269,7 @@
             </p:txBody>
           </p:sp>
         </mc:Choice>
-        <mc:Fallback xmlns="">
+        <mc:Fallback>
           <p:sp>
             <p:nvSpPr>
               <p:cNvPr id="4" name="内容占位符 3"/>
@@ -14437,7 +14286,7 @@
                 <a:ext cx="10515600" cy="5104263"/>
               </a:xfrm>
               <a:blipFill rotWithShape="0">
-                <a:blip r:embed="rId2"/>
+                <a:blip r:embed="rId2" cstate="print"/>
                 <a:stretch>
                   <a:fillRect l="-812" t="-2151"/>
                 </a:stretch>
@@ -14461,7 +14310,7 @@
     </p:spTree>
     <p:extLst>
       <p:ext uri="{BB962C8B-B14F-4D97-AF65-F5344CB8AC3E}">
-        <p14:creationId xmlns:p14="http://schemas.microsoft.com/office/powerpoint/2010/main" val="3735529691"/>
+        <p14:creationId xmlns="" xmlns:p14="http://schemas.microsoft.com/office/powerpoint/2010/main" val="3735529691"/>
       </p:ext>
     </p:extLst>
   </p:cSld>
@@ -14529,10 +14378,10 @@
           </p:nvPr>
         </p:nvPicPr>
         <p:blipFill>
-          <a:blip r:embed="rId2">
+          <a:blip r:embed="rId2" cstate="print">
             <a:extLst>
               <a:ext uri="{28A0092B-C50C-407E-A947-70E740481C1C}">
-                <a14:useLocalDpi xmlns:a14="http://schemas.microsoft.com/office/drawing/2010/main" val="0"/>
+                <a14:useLocalDpi xmlns="" xmlns:a14="http://schemas.microsoft.com/office/drawing/2010/main" val="0"/>
               </a:ext>
             </a:extLst>
           </a:blip>
@@ -14552,7 +14401,7 @@
           <a:noFill/>
           <a:extLst>
             <a:ext uri="{909E8E84-426E-40DD-AFC4-6F175D3DCCD1}">
-              <a14:hiddenFill xmlns:a14="http://schemas.microsoft.com/office/drawing/2010/main">
+              <a14:hiddenFill xmlns="" xmlns:a14="http://schemas.microsoft.com/office/drawing/2010/main">
                 <a:solidFill>
                   <a:srgbClr val="FFFFFF"/>
                 </a:solidFill>
@@ -14564,7 +14413,7 @@
     </p:spTree>
     <p:extLst>
       <p:ext uri="{BB962C8B-B14F-4D97-AF65-F5344CB8AC3E}">
-        <p14:creationId xmlns:p14="http://schemas.microsoft.com/office/powerpoint/2010/main" val="3187693378"/>
+        <p14:creationId xmlns="" xmlns:p14="http://schemas.microsoft.com/office/powerpoint/2010/main" val="3187693378"/>
       </p:ext>
     </p:extLst>
   </p:cSld>
@@ -14649,14 +14498,13 @@
               <a:rPr lang="zh-CN" altLang="en-US" dirty="0"/>
               <a:t>（先验的，推测的）算法应用广泛，可用于消费市场价格分析，猜测顾客的消费习惯；网络安全领域中的入侵检测技术；可用在用于高校管理中，根据挖掘规则可以有效地辅助学校管理部门有针对性的开展贫困助学工作；也可用在移动通信领域中，指导运营商的业务运营和辅助业务提供商的决策制定。</a:t>
             </a:r>
-            <a:endParaRPr lang="zh-CN" altLang="en-US" dirty="0"/>
           </a:p>
         </p:txBody>
       </p:sp>
     </p:spTree>
     <p:extLst>
       <p:ext uri="{BB962C8B-B14F-4D97-AF65-F5344CB8AC3E}">
-        <p14:creationId xmlns:p14="http://schemas.microsoft.com/office/powerpoint/2010/main" val="3571796113"/>
+        <p14:creationId xmlns="" xmlns:p14="http://schemas.microsoft.com/office/powerpoint/2010/main" val="3571796113"/>
       </p:ext>
     </p:extLst>
   </p:cSld>
@@ -14683,25 +14531,6 @@
           <a:chExt cx="0" cy="0"/>
         </a:xfrm>
       </p:grpSpPr>
-      <p:sp>
-        <p:nvSpPr>
-          <p:cNvPr id="2" name="标题 1"/>
-          <p:cNvSpPr>
-            <a:spLocks noGrp="1"/>
-          </p:cNvSpPr>
-          <p:nvPr>
-            <p:ph type="title"/>
-          </p:nvPr>
-        </p:nvSpPr>
-        <p:spPr/>
-        <p:txBody>
-          <a:bodyPr/>
-          <a:lstStyle/>
-          <a:p>
-            <a:endParaRPr lang="zh-CN" altLang="en-US" dirty="0"/>
-          </a:p>
-        </p:txBody>
-      </p:sp>
       <p:pic>
         <p:nvPicPr>
           <p:cNvPr id="1026" name="Picture 2" descr="http://img.blog.csdn.net/20130609110737296"/>
@@ -14713,10 +14542,10 @@
           </p:nvPr>
         </p:nvPicPr>
         <p:blipFill>
-          <a:blip r:embed="rId2">
+          <a:blip r:embed="rId2" cstate="print">
             <a:extLst>
               <a:ext uri="{28A0092B-C50C-407E-A947-70E740481C1C}">
-                <a14:useLocalDpi xmlns:a14="http://schemas.microsoft.com/office/drawing/2010/main" val="0"/>
+                <a14:useLocalDpi xmlns="" xmlns:a14="http://schemas.microsoft.com/office/drawing/2010/main" val="0"/>
               </a:ext>
             </a:extLst>
           </a:blip>
@@ -14727,8 +14556,8 @@
         </p:blipFill>
         <p:spPr bwMode="auto">
           <a:xfrm>
-            <a:off x="1571223" y="397946"/>
-            <a:ext cx="7690377" cy="5796479"/>
+            <a:off x="1823014" y="397946"/>
+            <a:ext cx="7811316" cy="5887635"/>
           </a:xfrm>
           <a:prstGeom prst="rect">
             <a:avLst/>
@@ -14736,7 +14565,7 @@
           <a:noFill/>
           <a:extLst>
             <a:ext uri="{909E8E84-426E-40DD-AFC4-6F175D3DCCD1}">
-              <a14:hiddenFill xmlns:a14="http://schemas.microsoft.com/office/drawing/2010/main">
+              <a14:hiddenFill xmlns="" xmlns:a14="http://schemas.microsoft.com/office/drawing/2010/main">
                 <a:solidFill>
                   <a:srgbClr val="FFFFFF"/>
                 </a:solidFill>
@@ -14748,7 +14577,7 @@
     </p:spTree>
     <p:extLst>
       <p:ext uri="{BB962C8B-B14F-4D97-AF65-F5344CB8AC3E}">
-        <p14:creationId xmlns:p14="http://schemas.microsoft.com/office/powerpoint/2010/main" val="1095953586"/>
+        <p14:creationId xmlns="" xmlns:p14="http://schemas.microsoft.com/office/powerpoint/2010/main" val="1095953586"/>
       </p:ext>
     </p:extLst>
   </p:cSld>
@@ -14912,14 +14741,13 @@
               <a:rPr lang="zh-CN" altLang="en-US" dirty="0"/>
               <a:t>维最大项目集。</a:t>
             </a:r>
-            <a:endParaRPr lang="zh-CN" altLang="en-US" dirty="0"/>
           </a:p>
         </p:txBody>
       </p:sp>
     </p:spTree>
     <p:extLst>
       <p:ext uri="{BB962C8B-B14F-4D97-AF65-F5344CB8AC3E}">
-        <p14:creationId xmlns:p14="http://schemas.microsoft.com/office/powerpoint/2010/main" val="4275471288"/>
+        <p14:creationId xmlns="" xmlns:p14="http://schemas.microsoft.com/office/powerpoint/2010/main" val="4275471288"/>
       </p:ext>
     </p:extLst>
   </p:cSld>
@@ -14976,7 +14804,6 @@
               <a:rPr lang="zh-CN" altLang="en-US" dirty="0"/>
               <a:t>算法的缺点</a:t>
             </a:r>
-            <a:endParaRPr lang="zh-CN" altLang="en-US" dirty="0"/>
           </a:p>
         </p:txBody>
       </p:sp>
@@ -15161,7 +14988,7 @@
     </p:spTree>
     <p:extLst>
       <p:ext uri="{BB962C8B-B14F-4D97-AF65-F5344CB8AC3E}">
-        <p14:creationId xmlns:p14="http://schemas.microsoft.com/office/powerpoint/2010/main" val="3666098548"/>
+        <p14:creationId xmlns="" xmlns:p14="http://schemas.microsoft.com/office/powerpoint/2010/main" val="3666098548"/>
       </p:ext>
     </p:extLst>
   </p:cSld>
@@ -15203,7 +15030,11 @@
           <a:bodyPr/>
           <a:lstStyle/>
           <a:p>
-            <a:endParaRPr lang="zh-CN" altLang="en-US"/>
+            <a:r>
+              <a:rPr lang="zh-CN" altLang="en-US" dirty="0" smtClean="0"/>
+              <a:t>关联分析例子</a:t>
+            </a:r>
+            <a:endParaRPr lang="zh-CN" altLang="en-US" dirty="0"/>
           </a:p>
         </p:txBody>
       </p:sp>
@@ -15222,14 +15053,33 @@
           <a:bodyPr/>
           <a:lstStyle/>
           <a:p>
-            <a:endParaRPr lang="zh-CN" altLang="en-US"/>
+            <a:r>
+              <a:rPr lang="en-US" altLang="zh-CN" dirty="0" smtClean="0"/>
+              <a:t>2016</a:t>
+            </a:r>
+            <a:r>
+              <a:rPr lang="zh-CN" altLang="en-US" dirty="0" smtClean="0"/>
+              <a:t>年</a:t>
+            </a:r>
+            <a:r>
+              <a:rPr lang="en-US" altLang="zh-CN" dirty="0" smtClean="0"/>
+              <a:t>3</a:t>
+            </a:r>
+            <a:r>
+              <a:rPr lang="zh-CN" altLang="en-US" dirty="0" smtClean="0"/>
+              <a:t>月份全司购物篮报表</a:t>
+            </a:r>
+            <a:endParaRPr lang="en-US" altLang="zh-CN" dirty="0" smtClean="0"/>
+          </a:p>
+          <a:p>
+            <a:endParaRPr lang="zh-CN" altLang="en-US" dirty="0"/>
           </a:p>
         </p:txBody>
       </p:sp>
     </p:spTree>
     <p:extLst>
       <p:ext uri="{BB962C8B-B14F-4D97-AF65-F5344CB8AC3E}">
-        <p14:creationId xmlns:p14="http://schemas.microsoft.com/office/powerpoint/2010/main" val="4204777716"/>
+        <p14:creationId xmlns="" xmlns:p14="http://schemas.microsoft.com/office/powerpoint/2010/main" val="4204777716"/>
       </p:ext>
     </p:extLst>
   </p:cSld>
@@ -15297,7 +15147,7 @@
     </p:spTree>
     <p:extLst>
       <p:ext uri="{BB962C8B-B14F-4D97-AF65-F5344CB8AC3E}">
-        <p14:creationId xmlns:p14="http://schemas.microsoft.com/office/powerpoint/2010/main" val="4215362768"/>
+        <p14:creationId xmlns="" xmlns:p14="http://schemas.microsoft.com/office/powerpoint/2010/main" val="4215362768"/>
       </p:ext>
     </p:extLst>
   </p:cSld>
@@ -15357,7 +15207,7 @@
             <p:ph idx="1"/>
             <p:extLst>
               <p:ext uri="{D42A27DB-BD31-4B8C-83A1-F6EECF244321}">
-                <p14:modId xmlns:p14="http://schemas.microsoft.com/office/powerpoint/2010/main" val="2833570688"/>
+                <p14:modId xmlns="" xmlns:p14="http://schemas.microsoft.com/office/powerpoint/2010/main" val="2833570688"/>
               </p:ext>
             </p:extLst>
           </p:nvPr>
@@ -15375,7 +15225,7 @@
     </p:spTree>
     <p:extLst>
       <p:ext uri="{BB962C8B-B14F-4D97-AF65-F5344CB8AC3E}">
-        <p14:creationId xmlns:p14="http://schemas.microsoft.com/office/powerpoint/2010/main" val="1825254616"/>
+        <p14:creationId xmlns="" xmlns:p14="http://schemas.microsoft.com/office/powerpoint/2010/main" val="1825254616"/>
       </p:ext>
     </p:extLst>
   </p:cSld>
@@ -15542,7 +15392,7 @@
     </p:spTree>
     <p:extLst>
       <p:ext uri="{BB962C8B-B14F-4D97-AF65-F5344CB8AC3E}">
-        <p14:creationId xmlns:p14="http://schemas.microsoft.com/office/powerpoint/2010/main" val="2802513767"/>
+        <p14:creationId xmlns="" xmlns:p14="http://schemas.microsoft.com/office/powerpoint/2010/main" val="2802513767"/>
       </p:ext>
     </p:extLst>
   </p:cSld>
@@ -15602,7 +15452,7 @@
             <p:ph idx="1"/>
             <p:extLst>
               <p:ext uri="{D42A27DB-BD31-4B8C-83A1-F6EECF244321}">
-                <p14:modId xmlns:p14="http://schemas.microsoft.com/office/powerpoint/2010/main" val="1801065555"/>
+                <p14:modId xmlns="" xmlns:p14="http://schemas.microsoft.com/office/powerpoint/2010/main" val="1801065555"/>
               </p:ext>
             </p:extLst>
           </p:nvPr>
@@ -15620,7 +15470,7 @@
     </p:spTree>
     <p:extLst>
       <p:ext uri="{BB962C8B-B14F-4D97-AF65-F5344CB8AC3E}">
-        <p14:creationId xmlns:p14="http://schemas.microsoft.com/office/powerpoint/2010/main" val="843082010"/>
+        <p14:creationId xmlns="" xmlns:p14="http://schemas.microsoft.com/office/powerpoint/2010/main" val="843082010"/>
       </p:ext>
     </p:extLst>
   </p:cSld>
@@ -15804,7 +15654,7 @@
     </p:spTree>
     <p:extLst>
       <p:ext uri="{BB962C8B-B14F-4D97-AF65-F5344CB8AC3E}">
-        <p14:creationId xmlns:p14="http://schemas.microsoft.com/office/powerpoint/2010/main" val="3429462378"/>
+        <p14:creationId xmlns="" xmlns:p14="http://schemas.microsoft.com/office/powerpoint/2010/main" val="3429462378"/>
       </p:ext>
     </p:extLst>
   </p:cSld>
@@ -15891,15 +15741,7 @@
                   <a:srgbClr val="FF0000"/>
                 </a:solidFill>
               </a:rPr>
-              <a:t>关联</a:t>
-            </a:r>
-            <a:r>
-              <a:rPr lang="zh-CN" altLang="en-US" sz="1600" b="1" dirty="0" smtClean="0">
-                <a:solidFill>
-                  <a:srgbClr val="FF0000"/>
-                </a:solidFill>
-              </a:rPr>
-              <a:t>规则：</a:t>
+              <a:t>关联规则：</a:t>
             </a:r>
             <a:r>
               <a:rPr lang="zh-CN" altLang="en-US" sz="1600" dirty="0" smtClean="0"/>
@@ -16075,7 +15917,7 @@
     </p:spTree>
     <p:extLst>
       <p:ext uri="{BB962C8B-B14F-4D97-AF65-F5344CB8AC3E}">
-        <p14:creationId xmlns:p14="http://schemas.microsoft.com/office/powerpoint/2010/main" val="3872702022"/>
+        <p14:creationId xmlns="" xmlns:p14="http://schemas.microsoft.com/office/powerpoint/2010/main" val="3872702022"/>
       </p:ext>
     </p:extLst>
   </p:cSld>
@@ -16135,7 +15977,7 @@
             <p:ph idx="1"/>
             <p:extLst>
               <p:ext uri="{D42A27DB-BD31-4B8C-83A1-F6EECF244321}">
-                <p14:modId xmlns:p14="http://schemas.microsoft.com/office/powerpoint/2010/main" val="1776967923"/>
+                <p14:modId xmlns="" xmlns:p14="http://schemas.microsoft.com/office/powerpoint/2010/main" val="1776967923"/>
               </p:ext>
             </p:extLst>
           </p:nvPr>
@@ -16153,7 +15995,7 @@
     </p:spTree>
     <p:extLst>
       <p:ext uri="{BB962C8B-B14F-4D97-AF65-F5344CB8AC3E}">
-        <p14:creationId xmlns:p14="http://schemas.microsoft.com/office/powerpoint/2010/main" val="423435394"/>
+        <p14:creationId xmlns="" xmlns:p14="http://schemas.microsoft.com/office/powerpoint/2010/main" val="423435394"/>
       </p:ext>
     </p:extLst>
   </p:cSld>
@@ -16311,7 +16153,7 @@
     </p:spTree>
     <p:extLst>
       <p:ext uri="{BB962C8B-B14F-4D97-AF65-F5344CB8AC3E}">
-        <p14:creationId xmlns:p14="http://schemas.microsoft.com/office/powerpoint/2010/main" val="4268672718"/>
+        <p14:creationId xmlns="" xmlns:p14="http://schemas.microsoft.com/office/powerpoint/2010/main" val="4268672718"/>
       </p:ext>
     </p:extLst>
   </p:cSld>
@@ -16602,7 +16444,7 @@
     </p:spTree>
     <p:extLst>
       <p:ext uri="{BB962C8B-B14F-4D97-AF65-F5344CB8AC3E}">
-        <p14:creationId xmlns:p14="http://schemas.microsoft.com/office/powerpoint/2010/main" val="2449231388"/>
+        <p14:creationId xmlns="" xmlns:p14="http://schemas.microsoft.com/office/powerpoint/2010/main" val="2449231388"/>
       </p:ext>
     </p:extLst>
   </p:cSld>
@@ -16662,7 +16504,7 @@
     </a:clrScheme>
     <a:fontScheme name="Office">
       <a:majorFont>
-        <a:latin typeface="Calibri Light" panose="020F0302020204030204"/>
+        <a:latin typeface="Calibri Light"/>
         <a:ea typeface=""/>
         <a:cs typeface=""/>
         <a:font script="Jpan" typeface="ＭＳ Ｐゴシック"/>
@@ -16697,7 +16539,7 @@
         <a:font script="Geor" typeface="Sylfaen"/>
       </a:majorFont>
       <a:minorFont>
-        <a:latin typeface="Calibri" panose="020F0502020204030204"/>
+        <a:latin typeface="Calibri"/>
         <a:ea typeface=""/>
         <a:cs typeface=""/>
         <a:font script="Jpan" typeface="ＭＳ Ｐゴシック"/>
@@ -16874,7 +16716,7 @@
   <a:extraClrSchemeLst/>
   <a:extLst>
     <a:ext uri="{05A4C25C-085E-4340-85A3-A5531E510DB2}">
-      <thm15:themeFamily xmlns:thm15="http://schemas.microsoft.com/office/thememl/2012/main" name="bbg_ra_ppt" id="{3D527314-3A1B-420D-8623-8111CF1DD697}" vid="{7F6FBA7B-CD7E-4D29-9531-1D3CCCE5AF1A}"/>
+      <thm15:themeFamily xmlns="" xmlns:thm15="http://schemas.microsoft.com/office/thememl/2012/main" name="bbg_ra_ppt" id="{3D527314-3A1B-420D-8623-8111CF1DD697}" vid="{7F6FBA7B-CD7E-4D29-9531-1D3CCCE5AF1A}"/>
     </a:ext>
   </a:extLst>
 </a:theme>
